--- a/docs/BP 神经网络 C 语言实现与项目应用.pptx
+++ b/docs/BP 神经网络 C 语言实现与项目应用.pptx
@@ -4,24 +4,57 @@
   <p:sldMasterIdLst>
     <p:sldMasterId id="2147483648" r:id="rId1"/>
   </p:sldMasterIdLst>
+  <p:notesMasterIdLst>
+    <p:notesMasterId r:id="rId45"/>
+  </p:notesMasterIdLst>
   <p:sldIdLst>
     <p:sldId id="256" r:id="rId3"/>
     <p:sldId id="257" r:id="rId4"/>
     <p:sldId id="258" r:id="rId5"/>
     <p:sldId id="259" r:id="rId6"/>
-    <p:sldId id="260" r:id="rId7"/>
-    <p:sldId id="261" r:id="rId8"/>
-    <p:sldId id="262" r:id="rId9"/>
-    <p:sldId id="263" r:id="rId10"/>
-    <p:sldId id="264" r:id="rId11"/>
-    <p:sldId id="265" r:id="rId12"/>
-    <p:sldId id="266" r:id="rId13"/>
-    <p:sldId id="267" r:id="rId14"/>
+    <p:sldId id="266" r:id="rId7"/>
+    <p:sldId id="260" r:id="rId8"/>
+    <p:sldId id="261" r:id="rId9"/>
+    <p:sldId id="271" r:id="rId10"/>
+    <p:sldId id="272" r:id="rId11"/>
+    <p:sldId id="273" r:id="rId12"/>
+    <p:sldId id="274" r:id="rId13"/>
+    <p:sldId id="268" r:id="rId14"/>
+    <p:sldId id="269" r:id="rId15"/>
+    <p:sldId id="262" r:id="rId16"/>
+    <p:sldId id="276" r:id="rId17"/>
+    <p:sldId id="277" r:id="rId18"/>
+    <p:sldId id="278" r:id="rId19"/>
+    <p:sldId id="279" r:id="rId20"/>
+    <p:sldId id="263" r:id="rId21"/>
+    <p:sldId id="264" r:id="rId22"/>
+    <p:sldId id="265" r:id="rId23"/>
+    <p:sldId id="267" r:id="rId24"/>
+    <p:sldId id="294" r:id="rId25"/>
+    <p:sldId id="275" r:id="rId26"/>
+    <p:sldId id="297" r:id="rId27"/>
+    <p:sldId id="295" r:id="rId28"/>
+    <p:sldId id="281" r:id="rId29"/>
+    <p:sldId id="282" r:id="rId30"/>
+    <p:sldId id="283" r:id="rId31"/>
+    <p:sldId id="284" r:id="rId32"/>
+    <p:sldId id="285" r:id="rId33"/>
+    <p:sldId id="286" r:id="rId34"/>
+    <p:sldId id="287" r:id="rId35"/>
+    <p:sldId id="288" r:id="rId36"/>
+    <p:sldId id="289" r:id="rId37"/>
+    <p:sldId id="290" r:id="rId38"/>
+    <p:sldId id="296" r:id="rId39"/>
+    <p:sldId id="291" r:id="rId40"/>
+    <p:sldId id="292" r:id="rId41"/>
+    <p:sldId id="293" r:id="rId42"/>
+    <p:sldId id="280" r:id="rId43"/>
+    <p:sldId id="298" r:id="rId44"/>
   </p:sldIdLst>
   <p:sldSz cx="12192000" cy="6858000"/>
   <p:notesSz cx="6858000" cy="9144000"/>
   <p:custDataLst>
-    <p:tags r:id="rId18"/>
+    <p:tags r:id="rId49"/>
   </p:custDataLst>
   <p:defaultTextStyle>
     <a:defPPr>
@@ -119,6 +152,353 @@
     </a:lvl9pPr>
   </p:defaultTextStyle>
 </p:presentation>
+</file>
+
+<file path=ppt/notesMasters/notesMaster1.xml><?xml version="1.0" encoding="utf-8"?>
+<p:notesMaster xmlns:a="http://schemas.openxmlformats.org/drawingml/2006/main" xmlns:r="http://schemas.openxmlformats.org/officeDocument/2006/relationships" xmlns:p="http://schemas.openxmlformats.org/presentationml/2006/main">
+  <p:cSld>
+    <p:bg>
+      <p:bgRef idx="1001">
+        <a:schemeClr val="bg1"/>
+      </p:bgRef>
+    </p:bg>
+    <p:spTree>
+      <p:nvGrpSpPr>
+        <p:cNvPr id="1" name=""/>
+        <p:cNvGrpSpPr/>
+        <p:nvPr/>
+      </p:nvGrpSpPr>
+      <p:grpSpPr>
+        <a:xfrm>
+          <a:off x="0" y="0"/>
+          <a:ext cx="0" cy="0"/>
+          <a:chOff x="0" y="0"/>
+          <a:chExt cx="0" cy="0"/>
+        </a:xfrm>
+      </p:grpSpPr>
+      <p:sp>
+        <p:nvSpPr>
+          <p:cNvPr id="2" name="页眉占位符 1"/>
+          <p:cNvSpPr>
+            <a:spLocks noGrp="1"/>
+          </p:cNvSpPr>
+          <p:nvPr>
+            <p:ph type="hdr" sz="quarter"/>
+          </p:nvPr>
+        </p:nvSpPr>
+        <p:spPr>
+          <a:xfrm>
+            <a:off x="0" y="0"/>
+            <a:ext cx="2971800" cy="458788"/>
+          </a:xfrm>
+          <a:prstGeom prst="rect">
+            <a:avLst/>
+          </a:prstGeom>
+        </p:spPr>
+        <p:txBody>
+          <a:bodyPr vert="horz" lIns="91440" tIns="45720" rIns="91440" bIns="45720" rtlCol="0"/>
+          <a:lstStyle>
+            <a:lvl1pPr algn="l">
+              <a:defRPr sz="1200"/>
+            </a:lvl1pPr>
+          </a:lstStyle>
+          <a:p>
+            <a:endParaRPr lang="zh-CN" altLang="en-US"/>
+          </a:p>
+        </p:txBody>
+      </p:sp>
+      <p:sp>
+        <p:nvSpPr>
+          <p:cNvPr id="3" name="日期占位符 2"/>
+          <p:cNvSpPr>
+            <a:spLocks noGrp="1"/>
+          </p:cNvSpPr>
+          <p:nvPr>
+            <p:ph type="dt" idx="1"/>
+          </p:nvPr>
+        </p:nvSpPr>
+        <p:spPr>
+          <a:xfrm>
+            <a:off x="3884613" y="0"/>
+            <a:ext cx="2971800" cy="458788"/>
+          </a:xfrm>
+          <a:prstGeom prst="rect">
+            <a:avLst/>
+          </a:prstGeom>
+        </p:spPr>
+        <p:txBody>
+          <a:bodyPr vert="horz" lIns="91440" tIns="45720" rIns="91440" bIns="45720" rtlCol="0"/>
+          <a:lstStyle>
+            <a:lvl1pPr algn="r">
+              <a:defRPr sz="1200"/>
+            </a:lvl1pPr>
+          </a:lstStyle>
+          <a:p>
+            <a:fld id="{D2A48B96-639E-45A3-A0BA-2464DFDB1FAA}" type="datetimeFigureOut">
+              <a:rPr lang="zh-CN" altLang="en-US" smtClean="0"/>
+            </a:fld>
+            <a:endParaRPr lang="zh-CN" altLang="en-US"/>
+          </a:p>
+        </p:txBody>
+      </p:sp>
+      <p:sp>
+        <p:nvSpPr>
+          <p:cNvPr id="4" name="幻灯片图像占位符 3"/>
+          <p:cNvSpPr>
+            <a:spLocks noGrp="1" noRot="1" noChangeAspect="1"/>
+          </p:cNvSpPr>
+          <p:nvPr>
+            <p:ph type="sldImg" idx="2"/>
+          </p:nvPr>
+        </p:nvSpPr>
+        <p:spPr>
+          <a:xfrm>
+            <a:off x="685800" y="1143000"/>
+            <a:ext cx="5486400" cy="3086100"/>
+          </a:xfrm>
+          <a:prstGeom prst="rect">
+            <a:avLst/>
+          </a:prstGeom>
+          <a:noFill/>
+          <a:ln w="12700">
+            <a:solidFill>
+              <a:prstClr val="black"/>
+            </a:solidFill>
+          </a:ln>
+        </p:spPr>
+        <p:txBody>
+          <a:bodyPr vert="horz" lIns="91440" tIns="45720" rIns="91440" bIns="45720" rtlCol="0" anchor="ctr"/>
+          <a:lstStyle/>
+          <a:p>
+            <a:endParaRPr lang="zh-CN" altLang="en-US"/>
+          </a:p>
+        </p:txBody>
+      </p:sp>
+      <p:sp>
+        <p:nvSpPr>
+          <p:cNvPr id="5" name="备注占位符 4"/>
+          <p:cNvSpPr>
+            <a:spLocks noGrp="1"/>
+          </p:cNvSpPr>
+          <p:nvPr>
+            <p:ph type="body" sz="quarter" idx="3"/>
+          </p:nvPr>
+        </p:nvSpPr>
+        <p:spPr>
+          <a:xfrm>
+            <a:off x="685800" y="4400550"/>
+            <a:ext cx="5486400" cy="3600450"/>
+          </a:xfrm>
+          <a:prstGeom prst="rect">
+            <a:avLst/>
+          </a:prstGeom>
+        </p:spPr>
+        <p:txBody>
+          <a:bodyPr vert="horz" lIns="91440" tIns="45720" rIns="91440" bIns="45720" rtlCol="0"/>
+          <a:lstStyle/>
+          <a:p>
+            <a:pPr lvl="0"/>
+            <a:r>
+              <a:rPr lang="zh-CN" altLang="en-US" smtClean="0"/>
+              <a:t>单击此处编辑母版文本样式</a:t>
+            </a:r>
+            <a:endParaRPr lang="zh-CN" altLang="en-US" smtClean="0"/>
+          </a:p>
+          <a:p>
+            <a:pPr lvl="1"/>
+            <a:r>
+              <a:rPr lang="zh-CN" altLang="en-US" smtClean="0"/>
+              <a:t>第二级</a:t>
+            </a:r>
+            <a:endParaRPr lang="zh-CN" altLang="en-US" smtClean="0"/>
+          </a:p>
+          <a:p>
+            <a:pPr lvl="2"/>
+            <a:r>
+              <a:rPr lang="zh-CN" altLang="en-US" smtClean="0"/>
+              <a:t>第三级</a:t>
+            </a:r>
+            <a:endParaRPr lang="zh-CN" altLang="en-US" smtClean="0"/>
+          </a:p>
+          <a:p>
+            <a:pPr lvl="3"/>
+            <a:r>
+              <a:rPr lang="zh-CN" altLang="en-US" smtClean="0"/>
+              <a:t>第四级</a:t>
+            </a:r>
+            <a:endParaRPr lang="zh-CN" altLang="en-US" smtClean="0"/>
+          </a:p>
+          <a:p>
+            <a:pPr lvl="4"/>
+            <a:r>
+              <a:rPr lang="zh-CN" altLang="en-US" smtClean="0"/>
+              <a:t>第五级</a:t>
+            </a:r>
+            <a:endParaRPr lang="zh-CN" altLang="en-US"/>
+          </a:p>
+        </p:txBody>
+      </p:sp>
+      <p:sp>
+        <p:nvSpPr>
+          <p:cNvPr id="6" name="页脚占位符 5"/>
+          <p:cNvSpPr>
+            <a:spLocks noGrp="1"/>
+          </p:cNvSpPr>
+          <p:nvPr>
+            <p:ph type="ftr" sz="quarter" idx="4"/>
+          </p:nvPr>
+        </p:nvSpPr>
+        <p:spPr>
+          <a:xfrm>
+            <a:off x="0" y="8685213"/>
+            <a:ext cx="2971800" cy="458787"/>
+          </a:xfrm>
+          <a:prstGeom prst="rect">
+            <a:avLst/>
+          </a:prstGeom>
+        </p:spPr>
+        <p:txBody>
+          <a:bodyPr vert="horz" lIns="91440" tIns="45720" rIns="91440" bIns="45720" rtlCol="0" anchor="b"/>
+          <a:lstStyle>
+            <a:lvl1pPr algn="l">
+              <a:defRPr sz="1200"/>
+            </a:lvl1pPr>
+          </a:lstStyle>
+          <a:p>
+            <a:endParaRPr lang="zh-CN" altLang="en-US"/>
+          </a:p>
+        </p:txBody>
+      </p:sp>
+      <p:sp>
+        <p:nvSpPr>
+          <p:cNvPr id="7" name="灯片编号占位符 6"/>
+          <p:cNvSpPr>
+            <a:spLocks noGrp="1"/>
+          </p:cNvSpPr>
+          <p:nvPr>
+            <p:ph type="sldNum" sz="quarter" idx="5"/>
+          </p:nvPr>
+        </p:nvSpPr>
+        <p:spPr>
+          <a:xfrm>
+            <a:off x="3884613" y="8685213"/>
+            <a:ext cx="2971800" cy="458787"/>
+          </a:xfrm>
+          <a:prstGeom prst="rect">
+            <a:avLst/>
+          </a:prstGeom>
+        </p:spPr>
+        <p:txBody>
+          <a:bodyPr vert="horz" lIns="91440" tIns="45720" rIns="91440" bIns="45720" rtlCol="0" anchor="b"/>
+          <a:lstStyle>
+            <a:lvl1pPr algn="r">
+              <a:defRPr sz="1200"/>
+            </a:lvl1pPr>
+          </a:lstStyle>
+          <a:p>
+            <a:fld id="{A6837353-30EB-4A48-80EB-173D804AEFBD}" type="slidenum">
+              <a:rPr lang="zh-CN" altLang="en-US" smtClean="0"/>
+            </a:fld>
+            <a:endParaRPr lang="zh-CN" altLang="en-US"/>
+          </a:p>
+        </p:txBody>
+      </p:sp>
+    </p:spTree>
+  </p:cSld>
+  <p:clrMap bg1="lt1" tx1="dk1" bg2="lt2" tx2="dk2" accent1="accent1" accent2="accent2" accent3="accent3" accent4="accent4" accent5="accent5" accent6="accent6" hlink="hlink" folHlink="folHlink"/>
+  <p:notesStyle>
+    <a:lvl1pPr marL="0" algn="l" defTabSz="914400" rtl="0" eaLnBrk="1" latinLnBrk="0" hangingPunct="1">
+      <a:defRPr sz="1200" kern="1200">
+        <a:solidFill>
+          <a:schemeClr val="tx1"/>
+        </a:solidFill>
+        <a:latin typeface="+mn-lt"/>
+        <a:ea typeface="+mn-ea"/>
+        <a:cs typeface="+mn-cs"/>
+      </a:defRPr>
+    </a:lvl1pPr>
+    <a:lvl2pPr marL="457200" algn="l" defTabSz="914400" rtl="0" eaLnBrk="1" latinLnBrk="0" hangingPunct="1">
+      <a:defRPr sz="1200" kern="1200">
+        <a:solidFill>
+          <a:schemeClr val="tx1"/>
+        </a:solidFill>
+        <a:latin typeface="+mn-lt"/>
+        <a:ea typeface="+mn-ea"/>
+        <a:cs typeface="+mn-cs"/>
+      </a:defRPr>
+    </a:lvl2pPr>
+    <a:lvl3pPr marL="914400" algn="l" defTabSz="914400" rtl="0" eaLnBrk="1" latinLnBrk="0" hangingPunct="1">
+      <a:defRPr sz="1200" kern="1200">
+        <a:solidFill>
+          <a:schemeClr val="tx1"/>
+        </a:solidFill>
+        <a:latin typeface="+mn-lt"/>
+        <a:ea typeface="+mn-ea"/>
+        <a:cs typeface="+mn-cs"/>
+      </a:defRPr>
+    </a:lvl3pPr>
+    <a:lvl4pPr marL="1371600" algn="l" defTabSz="914400" rtl="0" eaLnBrk="1" latinLnBrk="0" hangingPunct="1">
+      <a:defRPr sz="1200" kern="1200">
+        <a:solidFill>
+          <a:schemeClr val="tx1"/>
+        </a:solidFill>
+        <a:latin typeface="+mn-lt"/>
+        <a:ea typeface="+mn-ea"/>
+        <a:cs typeface="+mn-cs"/>
+      </a:defRPr>
+    </a:lvl4pPr>
+    <a:lvl5pPr marL="1828800" algn="l" defTabSz="914400" rtl="0" eaLnBrk="1" latinLnBrk="0" hangingPunct="1">
+      <a:defRPr sz="1200" kern="1200">
+        <a:solidFill>
+          <a:schemeClr val="tx1"/>
+        </a:solidFill>
+        <a:latin typeface="+mn-lt"/>
+        <a:ea typeface="+mn-ea"/>
+        <a:cs typeface="+mn-cs"/>
+      </a:defRPr>
+    </a:lvl5pPr>
+    <a:lvl6pPr marL="2286000" algn="l" defTabSz="914400" rtl="0" eaLnBrk="1" latinLnBrk="0" hangingPunct="1">
+      <a:defRPr sz="1200" kern="1200">
+        <a:solidFill>
+          <a:schemeClr val="tx1"/>
+        </a:solidFill>
+        <a:latin typeface="+mn-lt"/>
+        <a:ea typeface="+mn-ea"/>
+        <a:cs typeface="+mn-cs"/>
+      </a:defRPr>
+    </a:lvl6pPr>
+    <a:lvl7pPr marL="2743200" algn="l" defTabSz="914400" rtl="0" eaLnBrk="1" latinLnBrk="0" hangingPunct="1">
+      <a:defRPr sz="1200" kern="1200">
+        <a:solidFill>
+          <a:schemeClr val="tx1"/>
+        </a:solidFill>
+        <a:latin typeface="+mn-lt"/>
+        <a:ea typeface="+mn-ea"/>
+        <a:cs typeface="+mn-cs"/>
+      </a:defRPr>
+    </a:lvl7pPr>
+    <a:lvl8pPr marL="3200400" algn="l" defTabSz="914400" rtl="0" eaLnBrk="1" latinLnBrk="0" hangingPunct="1">
+      <a:defRPr sz="1200" kern="1200">
+        <a:solidFill>
+          <a:schemeClr val="tx1"/>
+        </a:solidFill>
+        <a:latin typeface="+mn-lt"/>
+        <a:ea typeface="+mn-ea"/>
+        <a:cs typeface="+mn-cs"/>
+      </a:defRPr>
+    </a:lvl8pPr>
+    <a:lvl9pPr marL="3657600" algn="l" defTabSz="914400" rtl="0" eaLnBrk="1" latinLnBrk="0" hangingPunct="1">
+      <a:defRPr sz="1200" kern="1200">
+        <a:solidFill>
+          <a:schemeClr val="tx1"/>
+        </a:solidFill>
+        <a:latin typeface="+mn-lt"/>
+        <a:ea typeface="+mn-ea"/>
+        <a:cs typeface="+mn-cs"/>
+      </a:defRPr>
+    </a:lvl9pPr>
+  </p:notesStyle>
+</p:notesMaster>
 </file>
 
 <file path=ppt/slideLayouts/slideLayout1.xml><?xml version="1.0" encoding="utf-8"?>
@@ -3005,70 +3385,198 @@
           <a:bodyPr/>
           <a:p>
             <a:r>
-              <a:rPr lang="zh-CN" altLang="en-US">
-                <a:sym typeface="+mn-ea"/>
-              </a:rPr>
-              <a:t>使用神经网络解决分类问题</a:t>
-            </a:r>
-            <a:endParaRPr lang="zh-CN" altLang="en-US"/>
-          </a:p>
-        </p:txBody>
-      </p:sp>
-      <p:sp>
-        <p:nvSpPr>
-          <p:cNvPr id="3" name="内容占位符 2"/>
-          <p:cNvSpPr>
-            <a:spLocks noGrp="1"/>
-          </p:cNvSpPr>
-          <p:nvPr>
-            <p:ph idx="1"/>
-          </p:nvPr>
-        </p:nvSpPr>
-        <p:spPr/>
-        <p:txBody>
-          <a:bodyPr/>
-          <a:p>
-            <a:r>
-              <a:rPr lang="zh-CN" altLang="en-US"/>
-              <a:t>什么是分类问题？</a:t>
-            </a:r>
-            <a:endParaRPr lang="zh-CN" altLang="en-US"/>
-          </a:p>
-          <a:p>
-            <a:r>
-              <a:rPr lang="en-US" altLang="zh-CN"/>
-              <a:t>minist </a:t>
-            </a:r>
-            <a:r>
-              <a:rPr lang="zh-CN" altLang="en-US"/>
-              <a:t>数据集与数字识别</a:t>
-            </a:r>
-            <a:endParaRPr lang="zh-CN" altLang="en-US"/>
-          </a:p>
-          <a:p>
-            <a:r>
-              <a:rPr lang="zh-CN" altLang="en-US"/>
-              <a:t>婴儿哭声识别</a:t>
-            </a:r>
-            <a:endParaRPr lang="zh-CN" altLang="en-US"/>
-          </a:p>
-          <a:p>
-            <a:r>
-              <a:rPr lang="zh-CN" altLang="en-US"/>
-              <a:t>讲解</a:t>
-            </a:r>
-            <a:r>
-              <a:rPr lang="en-US" altLang="zh-CN"/>
-              <a:t> example2 </a:t>
-            </a:r>
-            <a:r>
-              <a:rPr lang="zh-CN" altLang="en-US"/>
-              <a:t>程序</a:t>
-            </a:r>
-            <a:endParaRPr lang="zh-CN" altLang="en-US"/>
-          </a:p>
-        </p:txBody>
-      </p:sp>
+              <a:rPr lang="en-US" altLang="zh-CN"/>
+              <a:t>leaky relu </a:t>
+            </a:r>
+            <a:r>
+              <a:rPr lang="zh-CN" altLang="zh-CN"/>
+              <a:t>激活函数</a:t>
+            </a:r>
+            <a:endParaRPr lang="zh-CN" altLang="zh-CN"/>
+          </a:p>
+        </p:txBody>
+      </p:sp>
+      <p:sp>
+        <p:nvSpPr>
+          <p:cNvPr id="6" name="文本框 5"/>
+          <p:cNvSpPr txBox="1"/>
+          <p:nvPr/>
+        </p:nvSpPr>
+        <p:spPr>
+          <a:xfrm>
+            <a:off x="1000760" y="3035300"/>
+            <a:ext cx="10754360" cy="1198880"/>
+          </a:xfrm>
+          <a:prstGeom prst="rect">
+            <a:avLst/>
+          </a:prstGeom>
+          <a:noFill/>
+        </p:spPr>
+        <p:txBody>
+          <a:bodyPr wrap="square" rtlCol="0">
+            <a:spAutoFit/>
+          </a:bodyPr>
+          <a:p>
+            <a:r>
+              <a:rPr lang="en-US" altLang="zh-CN"/>
+              <a:t>渗漏整流线性单元 (Leaky ReLU)，为了解决 dead ReLU 现象。用一个类似 0.01 的小值来初始化神</a:t>
+            </a:r>
+            <a:endParaRPr lang="en-US" altLang="zh-CN"/>
+          </a:p>
+          <a:p>
+            <a:r>
+              <a:rPr lang="en-US" altLang="zh-CN"/>
+              <a:t>经元，从而使得 ReLU 在负数区域更偏向于激活而不是死掉</a:t>
+            </a:r>
+            <a:endParaRPr lang="en-US" altLang="zh-CN"/>
+          </a:p>
+          <a:p>
+            <a:endParaRPr lang="en-US" altLang="zh-CN"/>
+          </a:p>
+          <a:p>
+            <a:r>
+              <a:rPr lang="en-US" altLang="zh-CN"/>
+              <a:t>leaky relu 激活函数一个缺点就是它有些近似线性，导致在复杂分类中效果不好。</a:t>
+            </a:r>
+            <a:endParaRPr lang="en-US" altLang="zh-CN"/>
+          </a:p>
+        </p:txBody>
+      </p:sp>
+      <p:graphicFrame>
+        <p:nvGraphicFramePr>
+          <p:cNvPr id="7" name="对象 6">
+            <a:hlinkClick r:id="" action="ppaction://ole?verb="/>
+          </p:cNvPr>
+          <p:cNvGraphicFramePr>
+            <a:graphicFrameLocks noChangeAspect="1"/>
+          </p:cNvGraphicFramePr>
+          <p:nvPr/>
+        </p:nvGraphicFramePr>
+        <p:xfrm>
+          <a:off x="6052503" y="1691005"/>
+          <a:ext cx="3307080" cy="1107440"/>
+        </p:xfrm>
+        <a:graphic>
+          <a:graphicData uri="http://schemas.openxmlformats.org/presentationml/2006/ole">
+            <mc:AlternateContent xmlns:mc="http://schemas.openxmlformats.org/markup-compatibility/2006">
+              <mc:Choice xmlns:v="urn:schemas-microsoft-com:vml" Requires="v">
+                <p:oleObj spid="_x0000_s3074" name="" r:id="rId1" imgW="1384300" imgH="482600" progId="Equation.KSEE3">
+                  <p:embed/>
+                </p:oleObj>
+              </mc:Choice>
+              <mc:Fallback>
+                <p:oleObj name="" r:id="rId1" imgW="1384300" imgH="482600" progId="Equation.KSEE3">
+                  <p:embed/>
+                  <p:pic>
+                    <p:nvPicPr>
+                      <p:cNvPr id="0" name="图片 3073"/>
+                      <p:cNvPicPr/>
+                      <p:nvPr/>
+                    </p:nvPicPr>
+                    <p:blipFill>
+                      <a:blip r:embed="rId2"/>
+                      <a:stretch>
+                        <a:fillRect/>
+                      </a:stretch>
+                    </p:blipFill>
+                    <p:spPr>
+                      <a:xfrm>
+                        <a:off x="6052503" y="1691005"/>
+                        <a:ext cx="3307080" cy="1107440"/>
+                      </a:xfrm>
+                      <a:prstGeom prst="rect">
+                        <a:avLst/>
+                      </a:prstGeom>
+                    </p:spPr>
+                  </p:pic>
+                </p:oleObj>
+              </mc:Fallback>
+            </mc:AlternateContent>
+          </a:graphicData>
+        </a:graphic>
+      </p:graphicFrame>
+      <p:sp>
+        <p:nvSpPr>
+          <p:cNvPr id="8" name="文本框 7"/>
+          <p:cNvSpPr txBox="1"/>
+          <p:nvPr/>
+        </p:nvSpPr>
+        <p:spPr>
+          <a:xfrm>
+            <a:off x="5316220" y="2035810"/>
+            <a:ext cx="1025525" cy="368300"/>
+          </a:xfrm>
+          <a:prstGeom prst="rect">
+            <a:avLst/>
+          </a:prstGeom>
+          <a:noFill/>
+        </p:spPr>
+        <p:txBody>
+          <a:bodyPr wrap="square" rtlCol="0">
+            <a:spAutoFit/>
+          </a:bodyPr>
+          <a:p>
+            <a:r>
+              <a:rPr lang="zh-CN" altLang="en-US"/>
+              <a:t>求导：</a:t>
+            </a:r>
+            <a:endParaRPr lang="zh-CN" altLang="en-US"/>
+          </a:p>
+        </p:txBody>
+      </p:sp>
+      <p:graphicFrame>
+        <p:nvGraphicFramePr>
+          <p:cNvPr id="3" name="对象 2">
+            <a:hlinkClick r:id="" action="ppaction://ole?verb="/>
+          </p:cNvPr>
+          <p:cNvGraphicFramePr>
+            <a:graphicFrameLocks noChangeAspect="1"/>
+          </p:cNvGraphicFramePr>
+          <p:nvPr/>
+        </p:nvGraphicFramePr>
+        <p:xfrm>
+          <a:off x="1436370" y="1691005"/>
+          <a:ext cx="3519805" cy="1107440"/>
+        </p:xfrm>
+        <a:graphic>
+          <a:graphicData uri="http://schemas.openxmlformats.org/presentationml/2006/ole">
+            <mc:AlternateContent xmlns:mc="http://schemas.openxmlformats.org/markup-compatibility/2006">
+              <mc:Choice xmlns:v="urn:schemas-microsoft-com:vml" Requires="v">
+                <p:oleObj spid="_x0000_s4" name="" r:id="rId3" imgW="1473200" imgH="482600" progId="Equation.KSEE3">
+                  <p:embed/>
+                </p:oleObj>
+              </mc:Choice>
+              <mc:Fallback>
+                <p:oleObj name="" r:id="rId3" imgW="1473200" imgH="482600" progId="Equation.KSEE3">
+                  <p:embed/>
+                  <p:pic>
+                    <p:nvPicPr>
+                      <p:cNvPr id="0" name="图片 3073"/>
+                      <p:cNvPicPr/>
+                      <p:nvPr/>
+                    </p:nvPicPr>
+                    <p:blipFill>
+                      <a:blip r:embed="rId4"/>
+                      <a:stretch>
+                        <a:fillRect/>
+                      </a:stretch>
+                    </p:blipFill>
+                    <p:spPr>
+                      <a:xfrm>
+                        <a:off x="1436370" y="1691005"/>
+                        <a:ext cx="3519805" cy="1107440"/>
+                      </a:xfrm>
+                      <a:prstGeom prst="rect">
+                        <a:avLst/>
+                      </a:prstGeom>
+                    </p:spPr>
+                  </p:pic>
+                </p:oleObj>
+              </mc:Fallback>
+            </mc:AlternateContent>
+          </a:graphicData>
+        </a:graphic>
+      </p:graphicFrame>
     </p:spTree>
   </p:cSld>
   <p:clrMapOvr>
@@ -3102,16 +3610,12 @@
           <a:bodyPr/>
           <a:p>
             <a:r>
-              <a:rPr lang="zh-CN" altLang="en-US"/>
-              <a:t>权重初始化、数据归一化、</a:t>
-            </a:r>
-            <a:r>
-              <a:rPr lang="en-US" altLang="zh-CN"/>
-              <a:t>NAN </a:t>
-            </a:r>
-            <a:r>
-              <a:rPr lang="zh-CN" altLang="en-US"/>
-              <a:t>等</a:t>
+              <a:rPr lang="en-US" altLang="zh-CN"/>
+              <a:t>softmax </a:t>
+            </a:r>
+            <a:r>
+              <a:rPr lang="zh-CN" altLang="en-US"/>
+              <a:t>函数</a:t>
             </a:r>
             <a:endParaRPr lang="zh-CN" altLang="en-US"/>
           </a:p>
@@ -3132,161 +3636,81 @@
           <a:bodyPr/>
           <a:p>
             <a:r>
-              <a:rPr lang="zh-CN" altLang="en-US"/>
-              <a:t>权重初始化，建议使用</a:t>
-            </a:r>
-            <a:r>
-              <a:rPr lang="en-US" altLang="zh-CN"/>
-              <a:t> xavier </a:t>
-            </a:r>
-            <a:r>
-              <a:rPr lang="zh-CN" altLang="en-US"/>
-              <a:t>方法</a:t>
-            </a:r>
-            <a:endParaRPr lang="zh-CN" altLang="en-US"/>
-          </a:p>
-          <a:p>
-            <a:r>
-              <a:rPr lang="zh-CN" altLang="en-US"/>
-              <a:t>输入数据归一化到</a:t>
-            </a:r>
-            <a:r>
-              <a:rPr lang="en-US" altLang="zh-CN"/>
-              <a:t> (-1, 1) </a:t>
-            </a:r>
-            <a:r>
-              <a:rPr lang="zh-CN" altLang="en-US"/>
-              <a:t>或</a:t>
-            </a:r>
-            <a:r>
-              <a:rPr lang="en-US" altLang="zh-CN"/>
-              <a:t> (0, 1) </a:t>
-            </a:r>
-            <a:r>
-              <a:rPr lang="zh-CN" altLang="en-US"/>
-              <a:t>范围</a:t>
-            </a:r>
-            <a:endParaRPr lang="zh-CN" altLang="en-US"/>
-          </a:p>
-          <a:p>
-            <a:r>
-              <a:rPr lang="zh-CN" altLang="en-US"/>
-              <a:t>使用</a:t>
-            </a:r>
-            <a:r>
-              <a:rPr lang="en-US" altLang="zh-CN"/>
-              <a:t> sigmoid </a:t>
-            </a:r>
-            <a:r>
-              <a:rPr lang="zh-CN" altLang="en-US"/>
-              <a:t>可以归一化到</a:t>
-            </a:r>
-            <a:r>
-              <a:rPr lang="en-US" altLang="zh-CN"/>
-              <a:t> (-1, 1)</a:t>
-            </a:r>
-            <a:endParaRPr lang="en-US" altLang="zh-CN"/>
-          </a:p>
-          <a:p>
-            <a:r>
-              <a:rPr lang="zh-CN" altLang="en-US"/>
-              <a:t>使用</a:t>
-            </a:r>
-            <a:r>
-              <a:rPr lang="en-US" altLang="zh-CN"/>
-              <a:t> relu </a:t>
-            </a:r>
-            <a:r>
-              <a:rPr lang="zh-CN" altLang="en-US"/>
-              <a:t>建议归一化到</a:t>
-            </a:r>
-            <a:r>
-              <a:rPr lang="en-US" altLang="zh-CN"/>
-              <a:t> (0.0001, 0.9999) </a:t>
-            </a:r>
-            <a:r>
-              <a:rPr lang="zh-CN" altLang="en-US"/>
-              <a:t>范围，否则容易</a:t>
-            </a:r>
-            <a:r>
-              <a:rPr lang="en-US" altLang="zh-CN"/>
-              <a:t> NAN</a:t>
-            </a:r>
-            <a:endParaRPr lang="en-US" altLang="zh-CN"/>
-          </a:p>
-          <a:p>
-            <a:r>
-              <a:rPr lang="zh-CN" altLang="en-US"/>
-              <a:t>使用</a:t>
-            </a:r>
-            <a:r>
-              <a:rPr lang="en-US" altLang="zh-CN"/>
-              <a:t> relu </a:t>
-            </a:r>
-            <a:r>
-              <a:rPr lang="zh-CN" altLang="en-US"/>
-              <a:t>和</a:t>
-            </a:r>
-            <a:r>
-              <a:rPr lang="en-US" altLang="zh-CN"/>
-              <a:t> leaky relu </a:t>
-            </a:r>
-            <a:r>
-              <a:rPr lang="zh-CN" altLang="en-US"/>
-              <a:t>学习率建议设置小些</a:t>
-            </a:r>
-            <a:r>
-              <a:rPr lang="en-US" altLang="zh-CN"/>
-              <a:t> &lt; 0.1 </a:t>
-            </a:r>
-            <a:r>
-              <a:rPr lang="zh-CN" altLang="en-US"/>
-              <a:t>否则容易</a:t>
-            </a:r>
-            <a:r>
-              <a:rPr lang="en-US" altLang="zh-CN"/>
-              <a:t> NAN</a:t>
-            </a:r>
-            <a:endParaRPr lang="en-US" altLang="zh-CN"/>
-          </a:p>
-          <a:p>
-            <a:r>
-              <a:rPr lang="zh-CN" altLang="en-US"/>
-              <a:t>如果输出层为</a:t>
-            </a:r>
-            <a:r>
-              <a:rPr lang="en-US" altLang="zh-CN"/>
-              <a:t> softmax </a:t>
-            </a:r>
-            <a:r>
-              <a:rPr lang="zh-CN" altLang="en-US"/>
-              <a:t>建议学习率更小些，否则</a:t>
-            </a:r>
-            <a:r>
-              <a:rPr lang="zh-CN" altLang="en-US">
-                <a:sym typeface="+mn-ea"/>
-              </a:rPr>
-              <a:t>容易</a:t>
-            </a:r>
-            <a:r>
-              <a:rPr lang="en-US" altLang="zh-CN"/>
-              <a:t> NAN</a:t>
-            </a:r>
-            <a:endParaRPr lang="en-US" altLang="zh-CN"/>
-          </a:p>
-          <a:p>
-            <a:r>
-              <a:rPr lang="en-US" altLang="zh-CN"/>
-              <a:t>loss </a:t>
-            </a:r>
-            <a:r>
-              <a:rPr lang="zh-CN" altLang="en-US"/>
-              <a:t>如果无法下降了，尝试调小学习率，如果仍然无法下降，估计就是网络的极限了</a:t>
-            </a:r>
-            <a:endParaRPr lang="zh-CN" altLang="en-US"/>
-          </a:p>
-        </p:txBody>
-      </p:sp>
+              <a:rPr lang="en-US" altLang="zh-CN"/>
+              <a:t>softmax </a:t>
+            </a:r>
+            <a:r>
+              <a:rPr lang="zh-CN" altLang="en-US"/>
+              <a:t>多用于分类过程中，它将多个神经元的输出，映射到</a:t>
+            </a:r>
+            <a:r>
+              <a:rPr lang="en-US" altLang="zh-CN"/>
+              <a:t> (0,1) </a:t>
+            </a:r>
+            <a:r>
+              <a:rPr lang="zh-CN" altLang="en-US"/>
+              <a:t>区间内的概率，进行多分类。</a:t>
+            </a:r>
+            <a:endParaRPr lang="zh-CN" altLang="en-US"/>
+          </a:p>
+          <a:p>
+            <a:endParaRPr lang="zh-CN" altLang="en-US"/>
+          </a:p>
+        </p:txBody>
+      </p:sp>
+      <p:graphicFrame>
+        <p:nvGraphicFramePr>
+          <p:cNvPr id="4" name="对象 3">
+            <a:hlinkClick r:id="" action="ppaction://ole?verb="/>
+          </p:cNvPr>
+          <p:cNvGraphicFramePr>
+            <a:graphicFrameLocks noChangeAspect="1"/>
+          </p:cNvGraphicFramePr>
+          <p:nvPr/>
+        </p:nvGraphicFramePr>
+        <p:xfrm>
+          <a:off x="4384675" y="2973070"/>
+          <a:ext cx="2691130" cy="1462405"/>
+        </p:xfrm>
+        <a:graphic>
+          <a:graphicData uri="http://schemas.openxmlformats.org/presentationml/2006/ole">
+            <mc:AlternateContent xmlns:mc="http://schemas.openxmlformats.org/markup-compatibility/2006">
+              <mc:Choice xmlns:v="urn:schemas-microsoft-com:vml" Requires="v">
+                <p:oleObj spid="_x0000_s5121" name="" r:id="rId1" imgW="711200" imgH="647700" progId="Equation.KSEE3">
+                  <p:embed/>
+                </p:oleObj>
+              </mc:Choice>
+              <mc:Fallback>
+                <p:oleObj name="" r:id="rId1" imgW="711200" imgH="647700" progId="Equation.KSEE3">
+                  <p:embed/>
+                  <p:pic>
+                    <p:nvPicPr>
+                      <p:cNvPr id="0" name="图片 5120"/>
+                      <p:cNvPicPr/>
+                      <p:nvPr/>
+                    </p:nvPicPr>
+                    <p:blipFill>
+                      <a:blip r:embed="rId2"/>
+                      <a:stretch>
+                        <a:fillRect/>
+                      </a:stretch>
+                    </p:blipFill>
+                    <p:spPr>
+                      <a:xfrm>
+                        <a:off x="4384675" y="2973070"/>
+                        <a:ext cx="2691130" cy="1462405"/>
+                      </a:xfrm>
+                      <a:prstGeom prst="rect">
+                        <a:avLst/>
+                      </a:prstGeom>
+                    </p:spPr>
+                  </p:pic>
+                </p:oleObj>
+              </mc:Fallback>
+            </mc:AlternateContent>
+          </a:graphicData>
+        </a:graphic>
+      </p:graphicFrame>
     </p:spTree>
   </p:cSld>
   <p:clrMapOvr>
@@ -3320,252 +3744,1225 @@
           <a:bodyPr/>
           <a:p>
             <a:r>
-              <a:rPr lang="zh-CN" altLang="en-US"/>
-              <a:t>婴儿哭声识别</a:t>
-            </a:r>
-            <a:endParaRPr lang="zh-CN" altLang="en-US"/>
-          </a:p>
-        </p:txBody>
-      </p:sp>
-      <p:sp>
-        <p:nvSpPr>
-          <p:cNvPr id="3" name="内容占位符 2"/>
-          <p:cNvSpPr>
-            <a:spLocks noGrp="1"/>
-          </p:cNvSpPr>
-          <p:nvPr>
-            <p:ph idx="1"/>
-          </p:nvPr>
-        </p:nvSpPr>
-        <p:spPr>
-          <a:xfrm>
-            <a:off x="838200" y="1691005"/>
-            <a:ext cx="10515600" cy="4486275"/>
-          </a:xfrm>
-        </p:spPr>
-        <p:txBody>
-          <a:bodyPr vert="horz">
-            <a:normAutofit fontScale="90000" lnSpcReduction="10000"/>
-          </a:bodyPr>
-          <a:p>
-            <a:pPr fontAlgn="auto">
-              <a:lnSpc>
-                <a:spcPct val="100000"/>
-              </a:lnSpc>
-            </a:pPr>
-            <a:r>
               <a:rPr lang="zh-CN" altLang="en-US">
                 <a:sym typeface="+mn-ea"/>
               </a:rPr>
-              <a:t>婴儿哭声识别就是一个分类问题</a:t>
-            </a:r>
-            <a:endParaRPr lang="zh-CN" altLang="en-US"/>
-          </a:p>
-          <a:p>
-            <a:pPr fontAlgn="auto">
-              <a:lnSpc>
-                <a:spcPct val="100000"/>
-              </a:lnSpc>
-            </a:pPr>
+              <a:t>损失的计算</a:t>
+            </a:r>
             <a:r>
               <a:rPr lang="en-US" altLang="zh-CN">
                 <a:sym typeface="+mn-ea"/>
               </a:rPr>
-              <a:t>8KHz </a:t>
+              <a:t> - </a:t>
             </a:r>
             <a:r>
               <a:rPr lang="zh-CN" altLang="en-US">
                 <a:sym typeface="+mn-ea"/>
               </a:rPr>
-              <a:t>采样率，</a:t>
+              <a:t>均方误差损失函数</a:t>
+            </a:r>
+            <a:endParaRPr lang="en-US" altLang="zh-CN">
+              <a:sym typeface="+mn-ea"/>
+            </a:endParaRPr>
+          </a:p>
+        </p:txBody>
+      </p:sp>
+      <p:sp>
+        <p:nvSpPr>
+          <p:cNvPr id="3" name="内容占位符 2"/>
+          <p:cNvSpPr>
+            <a:spLocks noGrp="1"/>
+          </p:cNvSpPr>
+          <p:nvPr>
+            <p:ph idx="1"/>
+          </p:nvPr>
+        </p:nvSpPr>
+        <p:spPr/>
+        <p:txBody>
+          <a:bodyPr>
+            <a:normAutofit lnSpcReduction="10000"/>
+          </a:bodyPr>
+          <a:p>
+            <a:pPr marL="0" indent="0">
+              <a:buNone/>
+            </a:pPr>
+            <a:r>
+              <a:rPr lang="zh-CN" altLang="en-US"/>
+              <a:t>均方误差（</a:t>
+            </a:r>
+            <a:r>
+              <a:rPr lang="en-US" altLang="zh-CN"/>
+              <a:t>Mean Squared Error, MSE</a:t>
+            </a:r>
+            <a:r>
+              <a:rPr lang="zh-CN" altLang="en-US"/>
+              <a:t>）</a:t>
+            </a:r>
+            <a:endParaRPr lang="zh-CN" altLang="en-US"/>
+          </a:p>
+          <a:p>
+            <a:r>
+              <a:rPr lang="zh-CN" altLang="en-US"/>
+              <a:t>计算真实值与预测值之间的平方差的均值：</a:t>
+            </a:r>
+            <a:endParaRPr lang="zh-CN" altLang="en-US"/>
+          </a:p>
+          <a:p>
+            <a:endParaRPr lang="zh-CN" altLang="en-US"/>
+          </a:p>
+          <a:p>
+            <a:endParaRPr lang="zh-CN" altLang="en-US"/>
+          </a:p>
+          <a:p>
+            <a:r>
+              <a:rPr lang="zh-CN" altLang="en-US"/>
+              <a:t>其中</a:t>
+            </a:r>
+            <a:r>
+              <a:rPr lang="en-US" altLang="zh-CN"/>
+              <a:t> N </a:t>
+            </a:r>
+            <a:r>
+              <a:rPr lang="zh-CN" altLang="en-US"/>
+              <a:t>是样本数，</a:t>
+            </a:r>
+            <a:r>
+              <a:rPr lang="en-US" altLang="zh-CN"/>
+              <a:t>ytrue,i </a:t>
+            </a:r>
+            <a:r>
+              <a:rPr lang="zh-CN" altLang="en-US"/>
+              <a:t>是第</a:t>
+            </a:r>
+            <a:r>
+              <a:rPr lang="en-US" altLang="zh-CN"/>
+              <a:t> i </a:t>
+            </a:r>
+            <a:r>
+              <a:rPr lang="zh-CN" altLang="en-US"/>
+              <a:t>个样本的真实值，</a:t>
+            </a:r>
+            <a:r>
+              <a:rPr lang="en-US" altLang="zh-CN"/>
+              <a:t>ypred,i </a:t>
+            </a:r>
+            <a:r>
+              <a:rPr lang="zh-CN" altLang="en-US"/>
+              <a:t>是第</a:t>
+            </a:r>
+            <a:r>
+              <a:rPr lang="en-US" altLang="zh-CN"/>
+              <a:t> i </a:t>
+            </a:r>
+            <a:r>
+              <a:rPr lang="zh-CN" altLang="en-US"/>
+              <a:t>个样本的预测值</a:t>
+            </a:r>
+            <a:endParaRPr lang="zh-CN" altLang="en-US"/>
+          </a:p>
+          <a:p>
+            <a:r>
+              <a:rPr lang="zh-CN" altLang="en-US"/>
+              <a:t>特点：</a:t>
+            </a:r>
+            <a:r>
+              <a:rPr lang="en-US" altLang="zh-CN"/>
+              <a:t>MSE </a:t>
+            </a:r>
+            <a:r>
+              <a:rPr lang="zh-CN" altLang="en-US"/>
+              <a:t>对误差较大的点惩罚较重，当预测值与真实值相差较大时，损失值会迅速增大</a:t>
+            </a:r>
+            <a:endParaRPr lang="zh-CN" altLang="en-US"/>
+          </a:p>
+          <a:p>
+            <a:r>
+              <a:rPr lang="zh-CN" altLang="en-US"/>
+              <a:t>其偏导数：</a:t>
+            </a:r>
+            <a:endParaRPr lang="zh-CN" altLang="en-US"/>
+          </a:p>
+        </p:txBody>
+      </p:sp>
+      <p:graphicFrame>
+        <p:nvGraphicFramePr>
+          <p:cNvPr id="4" name="对象 3">
+            <a:hlinkClick r:id="" action="ppaction://ole?verb="/>
+          </p:cNvPr>
+          <p:cNvGraphicFramePr>
+            <a:graphicFrameLocks noChangeAspect="1"/>
+          </p:cNvGraphicFramePr>
+          <p:nvPr/>
+        </p:nvGraphicFramePr>
+        <p:xfrm>
+          <a:off x="3403600" y="2822575"/>
+          <a:ext cx="3895090" cy="813435"/>
+        </p:xfrm>
+        <a:graphic>
+          <a:graphicData uri="http://schemas.openxmlformats.org/presentationml/2006/ole">
+            <mc:AlternateContent xmlns:mc="http://schemas.openxmlformats.org/markup-compatibility/2006">
+              <mc:Choice xmlns:v="urn:schemas-microsoft-com:vml" Requires="v">
+                <p:oleObj spid="_x0000_s1025" name="" r:id="rId1" imgW="1790700" imgH="431800" progId="Equation.KSEE3">
+                  <p:embed/>
+                </p:oleObj>
+              </mc:Choice>
+              <mc:Fallback>
+                <p:oleObj name="" r:id="rId1" imgW="1790700" imgH="431800" progId="Equation.KSEE3">
+                  <p:embed/>
+                  <p:pic>
+                    <p:nvPicPr>
+                      <p:cNvPr id="0" name="图片 1024"/>
+                      <p:cNvPicPr/>
+                      <p:nvPr/>
+                    </p:nvPicPr>
+                    <p:blipFill>
+                      <a:blip r:embed="rId2"/>
+                      <a:stretch>
+                        <a:fillRect/>
+                      </a:stretch>
+                    </p:blipFill>
+                    <p:spPr>
+                      <a:xfrm>
+                        <a:off x="3403600" y="2822575"/>
+                        <a:ext cx="3895090" cy="813435"/>
+                      </a:xfrm>
+                      <a:prstGeom prst="rect">
+                        <a:avLst/>
+                      </a:prstGeom>
+                    </p:spPr>
+                  </p:pic>
+                </p:oleObj>
+              </mc:Fallback>
+            </mc:AlternateContent>
+          </a:graphicData>
+        </a:graphic>
+      </p:graphicFrame>
+      <p:graphicFrame>
+        <p:nvGraphicFramePr>
+          <p:cNvPr id="5" name="对象 4">
+            <a:hlinkClick r:id="" action="ppaction://ole?verb="/>
+          </p:cNvPr>
+          <p:cNvGraphicFramePr>
+            <a:graphicFrameLocks noChangeAspect="1"/>
+          </p:cNvGraphicFramePr>
+          <p:nvPr/>
+        </p:nvGraphicFramePr>
+        <p:xfrm>
+          <a:off x="2796223" y="5286693"/>
+          <a:ext cx="3305810" cy="746125"/>
+        </p:xfrm>
+        <a:graphic>
+          <a:graphicData uri="http://schemas.openxmlformats.org/presentationml/2006/ole">
+            <mc:AlternateContent xmlns:mc="http://schemas.openxmlformats.org/markup-compatibility/2006">
+              <mc:Choice xmlns:v="urn:schemas-microsoft-com:vml" Requires="v">
+                <p:oleObj spid="_x0000_s1026" name="" r:id="rId3" imgW="1651000" imgH="444500" progId="Equation.KSEE3">
+                  <p:embed/>
+                </p:oleObj>
+              </mc:Choice>
+              <mc:Fallback>
+                <p:oleObj name="" r:id="rId3" imgW="1651000" imgH="444500" progId="Equation.KSEE3">
+                  <p:embed/>
+                  <p:pic>
+                    <p:nvPicPr>
+                      <p:cNvPr id="0" name="图片 1025"/>
+                      <p:cNvPicPr/>
+                      <p:nvPr/>
+                    </p:nvPicPr>
+                    <p:blipFill>
+                      <a:blip r:embed="rId4"/>
+                      <a:stretch>
+                        <a:fillRect/>
+                      </a:stretch>
+                    </p:blipFill>
+                    <p:spPr>
+                      <a:xfrm>
+                        <a:off x="2796223" y="5286693"/>
+                        <a:ext cx="3305810" cy="746125"/>
+                      </a:xfrm>
+                      <a:prstGeom prst="rect">
+                        <a:avLst/>
+                      </a:prstGeom>
+                    </p:spPr>
+                  </p:pic>
+                </p:oleObj>
+              </mc:Fallback>
+            </mc:AlternateContent>
+          </a:graphicData>
+        </a:graphic>
+      </p:graphicFrame>
+    </p:spTree>
+  </p:cSld>
+  <p:clrMapOvr>
+    <a:masterClrMapping/>
+  </p:clrMapOvr>
+</p:sld>
+</file>
+
+<file path=ppt/slides/slide13.xml><?xml version="1.0" encoding="utf-8"?>
+<p:sld xmlns:a="http://schemas.openxmlformats.org/drawingml/2006/main" xmlns:r="http://schemas.openxmlformats.org/officeDocument/2006/relationships" xmlns:p="http://schemas.openxmlformats.org/presentationml/2006/main">
+  <p:cSld>
+    <p:spTree>
+      <p:nvGrpSpPr>
+        <p:cNvPr id="1" name=""/>
+        <p:cNvGrpSpPr/>
+        <p:nvPr/>
+      </p:nvGrpSpPr>
+      <p:grpSpPr/>
+      <p:sp>
+        <p:nvSpPr>
+          <p:cNvPr id="2" name="标题 1"/>
+          <p:cNvSpPr>
+            <a:spLocks noGrp="1"/>
+          </p:cNvSpPr>
+          <p:nvPr>
+            <p:ph type="title"/>
+          </p:nvPr>
+        </p:nvSpPr>
+        <p:spPr/>
+        <p:txBody>
+          <a:bodyPr/>
+          <a:p>
+            <a:r>
+              <a:rPr lang="zh-CN" altLang="en-US">
+                <a:sym typeface="+mn-ea"/>
+              </a:rPr>
+              <a:t>损失的计算</a:t>
             </a:r>
             <a:r>
               <a:rPr lang="en-US" altLang="zh-CN">
                 <a:sym typeface="+mn-ea"/>
               </a:rPr>
-              <a:t>2 </a:t>
+              <a:t> - </a:t>
             </a:r>
             <a:r>
               <a:rPr lang="zh-CN" altLang="en-US">
                 <a:sym typeface="+mn-ea"/>
               </a:rPr>
-              <a:t>秒钟音频，</a:t>
+              <a:t>交叉熵损失函数</a:t>
+            </a:r>
+            <a:endParaRPr lang="zh-CN" altLang="en-US">
+              <a:sym typeface="+mn-ea"/>
+            </a:endParaRPr>
+          </a:p>
+        </p:txBody>
+      </p:sp>
+      <p:sp>
+        <p:nvSpPr>
+          <p:cNvPr id="3" name="内容占位符 2"/>
+          <p:cNvSpPr>
+            <a:spLocks noGrp="1"/>
+          </p:cNvSpPr>
+          <p:nvPr>
+            <p:ph idx="1"/>
+          </p:nvPr>
+        </p:nvSpPr>
+        <p:spPr/>
+        <p:txBody>
+          <a:bodyPr/>
+          <a:p>
+            <a:r>
+              <a:rPr lang="zh-CN" altLang="en-US"/>
+              <a:t>交叉熵损失函数（</a:t>
+            </a:r>
+            <a:r>
+              <a:rPr lang="en-US" altLang="zh-CN"/>
+              <a:t>Cross-Entroy Loss</a:t>
+            </a:r>
+            <a:r>
+              <a:rPr lang="zh-CN" altLang="en-US"/>
+              <a:t>）</a:t>
+            </a:r>
+            <a:endParaRPr lang="zh-CN" altLang="en-US"/>
+          </a:p>
+          <a:p>
+            <a:endParaRPr lang="zh-CN" altLang="en-US"/>
+          </a:p>
+          <a:p>
+            <a:endParaRPr lang="zh-CN" altLang="en-US"/>
+          </a:p>
+          <a:p>
+            <a:endParaRPr lang="zh-CN" altLang="en-US"/>
+          </a:p>
+          <a:p>
+            <a:r>
+              <a:rPr lang="zh-CN" altLang="en-US">
+                <a:sym typeface="+mn-ea"/>
+              </a:rPr>
+              <a:t>其中</a:t>
             </a:r>
             <a:r>
               <a:rPr lang="en-US" altLang="zh-CN">
                 <a:sym typeface="+mn-ea"/>
               </a:rPr>
-              <a:t>16000 </a:t>
+              <a:t> N </a:t>
             </a:r>
             <a:r>
               <a:rPr lang="zh-CN" altLang="en-US">
                 <a:sym typeface="+mn-ea"/>
               </a:rPr>
-              <a:t>个采样点</a:t>
-            </a:r>
-            <a:endParaRPr lang="zh-CN" altLang="en-US"/>
-          </a:p>
-          <a:p>
-            <a:pPr fontAlgn="auto">
-              <a:lnSpc>
-                <a:spcPct val="100000"/>
-              </a:lnSpc>
-            </a:pPr>
+              <a:t>是样本数</a:t>
+            </a:r>
+            <a:r>
+              <a:rPr lang="zh-CN" altLang="en-US"/>
+              <a:t>，</a:t>
+            </a:r>
+            <a:r>
+              <a:rPr lang="en-US" altLang="zh-CN">
+                <a:sym typeface="+mn-ea"/>
+              </a:rPr>
+              <a:t>ytrue,i </a:t>
+            </a:r>
             <a:r>
               <a:rPr lang="zh-CN" altLang="en-US">
                 <a:sym typeface="+mn-ea"/>
               </a:rPr>
-              <a:t>送给神经网络进行分类即可得到结果</a:t>
-            </a:r>
-            <a:endParaRPr lang="zh-CN" altLang="en-US"/>
-          </a:p>
-          <a:p>
-            <a:pPr fontAlgn="auto">
-              <a:lnSpc>
-                <a:spcPct val="100000"/>
-              </a:lnSpc>
-            </a:pPr>
+              <a:t>是第</a:t>
+            </a:r>
             <a:r>
               <a:rPr lang="en-US" altLang="zh-CN">
                 <a:sym typeface="+mn-ea"/>
               </a:rPr>
-              <a:t>16000 </a:t>
+              <a:t> i </a:t>
             </a:r>
             <a:r>
               <a:rPr lang="zh-CN" altLang="en-US">
                 <a:sym typeface="+mn-ea"/>
               </a:rPr>
-              <a:t>个输入的网络？数据量太大！如何优化？</a:t>
-            </a:r>
-            <a:endParaRPr lang="zh-CN" altLang="en-US"/>
-          </a:p>
-          <a:p>
-            <a:pPr fontAlgn="auto">
-              <a:lnSpc>
-                <a:spcPct val="100000"/>
-              </a:lnSpc>
-            </a:pPr>
+              <a:t>个样本的真实值，</a:t>
+            </a:r>
+            <a:r>
+              <a:rPr lang="en-US" altLang="zh-CN">
+                <a:sym typeface="+mn-ea"/>
+              </a:rPr>
+              <a:t>ypred,i </a:t>
+            </a:r>
             <a:r>
               <a:rPr lang="zh-CN" altLang="en-US">
                 <a:sym typeface="+mn-ea"/>
               </a:rPr>
-              <a:t>音频特征抽取：短时能量、短时过零率、短时频率（频谱）、短时基频（</a:t>
+              <a:t>是第</a:t>
             </a:r>
             <a:r>
               <a:rPr lang="en-US" altLang="zh-CN">
                 <a:sym typeface="+mn-ea"/>
               </a:rPr>
-              <a:t>pitch</a:t>
+              <a:t> i </a:t>
             </a:r>
             <a:r>
               <a:rPr lang="zh-CN" altLang="en-US">
                 <a:sym typeface="+mn-ea"/>
               </a:rPr>
-              <a:t>）</a:t>
-            </a:r>
-            <a:endParaRPr lang="zh-CN" altLang="en-US"/>
-          </a:p>
-          <a:p>
-            <a:pPr fontAlgn="auto">
-              <a:lnSpc>
-                <a:spcPct val="100000"/>
-              </a:lnSpc>
-            </a:pPr>
+              <a:t>个样本的预测值</a:t>
+            </a:r>
+            <a:endParaRPr lang="zh-CN" altLang="en-US">
+              <a:sym typeface="+mn-ea"/>
+            </a:endParaRPr>
+          </a:p>
+          <a:p>
+            <a:r>
+              <a:rPr lang="zh-CN" altLang="en-US">
+                <a:sym typeface="+mn-ea"/>
+              </a:rPr>
+              <a:t>特点：多用于分类问题</a:t>
+            </a:r>
+            <a:endParaRPr lang="zh-CN" altLang="en-US">
+              <a:sym typeface="+mn-ea"/>
+            </a:endParaRPr>
+          </a:p>
+          <a:p>
+            <a:r>
+              <a:rPr lang="zh-CN" altLang="en-US">
+                <a:sym typeface="+mn-ea"/>
+              </a:rPr>
+              <a:t>其偏导数：</a:t>
+            </a:r>
+            <a:endParaRPr lang="zh-CN" altLang="en-US"/>
+          </a:p>
+          <a:p>
+            <a:endParaRPr lang="en-US" altLang="zh-CN"/>
+          </a:p>
+        </p:txBody>
+      </p:sp>
+      <p:graphicFrame>
+        <p:nvGraphicFramePr>
+          <p:cNvPr id="4" name="对象 3">
+            <a:hlinkClick r:id="" action="ppaction://ole?verb="/>
+          </p:cNvPr>
+          <p:cNvGraphicFramePr>
+            <a:graphicFrameLocks noChangeAspect="1"/>
+          </p:cNvGraphicFramePr>
+          <p:nvPr/>
+        </p:nvGraphicFramePr>
+        <p:xfrm>
+          <a:off x="1961515" y="2551430"/>
+          <a:ext cx="5018405" cy="935355"/>
+        </p:xfrm>
+        <a:graphic>
+          <a:graphicData uri="http://schemas.openxmlformats.org/presentationml/2006/ole">
+            <mc:AlternateContent xmlns:mc="http://schemas.openxmlformats.org/markup-compatibility/2006">
+              <mc:Choice xmlns:v="urn:schemas-microsoft-com:vml" Requires="v">
+                <p:oleObj spid="_x0000_s2049" name="" r:id="rId1" imgW="2159000" imgH="444500" progId="Equation.KSEE3">
+                  <p:embed/>
+                </p:oleObj>
+              </mc:Choice>
+              <mc:Fallback>
+                <p:oleObj name="" r:id="rId1" imgW="2159000" imgH="444500" progId="Equation.KSEE3">
+                  <p:embed/>
+                  <p:pic>
+                    <p:nvPicPr>
+                      <p:cNvPr id="0" name="图片 2048"/>
+                      <p:cNvPicPr/>
+                      <p:nvPr/>
+                    </p:nvPicPr>
+                    <p:blipFill>
+                      <a:blip r:embed="rId2"/>
+                      <a:stretch>
+                        <a:fillRect/>
+                      </a:stretch>
+                    </p:blipFill>
+                    <p:spPr>
+                      <a:xfrm>
+                        <a:off x="1961515" y="2551430"/>
+                        <a:ext cx="5018405" cy="935355"/>
+                      </a:xfrm>
+                      <a:prstGeom prst="rect">
+                        <a:avLst/>
+                      </a:prstGeom>
+                    </p:spPr>
+                  </p:pic>
+                </p:oleObj>
+              </mc:Fallback>
+            </mc:AlternateContent>
+          </a:graphicData>
+        </a:graphic>
+      </p:graphicFrame>
+      <p:graphicFrame>
+        <p:nvGraphicFramePr>
+          <p:cNvPr id="5" name="对象 4">
+            <a:hlinkClick r:id="" action="ppaction://ole?verb="/>
+          </p:cNvPr>
+          <p:cNvGraphicFramePr>
+            <a:graphicFrameLocks noChangeAspect="1"/>
+          </p:cNvGraphicFramePr>
+          <p:nvPr/>
+        </p:nvGraphicFramePr>
+        <p:xfrm>
+          <a:off x="3291841" y="5265103"/>
+          <a:ext cx="2314575" cy="789305"/>
+        </p:xfrm>
+        <a:graphic>
+          <a:graphicData uri="http://schemas.openxmlformats.org/presentationml/2006/ole">
+            <mc:AlternateContent xmlns:mc="http://schemas.openxmlformats.org/markup-compatibility/2006">
+              <mc:Choice xmlns:v="urn:schemas-microsoft-com:vml" Requires="v">
+                <p:oleObj spid="_x0000_s1026" name="" r:id="rId3" imgW="1155700" imgH="469900" progId="Equation.KSEE3">
+                  <p:embed/>
+                </p:oleObj>
+              </mc:Choice>
+              <mc:Fallback>
+                <p:oleObj name="" r:id="rId3" imgW="1155700" imgH="469900" progId="Equation.KSEE3">
+                  <p:embed/>
+                  <p:pic>
+                    <p:nvPicPr>
+                      <p:cNvPr id="0" name="图片 1025"/>
+                      <p:cNvPicPr/>
+                      <p:nvPr/>
+                    </p:nvPicPr>
+                    <p:blipFill>
+                      <a:blip r:embed="rId4"/>
+                      <a:stretch>
+                        <a:fillRect/>
+                      </a:stretch>
+                    </p:blipFill>
+                    <p:spPr>
+                      <a:xfrm>
+                        <a:off x="3291841" y="5265103"/>
+                        <a:ext cx="2314575" cy="789305"/>
+                      </a:xfrm>
+                      <a:prstGeom prst="rect">
+                        <a:avLst/>
+                      </a:prstGeom>
+                    </p:spPr>
+                  </p:pic>
+                </p:oleObj>
+              </mc:Fallback>
+            </mc:AlternateContent>
+          </a:graphicData>
+        </a:graphic>
+      </p:graphicFrame>
+    </p:spTree>
+  </p:cSld>
+  <p:clrMapOvr>
+    <a:masterClrMapping/>
+  </p:clrMapOvr>
+</p:sld>
+</file>
+
+<file path=ppt/slides/slide14.xml><?xml version="1.0" encoding="utf-8"?>
+<p:sld xmlns:a="http://schemas.openxmlformats.org/drawingml/2006/main" xmlns:r="http://schemas.openxmlformats.org/officeDocument/2006/relationships" xmlns:p="http://schemas.openxmlformats.org/presentationml/2006/main">
+  <p:cSld>
+    <p:spTree>
+      <p:nvGrpSpPr>
+        <p:cNvPr id="1" name=""/>
+        <p:cNvGrpSpPr/>
+        <p:nvPr/>
+      </p:nvGrpSpPr>
+      <p:grpSpPr/>
+      <p:sp>
+        <p:nvSpPr>
+          <p:cNvPr id="2" name="标题 1"/>
+          <p:cNvSpPr>
+            <a:spLocks noGrp="1"/>
+          </p:cNvSpPr>
+          <p:nvPr>
+            <p:ph type="title"/>
+          </p:nvPr>
+        </p:nvSpPr>
+        <p:spPr/>
+        <p:txBody>
+          <a:bodyPr/>
+          <a:p>
+            <a:r>
+              <a:rPr lang="zh-CN">
+                <a:sym typeface="+mn-ea"/>
+              </a:rPr>
+              <a:t>反向传播计算方法</a:t>
+            </a:r>
+            <a:endParaRPr lang="zh-CN">
+              <a:sym typeface="+mn-ea"/>
+            </a:endParaRPr>
+          </a:p>
+        </p:txBody>
+      </p:sp>
+      <p:sp>
+        <p:nvSpPr>
+          <p:cNvPr id="3" name="内容占位符 2"/>
+          <p:cNvSpPr>
+            <a:spLocks noGrp="1"/>
+          </p:cNvSpPr>
+          <p:nvPr>
+            <p:ph idx="1"/>
+          </p:nvPr>
+        </p:nvSpPr>
+        <p:spPr/>
+        <p:txBody>
+          <a:bodyPr/>
+          <a:p>
+            <a:r>
+              <a:rPr lang="zh-CN" altLang="en-US"/>
+              <a:t>反向传播的目的是什么？更新权重和偏置。</a:t>
+            </a:r>
+            <a:endParaRPr lang="zh-CN" altLang="en-US"/>
+          </a:p>
+          <a:p>
+            <a:r>
+              <a:rPr lang="zh-CN" altLang="en-US"/>
+              <a:t>梯度下降法，分别计算损失对权重和偏置的梯度</a:t>
+            </a:r>
+            <a:endParaRPr lang="zh-CN" altLang="en-US"/>
+          </a:p>
+          <a:p>
+            <a:r>
+              <a:rPr lang="zh-CN" altLang="en-US">
+                <a:sym typeface="+mn-ea"/>
+              </a:rPr>
+              <a:t>损失（</a:t>
+            </a:r>
             <a:r>
               <a:rPr lang="en-US" altLang="zh-CN">
                 <a:sym typeface="+mn-ea"/>
               </a:rPr>
-              <a:t>500/800 </a:t>
+              <a:t>loss</a:t>
             </a:r>
             <a:r>
               <a:rPr lang="zh-CN" altLang="en-US">
                 <a:sym typeface="+mn-ea"/>
               </a:rPr>
-              <a:t>个采样点一个音频片段，每个片段</a:t>
-            </a:r>
-            <a:r>
-              <a:rPr lang="en-US" altLang="zh-CN">
-                <a:sym typeface="+mn-ea"/>
-              </a:rPr>
-              <a:t> 4 </a:t>
-            </a:r>
+              <a:t>）函数，真实值与推理值的误差函数</a:t>
+            </a:r>
+            <a:endParaRPr lang="zh-CN" altLang="en-US">
+              <a:sym typeface="+mn-ea"/>
+            </a:endParaRPr>
+          </a:p>
+          <a:p>
             <a:r>
               <a:rPr lang="zh-CN" altLang="en-US">
                 <a:sym typeface="+mn-ea"/>
               </a:rPr>
-              <a:t>个特征值，</a:t>
-            </a:r>
-            <a:r>
-              <a:rPr lang="en-US" altLang="zh-CN">
-                <a:sym typeface="+mn-ea"/>
-              </a:rPr>
-              <a:t>2 </a:t>
-            </a:r>
+              <a:t>权重和偏置的梯度，就是损失函数对权重的偏导数</a:t>
+            </a:r>
+            <a:endParaRPr lang="zh-CN" altLang="en-US">
+              <a:sym typeface="+mn-ea"/>
+            </a:endParaRPr>
+          </a:p>
+          <a:p>
             <a:r>
               <a:rPr lang="zh-CN" altLang="en-US">
                 <a:sym typeface="+mn-ea"/>
               </a:rPr>
-              <a:t>秒音频，总共</a:t>
-            </a:r>
-            <a:r>
-              <a:rPr lang="en-US" altLang="zh-CN">
-                <a:sym typeface="+mn-ea"/>
-              </a:rPr>
-              <a:t> 128/80 </a:t>
-            </a:r>
+              <a:t>通过偏导数的链式求导方法，可以方便的计算出梯度值</a:t>
+            </a:r>
+            <a:endParaRPr lang="zh-CN" altLang="en-US"/>
+          </a:p>
+          <a:p>
+            <a:endParaRPr lang="zh-CN" altLang="en-US"/>
+          </a:p>
+        </p:txBody>
+      </p:sp>
+      <p:pic>
+        <p:nvPicPr>
+          <p:cNvPr id="4" name="图片 3"/>
+          <p:cNvPicPr>
+            <a:picLocks noChangeAspect="1"/>
+          </p:cNvPicPr>
+          <p:nvPr>
+            <p:custDataLst>
+              <p:tags r:id="rId1"/>
+            </p:custDataLst>
+          </p:nvPr>
+        </p:nvPicPr>
+        <p:blipFill>
+          <a:blip r:embed="rId2"/>
+          <a:stretch>
+            <a:fillRect/>
+          </a:stretch>
+        </p:blipFill>
+        <p:spPr>
+          <a:xfrm>
+            <a:off x="2746375" y="4580890"/>
+            <a:ext cx="5861050" cy="1153160"/>
+          </a:xfrm>
+          <a:prstGeom prst="rect">
+            <a:avLst/>
+          </a:prstGeom>
+        </p:spPr>
+      </p:pic>
+    </p:spTree>
+  </p:cSld>
+  <p:clrMapOvr>
+    <a:masterClrMapping/>
+  </p:clrMapOvr>
+</p:sld>
+</file>
+
+<file path=ppt/slides/slide15.xml><?xml version="1.0" encoding="utf-8"?>
+<p:sld xmlns:a="http://schemas.openxmlformats.org/drawingml/2006/main" xmlns:r="http://schemas.openxmlformats.org/officeDocument/2006/relationships" xmlns:p="http://schemas.openxmlformats.org/presentationml/2006/main">
+  <p:cSld>
+    <p:spTree>
+      <p:nvGrpSpPr>
+        <p:cNvPr id="1" name=""/>
+        <p:cNvGrpSpPr/>
+        <p:nvPr/>
+      </p:nvGrpSpPr>
+      <p:grpSpPr/>
+      <p:sp>
+        <p:nvSpPr>
+          <p:cNvPr id="2" name="标题 1"/>
+          <p:cNvSpPr>
+            <a:spLocks noGrp="1"/>
+          </p:cNvSpPr>
+          <p:nvPr>
+            <p:ph type="title"/>
+          </p:nvPr>
+        </p:nvSpPr>
+        <p:spPr/>
+        <p:txBody>
+          <a:bodyPr/>
+          <a:p>
+            <a:r>
+              <a:rPr lang="zh-CN" altLang="en-US"/>
+              <a:t>反向传播公式总结</a:t>
+            </a:r>
+            <a:endParaRPr lang="zh-CN" altLang="en-US"/>
+          </a:p>
+        </p:txBody>
+      </p:sp>
+      <p:sp>
+        <p:nvSpPr>
+          <p:cNvPr id="3" name="内容占位符 2"/>
+          <p:cNvSpPr>
+            <a:spLocks noGrp="1"/>
+          </p:cNvSpPr>
+          <p:nvPr>
+            <p:ph idx="1"/>
+          </p:nvPr>
+        </p:nvSpPr>
+        <p:spPr/>
+        <p:txBody>
+          <a:bodyPr/>
+          <a:p>
+            <a:r>
+              <a:rPr lang="zh-CN" altLang="en-US"/>
+              <a:t>公式</a:t>
+            </a:r>
+            <a:r>
+              <a:rPr lang="en-US" altLang="zh-CN"/>
+              <a:t> </a:t>
+            </a:r>
+            <a:r>
+              <a:rPr lang="zh-CN" altLang="en-US"/>
+              <a:t>1（计算最后一层神经网络产生的损失）：</a:t>
+            </a:r>
+            <a:endParaRPr lang="zh-CN" altLang="en-US"/>
+          </a:p>
+          <a:p>
+            <a:endParaRPr lang="zh-CN" altLang="en-US"/>
+          </a:p>
+        </p:txBody>
+      </p:sp>
+      <p:pic>
+        <p:nvPicPr>
+          <p:cNvPr id="4" name="图片 3"/>
+          <p:cNvPicPr>
+            <a:picLocks noChangeAspect="1"/>
+          </p:cNvPicPr>
+          <p:nvPr/>
+        </p:nvPicPr>
+        <p:blipFill>
+          <a:blip r:embed="rId1"/>
+          <a:stretch>
+            <a:fillRect/>
+          </a:stretch>
+        </p:blipFill>
+        <p:spPr>
+          <a:xfrm>
+            <a:off x="2136775" y="2476500"/>
+            <a:ext cx="7302500" cy="3206750"/>
+          </a:xfrm>
+          <a:prstGeom prst="rect">
+            <a:avLst/>
+          </a:prstGeom>
+        </p:spPr>
+      </p:pic>
+    </p:spTree>
+  </p:cSld>
+  <p:clrMapOvr>
+    <a:masterClrMapping/>
+  </p:clrMapOvr>
+</p:sld>
+</file>
+
+<file path=ppt/slides/slide16.xml><?xml version="1.0" encoding="utf-8"?>
+<p:sld xmlns:a="http://schemas.openxmlformats.org/drawingml/2006/main" xmlns:r="http://schemas.openxmlformats.org/officeDocument/2006/relationships" xmlns:p="http://schemas.openxmlformats.org/presentationml/2006/main">
+  <p:cSld>
+    <p:spTree>
+      <p:nvGrpSpPr>
+        <p:cNvPr id="1" name=""/>
+        <p:cNvGrpSpPr/>
+        <p:nvPr/>
+      </p:nvGrpSpPr>
+      <p:grpSpPr/>
+      <p:sp>
+        <p:nvSpPr>
+          <p:cNvPr id="2" name="标题 1"/>
+          <p:cNvSpPr>
+            <a:spLocks noGrp="1"/>
+          </p:cNvSpPr>
+          <p:nvPr>
+            <p:ph type="title"/>
+          </p:nvPr>
+        </p:nvSpPr>
+        <p:spPr/>
+        <p:txBody>
+          <a:bodyPr/>
+          <a:p>
             <a:r>
               <a:rPr lang="zh-CN" altLang="en-US">
                 <a:sym typeface="+mn-ea"/>
               </a:rPr>
-              <a:t>个特征值</a:t>
-            </a:r>
-            <a:endParaRPr lang="zh-CN" altLang="en-US"/>
-          </a:p>
-          <a:p>
-            <a:pPr fontAlgn="auto">
-              <a:lnSpc>
-                <a:spcPct val="100000"/>
-              </a:lnSpc>
-            </a:pPr>
+              <a:t>反向传播公式总结</a:t>
+            </a:r>
+            <a:endParaRPr lang="zh-CN" altLang="en-US"/>
+          </a:p>
+        </p:txBody>
+      </p:sp>
+      <p:sp>
+        <p:nvSpPr>
+          <p:cNvPr id="3" name="内容占位符 2"/>
+          <p:cNvSpPr>
+            <a:spLocks noGrp="1"/>
+          </p:cNvSpPr>
+          <p:nvPr>
+            <p:ph idx="1"/>
+          </p:nvPr>
+        </p:nvSpPr>
+        <p:spPr/>
+        <p:txBody>
+          <a:bodyPr/>
+          <a:p>
+            <a:r>
+              <a:rPr lang="zh-CN" altLang="en-US"/>
+              <a:t>公式</a:t>
+            </a:r>
+            <a:r>
+              <a:rPr lang="en-US" altLang="zh-CN"/>
+              <a:t> </a:t>
+            </a:r>
+            <a:r>
+              <a:rPr lang="zh-CN" altLang="en-US"/>
+              <a:t>2（由后往前，计算每一层神经网络产生的损失）：</a:t>
+            </a:r>
+            <a:endParaRPr lang="zh-CN" altLang="en-US"/>
+          </a:p>
+        </p:txBody>
+      </p:sp>
+      <p:pic>
+        <p:nvPicPr>
+          <p:cNvPr id="4" name="图片 3"/>
+          <p:cNvPicPr>
+            <a:picLocks noChangeAspect="1"/>
+          </p:cNvPicPr>
+          <p:nvPr/>
+        </p:nvPicPr>
+        <p:blipFill>
+          <a:blip r:embed="rId1"/>
+          <a:stretch>
+            <a:fillRect/>
+          </a:stretch>
+        </p:blipFill>
+        <p:spPr>
+          <a:xfrm>
+            <a:off x="3979545" y="2365375"/>
+            <a:ext cx="3232150" cy="755650"/>
+          </a:xfrm>
+          <a:prstGeom prst="rect">
+            <a:avLst/>
+          </a:prstGeom>
+        </p:spPr>
+      </p:pic>
+      <p:pic>
+        <p:nvPicPr>
+          <p:cNvPr id="5" name="图片 4"/>
+          <p:cNvPicPr>
+            <a:picLocks noChangeAspect="1"/>
+          </p:cNvPicPr>
+          <p:nvPr/>
+        </p:nvPicPr>
+        <p:blipFill>
+          <a:blip r:embed="rId2"/>
+          <a:stretch>
+            <a:fillRect/>
+          </a:stretch>
+        </p:blipFill>
+        <p:spPr>
+          <a:xfrm>
+            <a:off x="3343275" y="3121025"/>
+            <a:ext cx="4946650" cy="3321050"/>
+          </a:xfrm>
+          <a:prstGeom prst="rect">
+            <a:avLst/>
+          </a:prstGeom>
+        </p:spPr>
+      </p:pic>
+    </p:spTree>
+  </p:cSld>
+  <p:clrMapOvr>
+    <a:masterClrMapping/>
+  </p:clrMapOvr>
+</p:sld>
+</file>
+
+<file path=ppt/slides/slide17.xml><?xml version="1.0" encoding="utf-8"?>
+<p:sld xmlns:a="http://schemas.openxmlformats.org/drawingml/2006/main" xmlns:r="http://schemas.openxmlformats.org/officeDocument/2006/relationships" xmlns:p="http://schemas.openxmlformats.org/presentationml/2006/main">
+  <p:cSld>
+    <p:spTree>
+      <p:nvGrpSpPr>
+        <p:cNvPr id="1" name=""/>
+        <p:cNvGrpSpPr/>
+        <p:nvPr/>
+      </p:nvGrpSpPr>
+      <p:grpSpPr/>
+      <p:sp>
+        <p:nvSpPr>
+          <p:cNvPr id="2" name="标题 1"/>
+          <p:cNvSpPr>
+            <a:spLocks noGrp="1"/>
+          </p:cNvSpPr>
+          <p:nvPr>
+            <p:ph type="title"/>
+          </p:nvPr>
+        </p:nvSpPr>
+        <p:spPr/>
+        <p:txBody>
+          <a:bodyPr/>
+          <a:p>
             <a:r>
               <a:rPr lang="zh-CN" altLang="en-US">
                 <a:sym typeface="+mn-ea"/>
               </a:rPr>
-              <a:t>神经网络的输入减少为</a:t>
-            </a:r>
-            <a:r>
-              <a:rPr lang="en-US" altLang="zh-CN">
-                <a:sym typeface="+mn-ea"/>
-              </a:rPr>
-              <a:t> 80 </a:t>
-            </a:r>
+              <a:t>反向传播公式总结</a:t>
+            </a:r>
+            <a:endParaRPr lang="zh-CN" altLang="en-US"/>
+          </a:p>
+        </p:txBody>
+      </p:sp>
+      <p:sp>
+        <p:nvSpPr>
+          <p:cNvPr id="3" name="内容占位符 2"/>
+          <p:cNvSpPr>
+            <a:spLocks noGrp="1"/>
+          </p:cNvSpPr>
+          <p:nvPr>
+            <p:ph idx="1"/>
+          </p:nvPr>
+        </p:nvSpPr>
+        <p:spPr/>
+        <p:txBody>
+          <a:bodyPr/>
+          <a:p>
+            <a:r>
+              <a:rPr lang="zh-CN" altLang="en-US"/>
+              <a:t>公式</a:t>
+            </a:r>
+            <a:r>
+              <a:rPr lang="en-US" altLang="zh-CN"/>
+              <a:t> </a:t>
+            </a:r>
+            <a:r>
+              <a:rPr lang="zh-CN" altLang="en-US"/>
+              <a:t>3（计算权重的梯度）：</a:t>
+            </a:r>
+            <a:endParaRPr lang="zh-CN" altLang="en-US"/>
+          </a:p>
+        </p:txBody>
+      </p:sp>
+      <p:pic>
+        <p:nvPicPr>
+          <p:cNvPr id="4" name="图片 3"/>
+          <p:cNvPicPr>
+            <a:picLocks noChangeAspect="1"/>
+          </p:cNvPicPr>
+          <p:nvPr/>
+        </p:nvPicPr>
+        <p:blipFill>
+          <a:blip r:embed="rId1"/>
+          <a:stretch>
+            <a:fillRect/>
+          </a:stretch>
+        </p:blipFill>
+        <p:spPr>
+          <a:xfrm>
+            <a:off x="2787015" y="2599690"/>
+            <a:ext cx="5772785" cy="3145790"/>
+          </a:xfrm>
+          <a:prstGeom prst="rect">
+            <a:avLst/>
+          </a:prstGeom>
+        </p:spPr>
+      </p:pic>
+    </p:spTree>
+  </p:cSld>
+  <p:clrMapOvr>
+    <a:masterClrMapping/>
+  </p:clrMapOvr>
+</p:sld>
+</file>
+
+<file path=ppt/slides/slide18.xml><?xml version="1.0" encoding="utf-8"?>
+<p:sld xmlns:a="http://schemas.openxmlformats.org/drawingml/2006/main" xmlns:r="http://schemas.openxmlformats.org/officeDocument/2006/relationships" xmlns:p="http://schemas.openxmlformats.org/presentationml/2006/main">
+  <p:cSld>
+    <p:spTree>
+      <p:nvGrpSpPr>
+        <p:cNvPr id="1" name=""/>
+        <p:cNvGrpSpPr/>
+        <p:nvPr/>
+      </p:nvGrpSpPr>
+      <p:grpSpPr/>
+      <p:sp>
+        <p:nvSpPr>
+          <p:cNvPr id="2" name="标题 1"/>
+          <p:cNvSpPr>
+            <a:spLocks noGrp="1"/>
+          </p:cNvSpPr>
+          <p:nvPr>
+            <p:ph type="title"/>
+          </p:nvPr>
+        </p:nvSpPr>
+        <p:spPr/>
+        <p:txBody>
+          <a:bodyPr/>
+          <a:p>
             <a:r>
               <a:rPr lang="zh-CN" altLang="en-US">
                 <a:sym typeface="+mn-ea"/>
               </a:rPr>
-              <a:t>个节点，运算量大大减少</a:t>
-            </a:r>
-            <a:endParaRPr lang="zh-CN" altLang="en-US"/>
-          </a:p>
-          <a:p>
-            <a:pPr fontAlgn="auto">
-              <a:lnSpc>
-                <a:spcPct val="100000"/>
-              </a:lnSpc>
-            </a:pPr>
-            <a:r>
-              <a:rPr lang="zh-CN" altLang="en-US">
-                <a:sym typeface="+mn-ea"/>
-              </a:rPr>
-              <a:t>准备数据集，开始训练吧</a:t>
-            </a:r>
-            <a:r>
-              <a:rPr lang="en-US" altLang="zh-CN">
-                <a:sym typeface="+mn-ea"/>
-              </a:rPr>
-              <a:t>...</a:t>
-            </a:r>
-            <a:endParaRPr lang="en-US" altLang="zh-CN"/>
+              <a:t>反向传播公式总结</a:t>
+            </a:r>
+            <a:endParaRPr lang="zh-CN" altLang="en-US"/>
+          </a:p>
+        </p:txBody>
+      </p:sp>
+      <p:sp>
+        <p:nvSpPr>
+          <p:cNvPr id="3" name="内容占位符 2"/>
+          <p:cNvSpPr>
+            <a:spLocks noGrp="1"/>
+          </p:cNvSpPr>
+          <p:nvPr>
+            <p:ph idx="1"/>
+          </p:nvPr>
+        </p:nvSpPr>
+        <p:spPr/>
+        <p:txBody>
+          <a:bodyPr/>
+          <a:p>
+            <a:r>
+              <a:rPr lang="zh-CN" altLang="en-US"/>
+              <a:t>公式</a:t>
+            </a:r>
+            <a:r>
+              <a:rPr lang="en-US" altLang="zh-CN"/>
+              <a:t> </a:t>
+            </a:r>
+            <a:r>
+              <a:rPr lang="zh-CN" altLang="en-US"/>
+              <a:t>4（计算偏置的梯度）：</a:t>
+            </a:r>
+            <a:endParaRPr lang="zh-CN" altLang="en-US"/>
+          </a:p>
+        </p:txBody>
+      </p:sp>
+      <p:pic>
+        <p:nvPicPr>
+          <p:cNvPr id="4" name="图片 3"/>
+          <p:cNvPicPr>
+            <a:picLocks noChangeAspect="1"/>
+          </p:cNvPicPr>
+          <p:nvPr/>
+        </p:nvPicPr>
+        <p:blipFill>
+          <a:blip r:embed="rId1"/>
+          <a:stretch>
+            <a:fillRect/>
+          </a:stretch>
+        </p:blipFill>
+        <p:spPr>
+          <a:xfrm>
+            <a:off x="2867660" y="2646680"/>
+            <a:ext cx="5332095" cy="3046730"/>
+          </a:xfrm>
+          <a:prstGeom prst="rect">
+            <a:avLst/>
+          </a:prstGeom>
+        </p:spPr>
+      </p:pic>
+    </p:spTree>
+  </p:cSld>
+  <p:clrMapOvr>
+    <a:masterClrMapping/>
+  </p:clrMapOvr>
+</p:sld>
+</file>
+
+<file path=ppt/slides/slide19.xml><?xml version="1.0" encoding="utf-8"?>
+<p:sld xmlns:a="http://schemas.openxmlformats.org/drawingml/2006/main" xmlns:r="http://schemas.openxmlformats.org/officeDocument/2006/relationships" xmlns:p="http://schemas.openxmlformats.org/presentationml/2006/main">
+  <p:cSld>
+    <p:spTree>
+      <p:nvGrpSpPr>
+        <p:cNvPr id="1" name=""/>
+        <p:cNvGrpSpPr/>
+        <p:nvPr/>
+      </p:nvGrpSpPr>
+      <p:grpSpPr/>
+      <p:sp>
+        <p:nvSpPr>
+          <p:cNvPr id="2" name="标题 1"/>
+          <p:cNvSpPr>
+            <a:spLocks noGrp="1"/>
+          </p:cNvSpPr>
+          <p:nvPr>
+            <p:ph type="title"/>
+          </p:nvPr>
+        </p:nvSpPr>
+        <p:spPr/>
+        <p:txBody>
+          <a:bodyPr/>
+          <a:p>
+            <a:r>
+              <a:rPr lang="zh-CN" altLang="en-US"/>
+              <a:t>使用</a:t>
+            </a:r>
+            <a:r>
+              <a:rPr lang="en-US" altLang="zh-CN"/>
+              <a:t> C </a:t>
+            </a:r>
+            <a:r>
+              <a:rPr lang="zh-CN" altLang="en-US"/>
+              <a:t>实现</a:t>
+            </a:r>
+            <a:r>
+              <a:rPr lang="en-US" altLang="zh-CN"/>
+              <a:t> BP </a:t>
+            </a:r>
+            <a:r>
+              <a:rPr lang="zh-CN" altLang="en-US"/>
+              <a:t>神经网络</a:t>
+            </a:r>
+            <a:endParaRPr lang="zh-CN" altLang="en-US"/>
+          </a:p>
+        </p:txBody>
+      </p:sp>
+      <p:sp>
+        <p:nvSpPr>
+          <p:cNvPr id="3" name="内容占位符 2"/>
+          <p:cNvSpPr>
+            <a:spLocks noGrp="1"/>
+          </p:cNvSpPr>
+          <p:nvPr>
+            <p:ph idx="1"/>
+          </p:nvPr>
+        </p:nvSpPr>
+        <p:spPr/>
+        <p:txBody>
+          <a:bodyPr/>
+          <a:p>
+            <a:r>
+              <a:rPr lang="zh-CN" altLang="en-US"/>
+              <a:t>矩阵运算的实现</a:t>
+            </a:r>
+            <a:endParaRPr lang="zh-CN" altLang="en-US"/>
+          </a:p>
+          <a:p>
+            <a:r>
+              <a:rPr lang="zh-CN" altLang="en-US"/>
+              <a:t>激活函数的实现</a:t>
+            </a:r>
+            <a:endParaRPr lang="zh-CN" altLang="en-US"/>
+          </a:p>
+          <a:p>
+            <a:r>
+              <a:rPr lang="zh-CN" altLang="en-US"/>
+              <a:t>前向推理的实现</a:t>
+            </a:r>
+            <a:endParaRPr lang="zh-CN" altLang="en-US"/>
+          </a:p>
+          <a:p>
+            <a:r>
+              <a:rPr lang="zh-CN" altLang="en-US"/>
+              <a:t>反向传播的实现</a:t>
+            </a:r>
+            <a:endParaRPr lang="zh-CN" altLang="en-US"/>
+          </a:p>
+          <a:p>
+            <a:r>
+              <a:rPr lang="zh-CN" altLang="en-US"/>
+              <a:t>损失</a:t>
+            </a:r>
+            <a:r>
+              <a:rPr lang="en-US" altLang="zh-CN"/>
+              <a:t> loss </a:t>
+            </a:r>
+            <a:r>
+              <a:rPr lang="zh-CN" altLang="en-US"/>
+              <a:t>的计算</a:t>
+            </a:r>
+            <a:endParaRPr lang="zh-CN" altLang="en-US"/>
+          </a:p>
+          <a:p>
+            <a:r>
+              <a:rPr lang="zh-CN" altLang="en-US"/>
+              <a:t>数据集的实现</a:t>
+            </a:r>
+            <a:endParaRPr lang="zh-CN" altLang="en-US"/>
           </a:p>
         </p:txBody>
       </p:sp>
@@ -3685,6 +5082,1227 @@
               <a:t>(activation)</a:t>
             </a:r>
             <a:endParaRPr lang="en-US" altLang="zh-CN"/>
+          </a:p>
+        </p:txBody>
+      </p:sp>
+    </p:spTree>
+  </p:cSld>
+  <p:clrMapOvr>
+    <a:masterClrMapping/>
+  </p:clrMapOvr>
+</p:sld>
+</file>
+
+<file path=ppt/slides/slide20.xml><?xml version="1.0" encoding="utf-8"?>
+<p:sld xmlns:a="http://schemas.openxmlformats.org/drawingml/2006/main" xmlns:r="http://schemas.openxmlformats.org/officeDocument/2006/relationships" xmlns:p="http://schemas.openxmlformats.org/presentationml/2006/main">
+  <p:cSld>
+    <p:spTree>
+      <p:nvGrpSpPr>
+        <p:cNvPr id="1" name=""/>
+        <p:cNvGrpSpPr/>
+        <p:nvPr/>
+      </p:nvGrpSpPr>
+      <p:grpSpPr/>
+      <p:sp>
+        <p:nvSpPr>
+          <p:cNvPr id="2" name="标题 1"/>
+          <p:cNvSpPr>
+            <a:spLocks noGrp="1"/>
+          </p:cNvSpPr>
+          <p:nvPr>
+            <p:ph type="title"/>
+          </p:nvPr>
+        </p:nvSpPr>
+        <p:spPr/>
+        <p:txBody>
+          <a:bodyPr/>
+          <a:p>
+            <a:r>
+              <a:rPr lang="zh-CN" altLang="en-US"/>
+              <a:t>使用神经网络解决异或问题</a:t>
+            </a:r>
+            <a:endParaRPr lang="zh-CN" altLang="en-US"/>
+          </a:p>
+        </p:txBody>
+      </p:sp>
+      <p:sp>
+        <p:nvSpPr>
+          <p:cNvPr id="3" name="内容占位符 2"/>
+          <p:cNvSpPr>
+            <a:spLocks noGrp="1"/>
+          </p:cNvSpPr>
+          <p:nvPr>
+            <p:ph idx="1"/>
+          </p:nvPr>
+        </p:nvSpPr>
+        <p:spPr/>
+        <p:txBody>
+          <a:bodyPr/>
+          <a:p>
+            <a:endParaRPr lang="zh-CN" altLang="en-US">
+              <a:sym typeface="+mn-ea"/>
+            </a:endParaRPr>
+          </a:p>
+          <a:p>
+            <a:endParaRPr lang="zh-CN" altLang="en-US">
+              <a:sym typeface="+mn-ea"/>
+            </a:endParaRPr>
+          </a:p>
+          <a:p>
+            <a:r>
+              <a:rPr lang="zh-CN" altLang="en-US">
+                <a:sym typeface="+mn-ea"/>
+              </a:rPr>
+              <a:t>讲解</a:t>
+            </a:r>
+            <a:r>
+              <a:rPr lang="en-US" altLang="zh-CN">
+                <a:sym typeface="+mn-ea"/>
+              </a:rPr>
+              <a:t> </a:t>
+            </a:r>
+            <a:r>
+              <a:rPr lang="en-US" altLang="zh-CN"/>
+              <a:t>example1 </a:t>
+            </a:r>
+            <a:r>
+              <a:rPr lang="zh-CN" altLang="en-US"/>
+              <a:t>程序</a:t>
+            </a:r>
+            <a:endParaRPr lang="zh-CN" altLang="en-US"/>
+          </a:p>
+        </p:txBody>
+      </p:sp>
+    </p:spTree>
+  </p:cSld>
+  <p:clrMapOvr>
+    <a:masterClrMapping/>
+  </p:clrMapOvr>
+</p:sld>
+</file>
+
+<file path=ppt/slides/slide21.xml><?xml version="1.0" encoding="utf-8"?>
+<p:sld xmlns:a="http://schemas.openxmlformats.org/drawingml/2006/main" xmlns:r="http://schemas.openxmlformats.org/officeDocument/2006/relationships" xmlns:p="http://schemas.openxmlformats.org/presentationml/2006/main">
+  <p:cSld>
+    <p:spTree>
+      <p:nvGrpSpPr>
+        <p:cNvPr id="1" name=""/>
+        <p:cNvGrpSpPr/>
+        <p:nvPr/>
+      </p:nvGrpSpPr>
+      <p:grpSpPr/>
+      <p:sp>
+        <p:nvSpPr>
+          <p:cNvPr id="2" name="标题 1"/>
+          <p:cNvSpPr>
+            <a:spLocks noGrp="1"/>
+          </p:cNvSpPr>
+          <p:nvPr>
+            <p:ph type="title"/>
+          </p:nvPr>
+        </p:nvSpPr>
+        <p:spPr/>
+        <p:txBody>
+          <a:bodyPr/>
+          <a:p>
+            <a:r>
+              <a:rPr lang="zh-CN" altLang="en-US">
+                <a:sym typeface="+mn-ea"/>
+              </a:rPr>
+              <a:t>使用神经网络解决分类问题</a:t>
+            </a:r>
+            <a:endParaRPr lang="zh-CN" altLang="en-US"/>
+          </a:p>
+        </p:txBody>
+      </p:sp>
+      <p:sp>
+        <p:nvSpPr>
+          <p:cNvPr id="3" name="内容占位符 2"/>
+          <p:cNvSpPr>
+            <a:spLocks noGrp="1"/>
+          </p:cNvSpPr>
+          <p:nvPr>
+            <p:ph idx="1"/>
+          </p:nvPr>
+        </p:nvSpPr>
+        <p:spPr/>
+        <p:txBody>
+          <a:bodyPr/>
+          <a:p>
+            <a:endParaRPr lang="zh-CN" altLang="en-US"/>
+          </a:p>
+          <a:p>
+            <a:r>
+              <a:rPr lang="zh-CN" altLang="en-US"/>
+              <a:t>什么是分类问题？</a:t>
+            </a:r>
+            <a:endParaRPr lang="zh-CN" altLang="en-US"/>
+          </a:p>
+          <a:p>
+            <a:endParaRPr lang="en-US" altLang="zh-CN"/>
+          </a:p>
+          <a:p>
+            <a:r>
+              <a:rPr lang="en-US" altLang="zh-CN"/>
+              <a:t>minist </a:t>
+            </a:r>
+            <a:r>
+              <a:rPr lang="zh-CN" altLang="en-US"/>
+              <a:t>数据集与数字识别</a:t>
+            </a:r>
+            <a:endParaRPr lang="zh-CN" altLang="en-US"/>
+          </a:p>
+          <a:p>
+            <a:endParaRPr lang="zh-CN" altLang="en-US"/>
+          </a:p>
+          <a:p>
+            <a:r>
+              <a:rPr lang="zh-CN" altLang="en-US"/>
+              <a:t>讲解</a:t>
+            </a:r>
+            <a:r>
+              <a:rPr lang="en-US" altLang="zh-CN"/>
+              <a:t> example2 </a:t>
+            </a:r>
+            <a:r>
+              <a:rPr lang="zh-CN" altLang="en-US"/>
+              <a:t>程序</a:t>
+            </a:r>
+            <a:endParaRPr lang="zh-CN" altLang="en-US"/>
+          </a:p>
+        </p:txBody>
+      </p:sp>
+    </p:spTree>
+  </p:cSld>
+  <p:clrMapOvr>
+    <a:masterClrMapping/>
+  </p:clrMapOvr>
+</p:sld>
+</file>
+
+<file path=ppt/slides/slide22.xml><?xml version="1.0" encoding="utf-8"?>
+<p:sld xmlns:a="http://schemas.openxmlformats.org/drawingml/2006/main" xmlns:r="http://schemas.openxmlformats.org/officeDocument/2006/relationships" xmlns:p="http://schemas.openxmlformats.org/presentationml/2006/main">
+  <p:cSld>
+    <p:spTree>
+      <p:nvGrpSpPr>
+        <p:cNvPr id="1" name=""/>
+        <p:cNvGrpSpPr/>
+        <p:nvPr/>
+      </p:nvGrpSpPr>
+      <p:grpSpPr/>
+      <p:sp>
+        <p:nvSpPr>
+          <p:cNvPr id="2" name="标题 1"/>
+          <p:cNvSpPr>
+            <a:spLocks noGrp="1"/>
+          </p:cNvSpPr>
+          <p:nvPr>
+            <p:ph type="title"/>
+          </p:nvPr>
+        </p:nvSpPr>
+        <p:spPr/>
+        <p:txBody>
+          <a:bodyPr/>
+          <a:p>
+            <a:r>
+              <a:rPr lang="zh-CN" altLang="en-US"/>
+              <a:t>婴儿哭声识别</a:t>
+            </a:r>
+            <a:endParaRPr lang="zh-CN" altLang="en-US"/>
+          </a:p>
+        </p:txBody>
+      </p:sp>
+      <p:sp>
+        <p:nvSpPr>
+          <p:cNvPr id="3" name="内容占位符 2"/>
+          <p:cNvSpPr>
+            <a:spLocks noGrp="1"/>
+          </p:cNvSpPr>
+          <p:nvPr>
+            <p:ph idx="1"/>
+          </p:nvPr>
+        </p:nvSpPr>
+        <p:spPr>
+          <a:xfrm>
+            <a:off x="838200" y="1691005"/>
+            <a:ext cx="10515600" cy="4486275"/>
+          </a:xfrm>
+        </p:spPr>
+        <p:txBody>
+          <a:bodyPr vert="horz">
+            <a:normAutofit fontScale="90000" lnSpcReduction="10000"/>
+          </a:bodyPr>
+          <a:p>
+            <a:pPr fontAlgn="auto">
+              <a:lnSpc>
+                <a:spcPct val="100000"/>
+              </a:lnSpc>
+            </a:pPr>
+            <a:r>
+              <a:rPr lang="zh-CN" altLang="en-US">
+                <a:sym typeface="+mn-ea"/>
+              </a:rPr>
+              <a:t>婴儿哭声识别就是一个分类问题</a:t>
+            </a:r>
+            <a:endParaRPr lang="zh-CN" altLang="en-US"/>
+          </a:p>
+          <a:p>
+            <a:pPr fontAlgn="auto">
+              <a:lnSpc>
+                <a:spcPct val="100000"/>
+              </a:lnSpc>
+            </a:pPr>
+            <a:r>
+              <a:rPr lang="en-US" altLang="zh-CN">
+                <a:sym typeface="+mn-ea"/>
+              </a:rPr>
+              <a:t>8KHz </a:t>
+            </a:r>
+            <a:r>
+              <a:rPr lang="zh-CN" altLang="en-US">
+                <a:sym typeface="+mn-ea"/>
+              </a:rPr>
+              <a:t>采样率，</a:t>
+            </a:r>
+            <a:r>
+              <a:rPr lang="en-US" altLang="zh-CN">
+                <a:sym typeface="+mn-ea"/>
+              </a:rPr>
+              <a:t>2 </a:t>
+            </a:r>
+            <a:r>
+              <a:rPr lang="zh-CN" altLang="en-US">
+                <a:sym typeface="+mn-ea"/>
+              </a:rPr>
+              <a:t>秒钟音频，</a:t>
+            </a:r>
+            <a:r>
+              <a:rPr lang="en-US" altLang="zh-CN">
+                <a:sym typeface="+mn-ea"/>
+              </a:rPr>
+              <a:t>16000 </a:t>
+            </a:r>
+            <a:r>
+              <a:rPr lang="zh-CN" altLang="en-US">
+                <a:sym typeface="+mn-ea"/>
+              </a:rPr>
+              <a:t>个采样点</a:t>
+            </a:r>
+            <a:endParaRPr lang="zh-CN" altLang="en-US"/>
+          </a:p>
+          <a:p>
+            <a:pPr fontAlgn="auto">
+              <a:lnSpc>
+                <a:spcPct val="100000"/>
+              </a:lnSpc>
+            </a:pPr>
+            <a:r>
+              <a:rPr lang="zh-CN" altLang="en-US">
+                <a:sym typeface="+mn-ea"/>
+              </a:rPr>
+              <a:t>送给神经网络进行分类即可得到结果</a:t>
+            </a:r>
+            <a:endParaRPr lang="zh-CN" altLang="en-US"/>
+          </a:p>
+          <a:p>
+            <a:pPr fontAlgn="auto">
+              <a:lnSpc>
+                <a:spcPct val="100000"/>
+              </a:lnSpc>
+            </a:pPr>
+            <a:r>
+              <a:rPr lang="en-US" altLang="zh-CN">
+                <a:sym typeface="+mn-ea"/>
+              </a:rPr>
+              <a:t>16000 </a:t>
+            </a:r>
+            <a:r>
+              <a:rPr lang="zh-CN" altLang="en-US">
+                <a:sym typeface="+mn-ea"/>
+              </a:rPr>
+              <a:t>个输入的网络？数据量太大！如何优化？</a:t>
+            </a:r>
+            <a:endParaRPr lang="zh-CN" altLang="en-US"/>
+          </a:p>
+          <a:p>
+            <a:pPr fontAlgn="auto">
+              <a:lnSpc>
+                <a:spcPct val="100000"/>
+              </a:lnSpc>
+            </a:pPr>
+            <a:r>
+              <a:rPr lang="zh-CN" altLang="en-US">
+                <a:sym typeface="+mn-ea"/>
+              </a:rPr>
+              <a:t>音频特征抽取：短时能量、短时过零率、短时频率（频谱）、短时基频（</a:t>
+            </a:r>
+            <a:r>
+              <a:rPr lang="en-US" altLang="zh-CN">
+                <a:sym typeface="+mn-ea"/>
+              </a:rPr>
+              <a:t>pitch</a:t>
+            </a:r>
+            <a:r>
+              <a:rPr lang="zh-CN" altLang="en-US">
+                <a:sym typeface="+mn-ea"/>
+              </a:rPr>
+              <a:t>）</a:t>
+            </a:r>
+            <a:endParaRPr lang="zh-CN" altLang="en-US"/>
+          </a:p>
+          <a:p>
+            <a:pPr fontAlgn="auto">
+              <a:lnSpc>
+                <a:spcPct val="100000"/>
+              </a:lnSpc>
+            </a:pPr>
+            <a:r>
+              <a:rPr lang="en-US" altLang="zh-CN">
+                <a:sym typeface="+mn-ea"/>
+              </a:rPr>
+              <a:t>500/800 </a:t>
+            </a:r>
+            <a:r>
+              <a:rPr lang="zh-CN" altLang="en-US">
+                <a:sym typeface="+mn-ea"/>
+              </a:rPr>
+              <a:t>个采样点一个音频片段，每个片段</a:t>
+            </a:r>
+            <a:r>
+              <a:rPr lang="en-US" altLang="zh-CN">
+                <a:sym typeface="+mn-ea"/>
+              </a:rPr>
+              <a:t> 4 </a:t>
+            </a:r>
+            <a:r>
+              <a:rPr lang="zh-CN" altLang="en-US">
+                <a:sym typeface="+mn-ea"/>
+              </a:rPr>
+              <a:t>个特征值，</a:t>
+            </a:r>
+            <a:r>
+              <a:rPr lang="en-US" altLang="zh-CN">
+                <a:sym typeface="+mn-ea"/>
+              </a:rPr>
+              <a:t>2 </a:t>
+            </a:r>
+            <a:r>
+              <a:rPr lang="zh-CN" altLang="en-US">
+                <a:sym typeface="+mn-ea"/>
+              </a:rPr>
+              <a:t>秒音频，总共</a:t>
+            </a:r>
+            <a:r>
+              <a:rPr lang="en-US" altLang="zh-CN">
+                <a:sym typeface="+mn-ea"/>
+              </a:rPr>
+              <a:t> 128/80 </a:t>
+            </a:r>
+            <a:r>
+              <a:rPr lang="zh-CN" altLang="en-US">
+                <a:sym typeface="+mn-ea"/>
+              </a:rPr>
+              <a:t>个特征值</a:t>
+            </a:r>
+            <a:endParaRPr lang="zh-CN" altLang="en-US"/>
+          </a:p>
+          <a:p>
+            <a:pPr fontAlgn="auto">
+              <a:lnSpc>
+                <a:spcPct val="100000"/>
+              </a:lnSpc>
+            </a:pPr>
+            <a:r>
+              <a:rPr lang="zh-CN" altLang="en-US">
+                <a:sym typeface="+mn-ea"/>
+              </a:rPr>
+              <a:t>神经网络的输入减少为</a:t>
+            </a:r>
+            <a:r>
+              <a:rPr lang="en-US" altLang="zh-CN">
+                <a:sym typeface="+mn-ea"/>
+              </a:rPr>
+              <a:t> 80 </a:t>
+            </a:r>
+            <a:r>
+              <a:rPr lang="zh-CN" altLang="en-US">
+                <a:sym typeface="+mn-ea"/>
+              </a:rPr>
+              <a:t>个节点，运算量大大减少</a:t>
+            </a:r>
+            <a:endParaRPr lang="zh-CN" altLang="en-US"/>
+          </a:p>
+          <a:p>
+            <a:pPr fontAlgn="auto">
+              <a:lnSpc>
+                <a:spcPct val="100000"/>
+              </a:lnSpc>
+            </a:pPr>
+            <a:r>
+              <a:rPr lang="zh-CN" altLang="en-US">
+                <a:sym typeface="+mn-ea"/>
+              </a:rPr>
+              <a:t>准备数据集，开始训练吧</a:t>
+            </a:r>
+            <a:r>
+              <a:rPr lang="en-US" altLang="zh-CN">
+                <a:sym typeface="+mn-ea"/>
+              </a:rPr>
+              <a:t>...</a:t>
+            </a:r>
+            <a:endParaRPr lang="en-US" altLang="zh-CN"/>
+          </a:p>
+        </p:txBody>
+      </p:sp>
+    </p:spTree>
+  </p:cSld>
+  <p:clrMapOvr>
+    <a:masterClrMapping/>
+  </p:clrMapOvr>
+</p:sld>
+</file>
+
+<file path=ppt/slides/slide23.xml><?xml version="1.0" encoding="utf-8"?>
+<p:sld xmlns:a="http://schemas.openxmlformats.org/drawingml/2006/main" xmlns:r="http://schemas.openxmlformats.org/officeDocument/2006/relationships" xmlns:p="http://schemas.openxmlformats.org/presentationml/2006/main">
+  <p:cSld>
+    <p:spTree>
+      <p:nvGrpSpPr>
+        <p:cNvPr id="1" name=""/>
+        <p:cNvGrpSpPr/>
+        <p:nvPr/>
+      </p:nvGrpSpPr>
+      <p:grpSpPr/>
+      <p:sp>
+        <p:nvSpPr>
+          <p:cNvPr id="2" name="标题 1"/>
+          <p:cNvSpPr>
+            <a:spLocks noGrp="1"/>
+          </p:cNvSpPr>
+          <p:nvPr>
+            <p:ph type="title"/>
+          </p:nvPr>
+        </p:nvSpPr>
+        <p:spPr/>
+        <p:txBody>
+          <a:bodyPr/>
+          <a:p>
+            <a:r>
+              <a:rPr lang="zh-CN" altLang="en-US"/>
+              <a:t>语音识别概述</a:t>
+            </a:r>
+            <a:endParaRPr lang="zh-CN" altLang="en-US"/>
+          </a:p>
+        </p:txBody>
+      </p:sp>
+      <p:sp>
+        <p:nvSpPr>
+          <p:cNvPr id="3" name="内容占位符 2"/>
+          <p:cNvSpPr>
+            <a:spLocks noGrp="1"/>
+          </p:cNvSpPr>
+          <p:nvPr>
+            <p:ph idx="1"/>
+          </p:nvPr>
+        </p:nvSpPr>
+        <p:spPr/>
+        <p:txBody>
+          <a:bodyPr/>
+          <a:p>
+            <a:pPr marL="0" indent="0">
+              <a:buNone/>
+            </a:pPr>
+            <a:r>
+              <a:rPr lang="zh-CN" altLang="en-US"/>
+              <a:t>语音信号处理：</a:t>
+            </a:r>
+            <a:endParaRPr lang="zh-CN" altLang="en-US"/>
+          </a:p>
+          <a:p>
+            <a:r>
+              <a:rPr lang="zh-CN" altLang="en-US"/>
+              <a:t>音频采集</a:t>
+            </a:r>
+            <a:endParaRPr lang="zh-CN" altLang="en-US"/>
+          </a:p>
+          <a:p>
+            <a:r>
+              <a:rPr lang="zh-CN" altLang="en-US"/>
+              <a:t>滤波</a:t>
+            </a:r>
+            <a:endParaRPr lang="zh-CN" altLang="en-US"/>
+          </a:p>
+          <a:p>
+            <a:r>
+              <a:rPr lang="zh-CN" altLang="en-US"/>
+              <a:t>特征提取</a:t>
+            </a:r>
+            <a:r>
+              <a:rPr lang="en-US" altLang="zh-CN"/>
+              <a:t> MFCC -&gt; </a:t>
+            </a:r>
+            <a:r>
+              <a:rPr lang="zh-CN" altLang="en-US"/>
+              <a:t>声谱图</a:t>
+            </a:r>
+            <a:endParaRPr lang="en-US" altLang="zh-CN"/>
+          </a:p>
+          <a:p>
+            <a:endParaRPr lang="en-US" altLang="zh-CN"/>
+          </a:p>
+          <a:p>
+            <a:pPr marL="0" indent="0">
+              <a:buNone/>
+            </a:pPr>
+            <a:r>
+              <a:rPr lang="zh-CN" altLang="en-US"/>
+              <a:t>语音识别模型：</a:t>
+            </a:r>
+            <a:endParaRPr lang="zh-CN" altLang="en-US"/>
+          </a:p>
+          <a:p>
+            <a:r>
+              <a:rPr lang="zh-CN" altLang="en-US"/>
+              <a:t>隐马尔科夫模型</a:t>
+            </a:r>
+            <a:endParaRPr lang="zh-CN" altLang="en-US"/>
+          </a:p>
+          <a:p>
+            <a:r>
+              <a:rPr lang="zh-CN" altLang="en-US"/>
+              <a:t>神经网络模型</a:t>
+            </a:r>
+            <a:endParaRPr lang="zh-CN" altLang="en-US"/>
+          </a:p>
+        </p:txBody>
+      </p:sp>
+    </p:spTree>
+  </p:cSld>
+  <p:clrMapOvr>
+    <a:masterClrMapping/>
+  </p:clrMapOvr>
+</p:sld>
+</file>
+
+<file path=ppt/slides/slide24.xml><?xml version="1.0" encoding="utf-8"?>
+<p:sld xmlns:a="http://schemas.openxmlformats.org/drawingml/2006/main" xmlns:r="http://schemas.openxmlformats.org/officeDocument/2006/relationships" xmlns:p="http://schemas.openxmlformats.org/presentationml/2006/main">
+  <p:cSld>
+    <p:spTree>
+      <p:nvGrpSpPr>
+        <p:cNvPr id="1" name=""/>
+        <p:cNvGrpSpPr/>
+        <p:nvPr/>
+      </p:nvGrpSpPr>
+      <p:grpSpPr/>
+      <p:sp>
+        <p:nvSpPr>
+          <p:cNvPr id="2" name="标题 1"/>
+          <p:cNvSpPr>
+            <a:spLocks noGrp="1"/>
+          </p:cNvSpPr>
+          <p:nvPr>
+            <p:ph type="title"/>
+          </p:nvPr>
+        </p:nvSpPr>
+        <p:spPr/>
+        <p:txBody>
+          <a:bodyPr/>
+          <a:p>
+            <a:r>
+              <a:rPr lang="zh-CN" altLang="en-US"/>
+              <a:t>卷积神经网络</a:t>
+            </a:r>
+            <a:endParaRPr lang="zh-CN" altLang="en-US"/>
+          </a:p>
+        </p:txBody>
+      </p:sp>
+      <p:sp>
+        <p:nvSpPr>
+          <p:cNvPr id="3" name="内容占位符 2"/>
+          <p:cNvSpPr>
+            <a:spLocks noGrp="1"/>
+          </p:cNvSpPr>
+          <p:nvPr>
+            <p:ph idx="1"/>
+          </p:nvPr>
+        </p:nvSpPr>
+        <p:spPr/>
+        <p:txBody>
+          <a:bodyPr/>
+          <a:p>
+            <a:r>
+              <a:rPr lang="en-US" altLang="zh-CN"/>
+              <a:t>LeNet</a:t>
+            </a:r>
+            <a:endParaRPr lang="en-US" altLang="zh-CN"/>
+          </a:p>
+          <a:p>
+            <a:r>
+              <a:rPr lang="en-US" altLang="zh-CN"/>
+              <a:t>darknet</a:t>
+            </a:r>
+            <a:endParaRPr lang="en-US" altLang="zh-CN"/>
+          </a:p>
+          <a:p>
+            <a:r>
+              <a:rPr lang="en-US" altLang="zh-CN"/>
+              <a:t>yolov3</a:t>
+            </a:r>
+            <a:endParaRPr lang="en-US" altLang="zh-CN"/>
+          </a:p>
+          <a:p>
+            <a:r>
+              <a:rPr lang="en-US" altLang="zh-CN"/>
+              <a:t>ncnn</a:t>
+            </a:r>
+            <a:endParaRPr lang="en-US" altLang="zh-CN"/>
+          </a:p>
+          <a:p>
+            <a:r>
+              <a:rPr lang="en-US" altLang="zh-CN"/>
+              <a:t>ffcnn</a:t>
+            </a:r>
+            <a:endParaRPr lang="en-US" altLang="zh-CN"/>
+          </a:p>
+        </p:txBody>
+      </p:sp>
+    </p:spTree>
+  </p:cSld>
+  <p:clrMapOvr>
+    <a:masterClrMapping/>
+  </p:clrMapOvr>
+</p:sld>
+</file>
+
+<file path=ppt/slides/slide25.xml><?xml version="1.0" encoding="utf-8"?>
+<p:sld xmlns:a="http://schemas.openxmlformats.org/drawingml/2006/main" xmlns:r="http://schemas.openxmlformats.org/officeDocument/2006/relationships" xmlns:p="http://schemas.openxmlformats.org/presentationml/2006/main">
+  <p:cSld>
+    <p:spTree>
+      <p:nvGrpSpPr>
+        <p:cNvPr id="1" name=""/>
+        <p:cNvGrpSpPr/>
+        <p:nvPr/>
+      </p:nvGrpSpPr>
+      <p:grpSpPr/>
+      <p:sp>
+        <p:nvSpPr>
+          <p:cNvPr id="2" name="标题 1"/>
+          <p:cNvSpPr>
+            <a:spLocks noGrp="1"/>
+          </p:cNvSpPr>
+          <p:nvPr>
+            <p:ph type="title"/>
+          </p:nvPr>
+        </p:nvSpPr>
+        <p:spPr/>
+        <p:txBody>
+          <a:bodyPr/>
+          <a:p>
+            <a:r>
+              <a:rPr lang="zh-CN" altLang="en-US"/>
+              <a:t>深度神经网络</a:t>
+            </a:r>
+            <a:endParaRPr lang="zh-CN" altLang="en-US"/>
+          </a:p>
+        </p:txBody>
+      </p:sp>
+      <p:sp>
+        <p:nvSpPr>
+          <p:cNvPr id="3" name="内容占位符 2"/>
+          <p:cNvSpPr>
+            <a:spLocks noGrp="1"/>
+          </p:cNvSpPr>
+          <p:nvPr>
+            <p:ph idx="1"/>
+          </p:nvPr>
+        </p:nvSpPr>
+        <p:spPr/>
+        <p:txBody>
+          <a:bodyPr/>
+          <a:p>
+            <a:pPr marL="0" indent="0">
+              <a:buNone/>
+            </a:pPr>
+            <a:r>
+              <a:rPr lang="en-US" altLang="zh-CN"/>
+              <a:t>“</a:t>
+            </a:r>
+            <a:r>
+              <a:rPr lang="zh-CN" altLang="en-US"/>
+              <a:t>深度</a:t>
+            </a:r>
+            <a:r>
+              <a:rPr lang="en-US" altLang="zh-CN"/>
+              <a:t>”</a:t>
+            </a:r>
+            <a:r>
+              <a:rPr lang="zh-CN" altLang="en-US"/>
+              <a:t>的概念？</a:t>
+            </a:r>
+            <a:endParaRPr lang="zh-CN" altLang="en-US"/>
+          </a:p>
+          <a:p>
+            <a:endParaRPr lang="zh-CN" altLang="en-US"/>
+          </a:p>
+          <a:p>
+            <a:pPr marL="0" indent="0">
+              <a:buNone/>
+            </a:pPr>
+            <a:r>
+              <a:rPr lang="zh-CN" altLang="en-US"/>
+              <a:t>神经网络曾经遇到的两个问题：</a:t>
+            </a:r>
+            <a:endParaRPr lang="zh-CN" altLang="en-US"/>
+          </a:p>
+          <a:p>
+            <a:r>
+              <a:rPr lang="zh-CN" altLang="en-US"/>
+              <a:t>全连接的神经网络计算量大</a:t>
+            </a:r>
+            <a:endParaRPr lang="en-US" altLang="zh-CN"/>
+          </a:p>
+          <a:p>
+            <a:r>
+              <a:rPr lang="en-US" altLang="zh-CN"/>
+              <a:t>-&gt; </a:t>
+            </a:r>
+            <a:r>
+              <a:rPr lang="zh-CN" altLang="en-US"/>
+              <a:t>硬件算力的发展（</a:t>
+            </a:r>
+            <a:r>
+              <a:rPr lang="en-US" altLang="zh-CN"/>
+              <a:t>GPU</a:t>
+            </a:r>
+            <a:r>
+              <a:rPr lang="zh-CN" altLang="en-US"/>
+              <a:t>）</a:t>
+            </a:r>
+            <a:r>
+              <a:rPr lang="en-US" altLang="zh-CN"/>
+              <a:t>+ </a:t>
+            </a:r>
+            <a:r>
+              <a:rPr lang="zh-CN" altLang="en-US"/>
+              <a:t>网络结构优化（卷积）</a:t>
+            </a:r>
+            <a:endParaRPr lang="zh-CN" altLang="en-US"/>
+          </a:p>
+          <a:p>
+            <a:endParaRPr lang="zh-CN" altLang="en-US"/>
+          </a:p>
+          <a:p>
+            <a:r>
+              <a:rPr lang="zh-CN" altLang="en-US"/>
+              <a:t>网络层数加深后出现梯度消息</a:t>
+            </a:r>
+            <a:endParaRPr lang="zh-CN" altLang="en-US"/>
+          </a:p>
+          <a:p>
+            <a:r>
+              <a:rPr lang="en-US" altLang="zh-CN"/>
+              <a:t>-&gt; </a:t>
+            </a:r>
+            <a:r>
+              <a:rPr lang="zh-CN" altLang="en-US"/>
+              <a:t>改进激活函数、其他优化手段（</a:t>
+            </a:r>
+            <a:r>
+              <a:rPr lang="en-US" altLang="zh-CN"/>
+              <a:t>batch normalize</a:t>
+            </a:r>
+            <a:r>
+              <a:rPr lang="zh-CN" altLang="en-US"/>
+              <a:t>）</a:t>
+            </a:r>
+            <a:r>
+              <a:rPr lang="en-US" altLang="zh-CN"/>
+              <a:t>...</a:t>
+            </a:r>
+            <a:endParaRPr lang="en-US" altLang="zh-CN"/>
+          </a:p>
+        </p:txBody>
+      </p:sp>
+    </p:spTree>
+  </p:cSld>
+  <p:clrMapOvr>
+    <a:masterClrMapping/>
+  </p:clrMapOvr>
+</p:sld>
+</file>
+
+<file path=ppt/slides/slide26.xml><?xml version="1.0" encoding="utf-8"?>
+<p:sld xmlns:a="http://schemas.openxmlformats.org/drawingml/2006/main" xmlns:r="http://schemas.openxmlformats.org/officeDocument/2006/relationships" xmlns:p="http://schemas.openxmlformats.org/presentationml/2006/main">
+  <p:cSld>
+    <p:spTree>
+      <p:nvGrpSpPr>
+        <p:cNvPr id="1" name=""/>
+        <p:cNvGrpSpPr/>
+        <p:nvPr/>
+      </p:nvGrpSpPr>
+      <p:grpSpPr/>
+      <p:sp>
+        <p:nvSpPr>
+          <p:cNvPr id="2" name="标题 1"/>
+          <p:cNvSpPr>
+            <a:spLocks noGrp="1"/>
+          </p:cNvSpPr>
+          <p:nvPr>
+            <p:ph type="title"/>
+          </p:nvPr>
+        </p:nvSpPr>
+        <p:spPr/>
+        <p:txBody>
+          <a:bodyPr/>
+          <a:p>
+            <a:r>
+              <a:rPr lang="en-US" altLang="zh-CN"/>
+              <a:t>lenet </a:t>
+            </a:r>
+            <a:r>
+              <a:rPr lang="zh-CN" altLang="en-US"/>
+              <a:t>卷积神经网络</a:t>
+            </a:r>
+            <a:endParaRPr lang="zh-CN" altLang="en-US"/>
+          </a:p>
+        </p:txBody>
+      </p:sp>
+      <p:sp>
+        <p:nvSpPr>
+          <p:cNvPr id="3" name="内容占位符 2"/>
+          <p:cNvSpPr>
+            <a:spLocks noGrp="1"/>
+          </p:cNvSpPr>
+          <p:nvPr>
+            <p:ph idx="1"/>
+          </p:nvPr>
+        </p:nvSpPr>
+        <p:spPr/>
+        <p:txBody>
+          <a:bodyPr/>
+          <a:p>
+            <a:endParaRPr lang="zh-CN" altLang="en-US"/>
+          </a:p>
+        </p:txBody>
+      </p:sp>
+    </p:spTree>
+  </p:cSld>
+  <p:clrMapOvr>
+    <a:masterClrMapping/>
+  </p:clrMapOvr>
+</p:sld>
+</file>
+
+<file path=ppt/slides/slide27.xml><?xml version="1.0" encoding="utf-8"?>
+<p:sld xmlns:a="http://schemas.openxmlformats.org/drawingml/2006/main" xmlns:r="http://schemas.openxmlformats.org/officeDocument/2006/relationships" xmlns:p="http://schemas.openxmlformats.org/presentationml/2006/main">
+  <p:cSld>
+    <p:spTree>
+      <p:nvGrpSpPr>
+        <p:cNvPr id="1" name=""/>
+        <p:cNvGrpSpPr/>
+        <p:nvPr/>
+      </p:nvGrpSpPr>
+      <p:grpSpPr/>
+      <p:sp>
+        <p:nvSpPr>
+          <p:cNvPr id="2" name="标题 1"/>
+          <p:cNvSpPr>
+            <a:spLocks noGrp="1"/>
+          </p:cNvSpPr>
+          <p:nvPr>
+            <p:ph type="title"/>
+          </p:nvPr>
+        </p:nvSpPr>
+        <p:spPr/>
+        <p:txBody>
+          <a:bodyPr/>
+          <a:p>
+            <a:r>
+              <a:rPr lang="en-US" altLang="zh-CN"/>
+              <a:t>darknet </a:t>
+            </a:r>
+            <a:r>
+              <a:rPr lang="zh-CN" altLang="en-US"/>
+              <a:t>介绍</a:t>
+            </a:r>
+            <a:endParaRPr lang="zh-CN" altLang="en-US"/>
+          </a:p>
+        </p:txBody>
+      </p:sp>
+      <p:sp>
+        <p:nvSpPr>
+          <p:cNvPr id="3" name="内容占位符 2"/>
+          <p:cNvSpPr>
+            <a:spLocks noGrp="1"/>
+          </p:cNvSpPr>
+          <p:nvPr>
+            <p:ph idx="1"/>
+          </p:nvPr>
+        </p:nvSpPr>
+        <p:spPr/>
+        <p:txBody>
+          <a:bodyPr/>
+          <a:p>
+            <a:r>
+              <a:rPr lang="zh-CN" altLang="en-US"/>
+              <a:t>darknet 是 yolo 作者编写的一个深度学习框架。</a:t>
+            </a:r>
+            <a:endParaRPr lang="zh-CN" altLang="en-US"/>
+          </a:p>
+          <a:p>
+            <a:endParaRPr lang="zh-CN" altLang="en-US"/>
+          </a:p>
+          <a:p>
+            <a:r>
+              <a:rPr lang="zh-CN" altLang="en-US"/>
+              <a:t>源代码下载地址：https://github.com/AlexeyAB/darknet.git</a:t>
+            </a:r>
+            <a:endParaRPr lang="zh-CN" altLang="en-US"/>
+          </a:p>
+          <a:p>
+            <a:endParaRPr lang="zh-CN" altLang="en-US"/>
+          </a:p>
+          <a:p>
+            <a:endParaRPr lang="zh-CN" altLang="en-US"/>
+          </a:p>
+        </p:txBody>
+      </p:sp>
+    </p:spTree>
+  </p:cSld>
+  <p:clrMapOvr>
+    <a:masterClrMapping/>
+  </p:clrMapOvr>
+</p:sld>
+</file>
+
+<file path=ppt/slides/slide28.xml><?xml version="1.0" encoding="utf-8"?>
+<p:sld xmlns:a="http://schemas.openxmlformats.org/drawingml/2006/main" xmlns:r="http://schemas.openxmlformats.org/officeDocument/2006/relationships" xmlns:p="http://schemas.openxmlformats.org/presentationml/2006/main">
+  <p:cSld>
+    <p:spTree>
+      <p:nvGrpSpPr>
+        <p:cNvPr id="1" name=""/>
+        <p:cNvGrpSpPr/>
+        <p:nvPr/>
+      </p:nvGrpSpPr>
+      <p:grpSpPr/>
+      <p:sp>
+        <p:nvSpPr>
+          <p:cNvPr id="2" name="标题 1"/>
+          <p:cNvSpPr>
+            <a:spLocks noGrp="1"/>
+          </p:cNvSpPr>
+          <p:nvPr>
+            <p:ph type="title"/>
+          </p:nvPr>
+        </p:nvSpPr>
+        <p:spPr/>
+        <p:txBody>
+          <a:bodyPr/>
+          <a:p>
+            <a:r>
+              <a:rPr lang="en-US" altLang="zh-CN"/>
+              <a:t>darknet </a:t>
+            </a:r>
+            <a:r>
+              <a:rPr lang="zh-CN" altLang="en-US">
+                <a:sym typeface="+mn-ea"/>
+              </a:rPr>
+              <a:t>编译方法</a:t>
+            </a:r>
+            <a:endParaRPr lang="en-US" altLang="zh-CN"/>
+          </a:p>
+        </p:txBody>
+      </p:sp>
+      <p:sp>
+        <p:nvSpPr>
+          <p:cNvPr id="3" name="内容占位符 2"/>
+          <p:cNvSpPr>
+            <a:spLocks noGrp="1"/>
+          </p:cNvSpPr>
+          <p:nvPr>
+            <p:ph idx="1"/>
+          </p:nvPr>
+        </p:nvSpPr>
+        <p:spPr/>
+        <p:txBody>
+          <a:bodyPr>
+            <a:normAutofit fontScale="60000"/>
+          </a:bodyPr>
+          <a:p>
+            <a:pPr marL="0" indent="0">
+              <a:buNone/>
+            </a:pPr>
+            <a:r>
+              <a:rPr lang="zh-CN" altLang="en-US"/>
+              <a:t>可以在 windows msys2、ubuntu 等环境下编译</a:t>
+            </a:r>
+            <a:endParaRPr lang="zh-CN" altLang="en-US"/>
+          </a:p>
+          <a:p>
+            <a:r>
+              <a:rPr lang="zh-CN" altLang="en-US"/>
+              <a:t>修改 Makefile 打开对 AVX 和 OPENMP 的支持：</a:t>
+            </a:r>
+            <a:endParaRPr lang="zh-CN" altLang="en-US"/>
+          </a:p>
+          <a:p>
+            <a:r>
+              <a:rPr lang="zh-CN" altLang="en-US"/>
+              <a:t>AVX=1</a:t>
+            </a:r>
+            <a:endParaRPr lang="zh-CN" altLang="en-US"/>
+          </a:p>
+          <a:p>
+            <a:r>
+              <a:rPr lang="zh-CN" altLang="en-US"/>
+              <a:t>OPENMP=1</a:t>
+            </a:r>
+            <a:endParaRPr lang="zh-CN" altLang="en-US"/>
+          </a:p>
+          <a:p>
+            <a:endParaRPr lang="zh-CN" altLang="en-US"/>
+          </a:p>
+          <a:p>
+            <a:r>
+              <a:rPr lang="zh-CN" altLang="en-US"/>
+              <a:t>AVX 指令加速需要 CPU 的支持，如果出现非法指令错误，就关闭 AVX 重新编译</a:t>
+            </a:r>
+            <a:endParaRPr lang="zh-CN" altLang="en-US"/>
+          </a:p>
+          <a:p>
+            <a:r>
+              <a:rPr lang="zh-CN" altLang="en-US"/>
+              <a:t>OPENMP 打开后可以支持多个 CPU 核心同时运算，提高训练速度</a:t>
+            </a:r>
+            <a:endParaRPr lang="zh-CN" altLang="en-US"/>
+          </a:p>
+          <a:p>
+            <a:endParaRPr lang="zh-CN" altLang="en-US"/>
+          </a:p>
+          <a:p>
+            <a:r>
+              <a:rPr lang="zh-CN" altLang="en-US"/>
+              <a:t>修改后执行 make 命令：</a:t>
+            </a:r>
+            <a:endParaRPr lang="zh-CN" altLang="en-US"/>
+          </a:p>
+          <a:p>
+            <a:r>
+              <a:rPr lang="zh-CN" altLang="en-US"/>
+              <a:t>make</a:t>
+            </a:r>
+            <a:endParaRPr lang="zh-CN" altLang="en-US"/>
+          </a:p>
+          <a:p>
+            <a:r>
+              <a:rPr lang="zh-CN" altLang="en-US"/>
+              <a:t>即可生成 darknet 程序</a:t>
+            </a:r>
+            <a:endParaRPr lang="zh-CN" altLang="en-US"/>
+          </a:p>
+        </p:txBody>
+      </p:sp>
+    </p:spTree>
+  </p:cSld>
+  <p:clrMapOvr>
+    <a:masterClrMapping/>
+  </p:clrMapOvr>
+</p:sld>
+</file>
+
+<file path=ppt/slides/slide29.xml><?xml version="1.0" encoding="utf-8"?>
+<p:sld xmlns:a="http://schemas.openxmlformats.org/drawingml/2006/main" xmlns:r="http://schemas.openxmlformats.org/officeDocument/2006/relationships" xmlns:p="http://schemas.openxmlformats.org/presentationml/2006/main">
+  <p:cSld>
+    <p:spTree>
+      <p:nvGrpSpPr>
+        <p:cNvPr id="1" name=""/>
+        <p:cNvGrpSpPr/>
+        <p:nvPr/>
+      </p:nvGrpSpPr>
+      <p:grpSpPr/>
+      <p:sp>
+        <p:nvSpPr>
+          <p:cNvPr id="2" name="标题 1"/>
+          <p:cNvSpPr>
+            <a:spLocks noGrp="1"/>
+          </p:cNvSpPr>
+          <p:nvPr>
+            <p:ph type="title"/>
+          </p:nvPr>
+        </p:nvSpPr>
+        <p:spPr/>
+        <p:txBody>
+          <a:bodyPr/>
+          <a:p>
+            <a:r>
+              <a:rPr lang="en-US" altLang="zh-CN"/>
+              <a:t>darknet 测试推理</a:t>
+            </a:r>
+            <a:endParaRPr lang="en-US" altLang="zh-CN"/>
+          </a:p>
+        </p:txBody>
+      </p:sp>
+      <p:sp>
+        <p:nvSpPr>
+          <p:cNvPr id="3" name="内容占位符 2"/>
+          <p:cNvSpPr>
+            <a:spLocks noGrp="1"/>
+          </p:cNvSpPr>
+          <p:nvPr>
+            <p:ph idx="1"/>
+          </p:nvPr>
+        </p:nvSpPr>
+        <p:spPr/>
+        <p:txBody>
+          <a:bodyPr>
+            <a:normAutofit fontScale="90000" lnSpcReduction="10000"/>
+          </a:bodyPr>
+          <a:p>
+            <a:r>
+              <a:rPr lang="zh-CN" altLang="en-US"/>
+              <a:t>下载预训练好的模型（以官网提供的 yolov3-tiny 为例）：</a:t>
+            </a:r>
+            <a:endParaRPr lang="zh-CN" altLang="en-US"/>
+          </a:p>
+          <a:p>
+            <a:r>
+              <a:rPr lang="zh-CN" altLang="en-US"/>
+              <a:t>wget https://pjreddie.com/media/files/yolov3-tiny.weights</a:t>
+            </a:r>
+            <a:endParaRPr lang="zh-CN" altLang="en-US"/>
+          </a:p>
+          <a:p>
+            <a:endParaRPr lang="zh-CN" altLang="en-US"/>
+          </a:p>
+          <a:p>
+            <a:r>
+              <a:rPr lang="zh-CN" altLang="en-US"/>
+              <a:t>使用模型进行推理：</a:t>
+            </a:r>
+            <a:endParaRPr lang="zh-CN" altLang="en-US"/>
+          </a:p>
+          <a:p>
+            <a:r>
+              <a:rPr lang="zh-CN" altLang="en-US"/>
+              <a:t>./darknet detector test cfg/coco.data cfg/yolov3-tiny.cfg yolov3-tiny.weights data/person.jpg</a:t>
+            </a:r>
+            <a:endParaRPr lang="zh-CN" altLang="en-US"/>
+          </a:p>
+          <a:p>
+            <a:endParaRPr lang="zh-CN" altLang="en-US"/>
+          </a:p>
+          <a:p>
+            <a:r>
+              <a:rPr lang="zh-CN" altLang="en-US"/>
+              <a:t>.cfg 文件是模型的结构与参数的描述文件，.weights 是模型权重文件</a:t>
+            </a:r>
+            <a:endParaRPr lang="zh-CN" altLang="en-US"/>
+          </a:p>
+          <a:p>
+            <a:r>
+              <a:rPr lang="zh-CN" altLang="en-US"/>
+              <a:t>对于具体的模型 .cfg 文件是不变的，.weights 文件是训练后生成的，训练的每次迭代都会更新这个权重文件</a:t>
+            </a:r>
+            <a:endParaRPr lang="zh-CN" altLang="en-US"/>
           </a:p>
         </p:txBody>
       </p:sp>
@@ -3772,6 +6390,1258 @@
 </p:sld>
 </file>
 
+<file path=ppt/slides/slide30.xml><?xml version="1.0" encoding="utf-8"?>
+<p:sld xmlns:a="http://schemas.openxmlformats.org/drawingml/2006/main" xmlns:r="http://schemas.openxmlformats.org/officeDocument/2006/relationships" xmlns:p="http://schemas.openxmlformats.org/presentationml/2006/main">
+  <p:cSld>
+    <p:spTree>
+      <p:nvGrpSpPr>
+        <p:cNvPr id="1" name=""/>
+        <p:cNvGrpSpPr/>
+        <p:nvPr/>
+      </p:nvGrpSpPr>
+      <p:grpSpPr/>
+      <p:sp>
+        <p:nvSpPr>
+          <p:cNvPr id="2" name="标题 1"/>
+          <p:cNvSpPr>
+            <a:spLocks noGrp="1"/>
+          </p:cNvSpPr>
+          <p:nvPr>
+            <p:ph type="title"/>
+          </p:nvPr>
+        </p:nvSpPr>
+        <p:spPr/>
+        <p:txBody>
+          <a:bodyPr/>
+          <a:p>
+            <a:r>
+              <a:rPr lang="en-US" altLang="zh-CN">
+                <a:sym typeface="+mn-ea"/>
+              </a:rPr>
+              <a:t>darknet 训练模型</a:t>
+            </a:r>
+            <a:endParaRPr lang="en-US" altLang="zh-CN">
+              <a:sym typeface="+mn-ea"/>
+            </a:endParaRPr>
+          </a:p>
+        </p:txBody>
+      </p:sp>
+      <p:sp>
+        <p:nvSpPr>
+          <p:cNvPr id="3" name="内容占位符 2"/>
+          <p:cNvSpPr>
+            <a:spLocks noGrp="1"/>
+          </p:cNvSpPr>
+          <p:nvPr>
+            <p:ph idx="1"/>
+          </p:nvPr>
+        </p:nvSpPr>
+        <p:spPr/>
+        <p:txBody>
+          <a:bodyPr/>
+          <a:p>
+            <a:pPr marL="0" indent="0">
+              <a:buNone/>
+            </a:pPr>
+            <a:r>
+              <a:rPr lang="zh-CN" altLang="en-US"/>
+              <a:t>准备 voc 数据集：</a:t>
+            </a:r>
+            <a:endParaRPr lang="zh-CN" altLang="en-US"/>
+          </a:p>
+          <a:p>
+            <a:r>
+              <a:rPr lang="zh-CN" altLang="en-US"/>
+              <a:t>wget https://pjreddie.com/media/files/VOCtrainval_11-May-2012.tar</a:t>
+            </a:r>
+            <a:endParaRPr lang="zh-CN" altLang="en-US"/>
+          </a:p>
+          <a:p>
+            <a:r>
+              <a:rPr lang="zh-CN" altLang="en-US"/>
+              <a:t>wget https://pjreddie.com/media/files/VOCtrainval_06-Nov-2007.tar</a:t>
+            </a:r>
+            <a:endParaRPr lang="zh-CN" altLang="en-US"/>
+          </a:p>
+          <a:p>
+            <a:r>
+              <a:rPr lang="zh-CN" altLang="en-US"/>
+              <a:t>wget https://pjreddie.com/media/files/VOCtest_06-Nov-2007.tar</a:t>
+            </a:r>
+            <a:endParaRPr lang="zh-CN" altLang="en-US"/>
+          </a:p>
+          <a:p>
+            <a:r>
+              <a:rPr lang="zh-CN" altLang="en-US"/>
+              <a:t>tar xf VOCtrainval_11-May-2012.tar</a:t>
+            </a:r>
+            <a:endParaRPr lang="zh-CN" altLang="en-US"/>
+          </a:p>
+          <a:p>
+            <a:r>
+              <a:rPr lang="zh-CN" altLang="en-US"/>
+              <a:t>tar xf VOCtrainval_06-Nov-2007.tar</a:t>
+            </a:r>
+            <a:endParaRPr lang="zh-CN" altLang="en-US"/>
+          </a:p>
+          <a:p>
+            <a:r>
+              <a:rPr lang="zh-CN" altLang="en-US"/>
+              <a:t>tar xf VOCtest_06-Nov-2007.tar</a:t>
+            </a:r>
+            <a:endParaRPr lang="zh-CN" altLang="en-US"/>
+          </a:p>
+          <a:p>
+            <a:r>
+              <a:rPr lang="zh-CN" altLang="en-US"/>
+              <a:t>（三个压缩包解压到同一个目录，目录结构和文件不要乱动）</a:t>
+            </a:r>
+            <a:endParaRPr lang="zh-CN" altLang="en-US"/>
+          </a:p>
+        </p:txBody>
+      </p:sp>
+    </p:spTree>
+  </p:cSld>
+  <p:clrMapOvr>
+    <a:masterClrMapping/>
+  </p:clrMapOvr>
+</p:sld>
+</file>
+
+<file path=ppt/slides/slide31.xml><?xml version="1.0" encoding="utf-8"?>
+<p:sld xmlns:a="http://schemas.openxmlformats.org/drawingml/2006/main" xmlns:r="http://schemas.openxmlformats.org/officeDocument/2006/relationships" xmlns:p="http://schemas.openxmlformats.org/presentationml/2006/main">
+  <p:cSld>
+    <p:spTree>
+      <p:nvGrpSpPr>
+        <p:cNvPr id="1" name=""/>
+        <p:cNvGrpSpPr/>
+        <p:nvPr/>
+      </p:nvGrpSpPr>
+      <p:grpSpPr/>
+      <p:sp>
+        <p:nvSpPr>
+          <p:cNvPr id="2" name="标题 1"/>
+          <p:cNvSpPr>
+            <a:spLocks noGrp="1"/>
+          </p:cNvSpPr>
+          <p:nvPr>
+            <p:ph type="title"/>
+          </p:nvPr>
+        </p:nvSpPr>
+        <p:spPr/>
+        <p:txBody>
+          <a:bodyPr/>
+          <a:p>
+            <a:r>
+              <a:rPr lang="en-US" altLang="zh-CN">
+                <a:sym typeface="+mn-ea"/>
+              </a:rPr>
+              <a:t>darknet 训练模型</a:t>
+            </a:r>
+            <a:endParaRPr lang="zh-CN" altLang="en-US"/>
+          </a:p>
+        </p:txBody>
+      </p:sp>
+      <p:sp>
+        <p:nvSpPr>
+          <p:cNvPr id="3" name="内容占位符 2"/>
+          <p:cNvSpPr>
+            <a:spLocks noGrp="1"/>
+          </p:cNvSpPr>
+          <p:nvPr>
+            <p:ph idx="1"/>
+          </p:nvPr>
+        </p:nvSpPr>
+        <p:spPr/>
+        <p:txBody>
+          <a:bodyPr>
+            <a:normAutofit fontScale="70000"/>
+          </a:bodyPr>
+          <a:p>
+            <a:r>
+              <a:rPr lang="zh-CN" altLang="en-US"/>
+              <a:t>将 voc_label.py 脚本（在源代码仓库可以找到）放到数据集的根目录（与 VOCdevkit 同级），执行命令：</a:t>
+            </a:r>
+            <a:endParaRPr lang="zh-CN" altLang="en-US"/>
+          </a:p>
+          <a:p>
+            <a:r>
+              <a:rPr lang="zh-CN" altLang="en-US"/>
+              <a:t>python voc_label.py （voc_label.py 里面要根据需要修改 classes）</a:t>
+            </a:r>
+            <a:endParaRPr lang="zh-CN" altLang="en-US"/>
+          </a:p>
+          <a:p>
+            <a:endParaRPr lang="zh-CN" altLang="en-US"/>
+          </a:p>
+          <a:p>
+            <a:r>
+              <a:rPr lang="zh-CN" altLang="en-US"/>
+              <a:t>准备 voc.data 文件</a:t>
+            </a:r>
+            <a:endParaRPr lang="zh-CN" altLang="en-US"/>
+          </a:p>
+          <a:p>
+            <a:r>
+              <a:rPr lang="zh-CN" altLang="en-US"/>
+              <a:t>voc.data 文件里面：</a:t>
+            </a:r>
+            <a:endParaRPr lang="zh-CN" altLang="en-US"/>
+          </a:p>
+          <a:p>
+            <a:r>
+              <a:rPr lang="zh-CN" altLang="en-US">
+                <a:latin typeface="宋体" panose="02010600030101010101" pitchFamily="2" charset="-122"/>
+                <a:ea typeface="宋体" panose="02010600030101010101" pitchFamily="2" charset="-122"/>
+                <a:cs typeface="宋体" panose="02010600030101010101" pitchFamily="2" charset="-122"/>
+              </a:rPr>
+              <a:t>classes= 3              -&gt; 指定分类类别数目</a:t>
+            </a:r>
+            <a:endParaRPr lang="zh-CN" altLang="en-US">
+              <a:latin typeface="宋体" panose="02010600030101010101" pitchFamily="2" charset="-122"/>
+              <a:ea typeface="宋体" panose="02010600030101010101" pitchFamily="2" charset="-122"/>
+              <a:cs typeface="宋体" panose="02010600030101010101" pitchFamily="2" charset="-122"/>
+            </a:endParaRPr>
+          </a:p>
+          <a:p>
+            <a:r>
+              <a:rPr lang="zh-CN" altLang="en-US">
+                <a:latin typeface="宋体" panose="02010600030101010101" pitchFamily="2" charset="-122"/>
+                <a:ea typeface="宋体" panose="02010600030101010101" pitchFamily="2" charset="-122"/>
+                <a:cs typeface="宋体" panose="02010600030101010101" pitchFamily="2" charset="-122"/>
+              </a:rPr>
+              <a:t>train  = train.txt      -&gt; 训练集的路径（这个文件是 voc_label.py 生成的）</a:t>
+            </a:r>
+            <a:endParaRPr lang="zh-CN" altLang="en-US">
+              <a:latin typeface="宋体" panose="02010600030101010101" pitchFamily="2" charset="-122"/>
+              <a:ea typeface="宋体" panose="02010600030101010101" pitchFamily="2" charset="-122"/>
+              <a:cs typeface="宋体" panose="02010600030101010101" pitchFamily="2" charset="-122"/>
+            </a:endParaRPr>
+          </a:p>
+          <a:p>
+            <a:r>
+              <a:rPr lang="zh-CN" altLang="en-US">
+                <a:latin typeface="宋体" panose="02010600030101010101" pitchFamily="2" charset="-122"/>
+                <a:ea typeface="宋体" panose="02010600030101010101" pitchFamily="2" charset="-122"/>
+                <a:cs typeface="宋体" panose="02010600030101010101" pitchFamily="2" charset="-122"/>
+              </a:rPr>
+              <a:t>valid  = 2007_test.txt  -&gt; 验证集的路径（这个文件是 voc_label.py 生成的）</a:t>
+            </a:r>
+            <a:endParaRPr lang="zh-CN" altLang="en-US">
+              <a:latin typeface="宋体" panose="02010600030101010101" pitchFamily="2" charset="-122"/>
+              <a:ea typeface="宋体" panose="02010600030101010101" pitchFamily="2" charset="-122"/>
+              <a:cs typeface="宋体" panose="02010600030101010101" pitchFamily="2" charset="-122"/>
+            </a:endParaRPr>
+          </a:p>
+          <a:p>
+            <a:r>
+              <a:rPr lang="zh-CN" altLang="en-US">
+                <a:latin typeface="宋体" panose="02010600030101010101" pitchFamily="2" charset="-122"/>
+                <a:ea typeface="宋体" panose="02010600030101010101" pitchFamily="2" charset="-122"/>
+                <a:cs typeface="宋体" panose="02010600030101010101" pitchFamily="2" charset="-122"/>
+              </a:rPr>
+              <a:t>names  = voc.names      -&gt; names 文件路径</a:t>
+            </a:r>
+            <a:endParaRPr lang="zh-CN" altLang="en-US">
+              <a:latin typeface="宋体" panose="02010600030101010101" pitchFamily="2" charset="-122"/>
+              <a:ea typeface="宋体" panose="02010600030101010101" pitchFamily="2" charset="-122"/>
+              <a:cs typeface="宋体" panose="02010600030101010101" pitchFamily="2" charset="-122"/>
+            </a:endParaRPr>
+          </a:p>
+          <a:p>
+            <a:r>
+              <a:rPr lang="zh-CN" altLang="en-US">
+                <a:latin typeface="宋体" panose="02010600030101010101" pitchFamily="2" charset="-122"/>
+                <a:ea typeface="宋体" panose="02010600030101010101" pitchFamily="2" charset="-122"/>
+                <a:cs typeface="宋体" panose="02010600030101010101" pitchFamily="2" charset="-122"/>
+              </a:rPr>
+              <a:t>backup = backup         -&gt; backup 目录</a:t>
+            </a:r>
+            <a:endParaRPr lang="zh-CN" altLang="en-US">
+              <a:latin typeface="宋体" panose="02010600030101010101" pitchFamily="2" charset="-122"/>
+              <a:ea typeface="宋体" panose="02010600030101010101" pitchFamily="2" charset="-122"/>
+              <a:cs typeface="宋体" panose="02010600030101010101" pitchFamily="2" charset="-122"/>
+            </a:endParaRPr>
+          </a:p>
+        </p:txBody>
+      </p:sp>
+    </p:spTree>
+  </p:cSld>
+  <p:clrMapOvr>
+    <a:masterClrMapping/>
+  </p:clrMapOvr>
+</p:sld>
+</file>
+
+<file path=ppt/slides/slide32.xml><?xml version="1.0" encoding="utf-8"?>
+<p:sld xmlns:a="http://schemas.openxmlformats.org/drawingml/2006/main" xmlns:r="http://schemas.openxmlformats.org/officeDocument/2006/relationships" xmlns:p="http://schemas.openxmlformats.org/presentationml/2006/main">
+  <p:cSld>
+    <p:spTree>
+      <p:nvGrpSpPr>
+        <p:cNvPr id="1" name=""/>
+        <p:cNvGrpSpPr/>
+        <p:nvPr/>
+      </p:nvGrpSpPr>
+      <p:grpSpPr/>
+      <p:sp>
+        <p:nvSpPr>
+          <p:cNvPr id="2" name="标题 1"/>
+          <p:cNvSpPr>
+            <a:spLocks noGrp="1"/>
+          </p:cNvSpPr>
+          <p:nvPr>
+            <p:ph type="title"/>
+          </p:nvPr>
+        </p:nvSpPr>
+        <p:spPr/>
+        <p:txBody>
+          <a:bodyPr/>
+          <a:p>
+            <a:r>
+              <a:rPr lang="en-US" altLang="zh-CN">
+                <a:sym typeface="+mn-ea"/>
+              </a:rPr>
+              <a:t>darknet 训练模型</a:t>
+            </a:r>
+            <a:endParaRPr lang="zh-CN" altLang="en-US"/>
+          </a:p>
+        </p:txBody>
+      </p:sp>
+      <p:sp>
+        <p:nvSpPr>
+          <p:cNvPr id="3" name="内容占位符 2"/>
+          <p:cNvSpPr>
+            <a:spLocks noGrp="1"/>
+          </p:cNvSpPr>
+          <p:nvPr>
+            <p:ph idx="1"/>
+          </p:nvPr>
+        </p:nvSpPr>
+        <p:spPr/>
+        <p:txBody>
+          <a:bodyPr>
+            <a:normAutofit fontScale="90000"/>
+          </a:bodyPr>
+          <a:p>
+            <a:r>
+              <a:rPr lang="zh-CN" altLang="en-US"/>
+              <a:t>准备 voc.names 文件，里面包含了分类的名称，不能乱写，要看下 voc 数据集包含了那些分类，然后根据自己需要来填写</a:t>
+            </a:r>
+            <a:endParaRPr lang="zh-CN" altLang="en-US"/>
+          </a:p>
+          <a:p>
+            <a:endParaRPr lang="zh-CN" altLang="en-US"/>
+          </a:p>
+          <a:p>
+            <a:r>
+              <a:rPr lang="zh-CN" altLang="en-US"/>
+              <a:t>准备 yolo.cfg 文件，这个文件就是描述了网络的具体结构和参数（目前看不懂，先不要乱改）</a:t>
+            </a:r>
+            <a:endParaRPr lang="zh-CN" altLang="en-US"/>
+          </a:p>
+          <a:p>
+            <a:endParaRPr lang="zh-CN" altLang="en-US"/>
+          </a:p>
+          <a:p>
+            <a:r>
+              <a:rPr lang="zh-CN" altLang="en-US"/>
+              <a:t>准备 yolo.conv 文件，这个文件貌似是初始化的权重文件（目前只能直接拿别人的来用）</a:t>
+            </a:r>
+            <a:endParaRPr lang="zh-CN" altLang="en-US"/>
+          </a:p>
+          <a:p>
+            <a:endParaRPr lang="zh-CN" altLang="en-US"/>
+          </a:p>
+          <a:p>
+            <a:r>
+              <a:rPr lang="zh-CN" altLang="en-US"/>
+              <a:t>创建一个 backup 目录，用来保存训练时生成的模型 weight 文件</a:t>
+            </a:r>
+            <a:endParaRPr lang="zh-CN" altLang="en-US"/>
+          </a:p>
+          <a:p>
+            <a:endParaRPr lang="zh-CN" altLang="en-US"/>
+          </a:p>
+        </p:txBody>
+      </p:sp>
+    </p:spTree>
+  </p:cSld>
+  <p:clrMapOvr>
+    <a:masterClrMapping/>
+  </p:clrMapOvr>
+</p:sld>
+</file>
+
+<file path=ppt/slides/slide33.xml><?xml version="1.0" encoding="utf-8"?>
+<p:sld xmlns:a="http://schemas.openxmlformats.org/drawingml/2006/main" xmlns:r="http://schemas.openxmlformats.org/officeDocument/2006/relationships" xmlns:p="http://schemas.openxmlformats.org/presentationml/2006/main">
+  <p:cSld>
+    <p:spTree>
+      <p:nvGrpSpPr>
+        <p:cNvPr id="1" name=""/>
+        <p:cNvGrpSpPr/>
+        <p:nvPr/>
+      </p:nvGrpSpPr>
+      <p:grpSpPr/>
+      <p:sp>
+        <p:nvSpPr>
+          <p:cNvPr id="2" name="标题 1"/>
+          <p:cNvSpPr>
+            <a:spLocks noGrp="1"/>
+          </p:cNvSpPr>
+          <p:nvPr>
+            <p:ph type="title"/>
+          </p:nvPr>
+        </p:nvSpPr>
+        <p:spPr/>
+        <p:txBody>
+          <a:bodyPr/>
+          <a:p>
+            <a:r>
+              <a:rPr lang="en-US" altLang="zh-CN">
+                <a:sym typeface="+mn-ea"/>
+              </a:rPr>
+              <a:t>darknet 训练模型</a:t>
+            </a:r>
+            <a:endParaRPr lang="zh-CN" altLang="en-US"/>
+          </a:p>
+        </p:txBody>
+      </p:sp>
+      <p:sp>
+        <p:nvSpPr>
+          <p:cNvPr id="3" name="内容占位符 2"/>
+          <p:cNvSpPr>
+            <a:spLocks noGrp="1"/>
+          </p:cNvSpPr>
+          <p:nvPr>
+            <p:ph idx="1"/>
+          </p:nvPr>
+        </p:nvSpPr>
+        <p:spPr/>
+        <p:txBody>
+          <a:bodyPr/>
+          <a:p>
+            <a:pPr marL="0" indent="0">
+              <a:buNone/>
+            </a:pPr>
+            <a:r>
+              <a:rPr lang="zh-CN" altLang="en-US"/>
+              <a:t>开始训练：</a:t>
+            </a:r>
+            <a:endParaRPr lang="zh-CN" altLang="en-US"/>
+          </a:p>
+          <a:p>
+            <a:r>
+              <a:rPr lang="zh-CN" altLang="en-US"/>
+              <a:t>./darknet detector train voc.data yolo.cfg yolo.conv</a:t>
+            </a:r>
+            <a:endParaRPr lang="zh-CN" altLang="en-US"/>
+          </a:p>
+          <a:p>
+            <a:r>
+              <a:rPr lang="zh-CN" altLang="en-US"/>
+              <a:t>（训练过程中每迭代 100 次，会更新 backup 中的权重文件）</a:t>
+            </a:r>
+            <a:endParaRPr lang="zh-CN" altLang="en-US"/>
+          </a:p>
+          <a:p>
+            <a:endParaRPr lang="zh-CN" altLang="en-US"/>
+          </a:p>
+          <a:p>
+            <a:pPr marL="0" indent="0">
+              <a:buNone/>
+            </a:pPr>
+            <a:r>
+              <a:rPr lang="zh-CN" altLang="en-US"/>
+              <a:t>从断点重新训练：</a:t>
+            </a:r>
+            <a:endParaRPr lang="zh-CN" altLang="en-US"/>
+          </a:p>
+          <a:p>
+            <a:r>
+              <a:rPr lang="zh-CN" altLang="en-US"/>
+              <a:t>./darknet detector train voc.data yolo.cfg backup/yolo_last.weights</a:t>
+            </a:r>
+            <a:endParaRPr lang="zh-CN" altLang="en-US"/>
+          </a:p>
+        </p:txBody>
+      </p:sp>
+    </p:spTree>
+  </p:cSld>
+  <p:clrMapOvr>
+    <a:masterClrMapping/>
+  </p:clrMapOvr>
+</p:sld>
+</file>
+
+<file path=ppt/slides/slide34.xml><?xml version="1.0" encoding="utf-8"?>
+<p:sld xmlns:a="http://schemas.openxmlformats.org/drawingml/2006/main" xmlns:r="http://schemas.openxmlformats.org/officeDocument/2006/relationships" xmlns:p="http://schemas.openxmlformats.org/presentationml/2006/main">
+  <p:cSld>
+    <p:spTree>
+      <p:nvGrpSpPr>
+        <p:cNvPr id="1" name=""/>
+        <p:cNvGrpSpPr/>
+        <p:nvPr/>
+      </p:nvGrpSpPr>
+      <p:grpSpPr/>
+      <p:sp>
+        <p:nvSpPr>
+          <p:cNvPr id="2" name="标题 1"/>
+          <p:cNvSpPr>
+            <a:spLocks noGrp="1"/>
+          </p:cNvSpPr>
+          <p:nvPr>
+            <p:ph type="title"/>
+          </p:nvPr>
+        </p:nvSpPr>
+        <p:spPr/>
+        <p:txBody>
+          <a:bodyPr/>
+          <a:p>
+            <a:r>
+              <a:rPr lang="en-US" altLang="zh-CN">
+                <a:sym typeface="+mn-ea"/>
+              </a:rPr>
+              <a:t>darknet </a:t>
+            </a:r>
+            <a:r>
+              <a:rPr lang="zh-CN" altLang="en-US">
+                <a:sym typeface="+mn-ea"/>
+              </a:rPr>
+              <a:t>测试</a:t>
+            </a:r>
+            <a:r>
+              <a:rPr lang="en-US" altLang="zh-CN">
+                <a:sym typeface="+mn-ea"/>
+              </a:rPr>
+              <a:t>模型</a:t>
+            </a:r>
+            <a:endParaRPr lang="zh-CN" altLang="en-US"/>
+          </a:p>
+        </p:txBody>
+      </p:sp>
+      <p:sp>
+        <p:nvSpPr>
+          <p:cNvPr id="3" name="内容占位符 2"/>
+          <p:cNvSpPr>
+            <a:spLocks noGrp="1"/>
+          </p:cNvSpPr>
+          <p:nvPr>
+            <p:ph idx="1"/>
+          </p:nvPr>
+        </p:nvSpPr>
+        <p:spPr/>
+        <p:txBody>
+          <a:bodyPr/>
+          <a:p>
+            <a:pPr marL="0" indent="0">
+              <a:buNone/>
+            </a:pPr>
+            <a:r>
+              <a:rPr lang="zh-CN" altLang="en-US"/>
+              <a:t>测试模型</a:t>
+            </a:r>
+            <a:endParaRPr lang="zh-CN" altLang="en-US"/>
+          </a:p>
+          <a:p>
+            <a:r>
+              <a:rPr lang="zh-CN" altLang="en-US"/>
+              <a:t>推理测试：</a:t>
+            </a:r>
+            <a:endParaRPr lang="zh-CN" altLang="en-US"/>
+          </a:p>
+          <a:p>
+            <a:r>
+              <a:rPr lang="zh-CN" altLang="en-US"/>
+              <a:t>./darknet detector test voc.data yolo.cfg yolo.weights person.jpg</a:t>
+            </a:r>
+            <a:endParaRPr lang="zh-CN" altLang="en-US"/>
+          </a:p>
+          <a:p>
+            <a:endParaRPr lang="zh-CN" altLang="en-US"/>
+          </a:p>
+          <a:p>
+            <a:r>
+              <a:rPr lang="zh-CN" altLang="en-US"/>
+              <a:t>计算 mAP：</a:t>
+            </a:r>
+            <a:endParaRPr lang="zh-CN" altLang="en-US"/>
+          </a:p>
+          <a:p>
+            <a:r>
+              <a:rPr lang="zh-CN" altLang="en-US"/>
+              <a:t>./darknet detector map voc.data yolo.cfg yolo.weights</a:t>
+            </a:r>
+            <a:endParaRPr lang="zh-CN" altLang="en-US"/>
+          </a:p>
+        </p:txBody>
+      </p:sp>
+    </p:spTree>
+  </p:cSld>
+  <p:clrMapOvr>
+    <a:masterClrMapping/>
+  </p:clrMapOvr>
+</p:sld>
+</file>
+
+<file path=ppt/slides/slide35.xml><?xml version="1.0" encoding="utf-8"?>
+<p:sld xmlns:a="http://schemas.openxmlformats.org/drawingml/2006/main" xmlns:r="http://schemas.openxmlformats.org/officeDocument/2006/relationships" xmlns:p="http://schemas.openxmlformats.org/presentationml/2006/main">
+  <p:cSld>
+    <p:spTree>
+      <p:nvGrpSpPr>
+        <p:cNvPr id="1" name=""/>
+        <p:cNvGrpSpPr/>
+        <p:nvPr/>
+      </p:nvGrpSpPr>
+      <p:grpSpPr/>
+      <p:sp>
+        <p:nvSpPr>
+          <p:cNvPr id="2" name="标题 1"/>
+          <p:cNvSpPr>
+            <a:spLocks noGrp="1"/>
+          </p:cNvSpPr>
+          <p:nvPr>
+            <p:ph type="title"/>
+          </p:nvPr>
+        </p:nvSpPr>
+        <p:spPr/>
+        <p:txBody>
+          <a:bodyPr/>
+          <a:p>
+            <a:r>
+              <a:rPr lang="zh-CN" altLang="en-US"/>
+              <a:t>什么时候停止训练?</a:t>
+            </a:r>
+            <a:endParaRPr lang="zh-CN" altLang="en-US"/>
+          </a:p>
+        </p:txBody>
+      </p:sp>
+      <p:sp>
+        <p:nvSpPr>
+          <p:cNvPr id="3" name="内容占位符 2"/>
+          <p:cNvSpPr>
+            <a:spLocks noGrp="1"/>
+          </p:cNvSpPr>
+          <p:nvPr>
+            <p:ph idx="1"/>
+          </p:nvPr>
+        </p:nvSpPr>
+        <p:spPr/>
+        <p:txBody>
+          <a:bodyPr/>
+          <a:p>
+            <a:r>
+              <a:rPr lang="zh-CN" altLang="en-US">
+                <a:sym typeface="+mn-ea"/>
+              </a:rPr>
+              <a:t>一般来说每个类迭代 2000 就足够了，但是总的迭代次数不应少于 4000 次。</a:t>
+            </a:r>
+            <a:endParaRPr lang="zh-CN" altLang="en-US"/>
+          </a:p>
+          <a:p>
+            <a:r>
+              <a:rPr lang="zh-CN" altLang="en-US">
+                <a:sym typeface="+mn-ea"/>
+              </a:rPr>
+              <a:t>当看到 average loss 0.xxxxxx 在多个 iterations 中都不再减小时，你就应该停止训练。</a:t>
+            </a:r>
+            <a:endParaRPr lang="zh-CN" altLang="en-US"/>
+          </a:p>
+          <a:p>
+            <a:endParaRPr lang="zh-CN" altLang="en-US"/>
+          </a:p>
+          <a:p>
+            <a:r>
+              <a:rPr lang="zh-CN" altLang="en-US">
+                <a:sym typeface="+mn-ea"/>
+              </a:rPr>
+              <a:t>avgerage loss 最终一般在 0.05（小模型，简单数据集）到 3.0（大模型，复杂数据集）之间。</a:t>
+            </a:r>
+            <a:endParaRPr lang="zh-CN" altLang="en-US"/>
+          </a:p>
+          <a:p>
+            <a:r>
+              <a:rPr lang="zh-CN" altLang="en-US">
+                <a:sym typeface="+mn-ea"/>
+              </a:rPr>
+              <a:t>训练停止之后，你应该从 backup 中选择表现最好的 weight 文件，选择 mAP 或者 IoU 最高的。</a:t>
+            </a:r>
+            <a:endParaRPr lang="zh-CN" altLang="en-US"/>
+          </a:p>
+          <a:p>
+            <a:endParaRPr lang="zh-CN" altLang="en-US"/>
+          </a:p>
+        </p:txBody>
+      </p:sp>
+    </p:spTree>
+  </p:cSld>
+  <p:clrMapOvr>
+    <a:masterClrMapping/>
+  </p:clrMapOvr>
+</p:sld>
+</file>
+
+<file path=ppt/slides/slide36.xml><?xml version="1.0" encoding="utf-8"?>
+<p:sld xmlns:a="http://schemas.openxmlformats.org/drawingml/2006/main" xmlns:r="http://schemas.openxmlformats.org/officeDocument/2006/relationships" xmlns:p="http://schemas.openxmlformats.org/presentationml/2006/main">
+  <p:cSld>
+    <p:spTree>
+      <p:nvGrpSpPr>
+        <p:cNvPr id="1" name=""/>
+        <p:cNvGrpSpPr/>
+        <p:nvPr/>
+      </p:nvGrpSpPr>
+      <p:grpSpPr/>
+      <p:sp>
+        <p:nvSpPr>
+          <p:cNvPr id="2" name="标题 1"/>
+          <p:cNvSpPr>
+            <a:spLocks noGrp="1"/>
+          </p:cNvSpPr>
+          <p:nvPr>
+            <p:ph type="title"/>
+          </p:nvPr>
+        </p:nvSpPr>
+        <p:spPr/>
+        <p:txBody>
+          <a:bodyPr/>
+          <a:p>
+            <a:r>
+              <a:rPr lang="zh-CN" altLang="en-US"/>
+              <a:t>部署到 ncnn</a:t>
+            </a:r>
+            <a:endParaRPr lang="zh-CN" altLang="en-US"/>
+          </a:p>
+        </p:txBody>
+      </p:sp>
+      <p:sp>
+        <p:nvSpPr>
+          <p:cNvPr id="3" name="内容占位符 2"/>
+          <p:cNvSpPr>
+            <a:spLocks noGrp="1"/>
+          </p:cNvSpPr>
+          <p:nvPr>
+            <p:ph idx="1"/>
+          </p:nvPr>
+        </p:nvSpPr>
+        <p:spPr/>
+        <p:txBody>
+          <a:bodyPr/>
+          <a:p>
+            <a:r>
+              <a:rPr lang="zh-CN" altLang="en-US"/>
+              <a:t>使用 ncnn 的 darknet2ncnn 工具进行模型转换</a:t>
+            </a:r>
+            <a:endParaRPr lang="zh-CN" altLang="en-US"/>
+          </a:p>
+          <a:p>
+            <a:r>
+              <a:rPr lang="zh-CN" altLang="en-US"/>
+              <a:t>使用 ncnn 的接口编写程序将数据输入模型进行推理</a:t>
+            </a:r>
+            <a:endParaRPr lang="zh-CN" altLang="en-US"/>
+          </a:p>
+        </p:txBody>
+      </p:sp>
+    </p:spTree>
+  </p:cSld>
+  <p:clrMapOvr>
+    <a:masterClrMapping/>
+  </p:clrMapOvr>
+</p:sld>
+</file>
+
+<file path=ppt/slides/slide37.xml><?xml version="1.0" encoding="utf-8"?>
+<p:sld xmlns:a="http://schemas.openxmlformats.org/drawingml/2006/main" xmlns:r="http://schemas.openxmlformats.org/officeDocument/2006/relationships" xmlns:p="http://schemas.openxmlformats.org/presentationml/2006/main">
+  <p:cSld>
+    <p:spTree>
+      <p:nvGrpSpPr>
+        <p:cNvPr id="1" name=""/>
+        <p:cNvGrpSpPr/>
+        <p:nvPr/>
+      </p:nvGrpSpPr>
+      <p:grpSpPr/>
+      <p:sp>
+        <p:nvSpPr>
+          <p:cNvPr id="2" name="标题 1"/>
+          <p:cNvSpPr>
+            <a:spLocks noGrp="1"/>
+          </p:cNvSpPr>
+          <p:nvPr>
+            <p:ph type="title"/>
+          </p:nvPr>
+        </p:nvSpPr>
+        <p:spPr/>
+        <p:txBody>
+          <a:bodyPr/>
+          <a:p>
+            <a:r>
+              <a:rPr lang="zh-CN" altLang="en-US"/>
+              <a:t>部署到嵌入平台</a:t>
+            </a:r>
+            <a:endParaRPr lang="zh-CN" altLang="en-US"/>
+          </a:p>
+        </p:txBody>
+      </p:sp>
+      <p:sp>
+        <p:nvSpPr>
+          <p:cNvPr id="3" name="内容占位符 2"/>
+          <p:cNvSpPr>
+            <a:spLocks noGrp="1"/>
+          </p:cNvSpPr>
+          <p:nvPr>
+            <p:ph idx="1"/>
+          </p:nvPr>
+        </p:nvSpPr>
+        <p:spPr/>
+        <p:txBody>
+          <a:bodyPr/>
+          <a:p>
+            <a:r>
+              <a:rPr lang="en-US" altLang="zh-CN"/>
+              <a:t>SoC </a:t>
+            </a:r>
+            <a:r>
+              <a:rPr lang="zh-CN" altLang="en-US"/>
+              <a:t>不支持</a:t>
+            </a:r>
+            <a:r>
+              <a:rPr lang="en-US" altLang="zh-CN"/>
+              <a:t> AI </a:t>
+            </a:r>
+            <a:r>
+              <a:rPr lang="zh-CN" altLang="en-US"/>
+              <a:t>算力（</a:t>
+            </a:r>
+            <a:r>
+              <a:rPr lang="en-US" altLang="zh-CN"/>
+              <a:t>NPU</a:t>
+            </a:r>
+            <a:r>
+              <a:rPr lang="zh-CN" altLang="en-US"/>
+              <a:t>、</a:t>
+            </a:r>
+            <a:r>
+              <a:rPr lang="en-US" altLang="zh-CN"/>
+              <a:t>IPU</a:t>
+            </a:r>
+            <a:r>
+              <a:rPr lang="zh-CN" altLang="en-US"/>
+              <a:t>），使用</a:t>
+            </a:r>
+            <a:r>
+              <a:rPr lang="en-US" altLang="zh-CN"/>
+              <a:t> ncnn </a:t>
+            </a:r>
+            <a:r>
+              <a:rPr lang="zh-CN" altLang="en-US"/>
+              <a:t>库，或者自己用</a:t>
+            </a:r>
+            <a:r>
+              <a:rPr lang="en-US" altLang="zh-CN"/>
+              <a:t> c </a:t>
+            </a:r>
+            <a:r>
+              <a:rPr lang="zh-CN" altLang="en-US"/>
+              <a:t>语言编写前向推理库</a:t>
+            </a:r>
+            <a:endParaRPr lang="zh-CN" altLang="en-US"/>
+          </a:p>
+          <a:p>
+            <a:endParaRPr lang="zh-CN" altLang="en-US"/>
+          </a:p>
+          <a:p>
+            <a:r>
+              <a:rPr lang="en-US" altLang="zh-CN"/>
+              <a:t>SoC </a:t>
+            </a:r>
+            <a:r>
+              <a:rPr lang="zh-CN" altLang="en-US"/>
+              <a:t>支持</a:t>
+            </a:r>
+            <a:r>
+              <a:rPr lang="en-US" altLang="zh-CN"/>
+              <a:t> NPU/IPU</a:t>
+            </a:r>
+            <a:r>
+              <a:rPr lang="zh-CN" altLang="en-US"/>
+              <a:t>：</a:t>
+            </a:r>
+            <a:endParaRPr lang="zh-CN" altLang="en-US"/>
+          </a:p>
+          <a:p>
+            <a:pPr marL="514350" indent="-514350">
+              <a:buAutoNum type="arabicPeriod"/>
+            </a:pPr>
+            <a:r>
+              <a:rPr lang="zh-CN" altLang="en-US"/>
+              <a:t>问原厂拿到</a:t>
+            </a:r>
+            <a:r>
+              <a:rPr lang="en-US" altLang="zh-CN"/>
+              <a:t> AI </a:t>
+            </a:r>
+            <a:r>
+              <a:rPr lang="zh-CN" altLang="en-US"/>
+              <a:t>模型的转换工具</a:t>
+            </a:r>
+            <a:endParaRPr lang="zh-CN" altLang="en-US"/>
+          </a:p>
+          <a:p>
+            <a:pPr marL="514350" indent="-514350">
+              <a:buAutoNum type="arabicPeriod"/>
+            </a:pPr>
+            <a:r>
+              <a:rPr lang="zh-CN" altLang="en-US"/>
+              <a:t>使用工具进行模型转换并仿真运行</a:t>
+            </a:r>
+            <a:endParaRPr lang="zh-CN" altLang="en-US"/>
+          </a:p>
+          <a:p>
+            <a:pPr marL="514350" indent="-514350">
+              <a:buAutoNum type="arabicPeriod"/>
+            </a:pPr>
+            <a:r>
+              <a:rPr lang="zh-CN" altLang="en-US"/>
+              <a:t>基于</a:t>
+            </a:r>
+            <a:r>
+              <a:rPr lang="en-US" altLang="zh-CN"/>
+              <a:t> SoC </a:t>
+            </a:r>
+            <a:r>
+              <a:rPr lang="zh-CN" altLang="en-US"/>
+              <a:t>提供的</a:t>
+            </a:r>
+            <a:r>
+              <a:rPr lang="en-US" altLang="zh-CN"/>
+              <a:t> NPU/IPU API </a:t>
+            </a:r>
+            <a:r>
+              <a:rPr lang="zh-CN" altLang="en-US"/>
+              <a:t>实现模型的加载和推理</a:t>
+            </a:r>
+            <a:endParaRPr lang="zh-CN" altLang="en-US"/>
+          </a:p>
+          <a:p>
+            <a:pPr marL="514350" indent="-514350">
+              <a:buAutoNum type="arabicPeriod"/>
+            </a:pPr>
+            <a:r>
+              <a:rPr lang="zh-CN" altLang="en-US"/>
+              <a:t>也许需要自己实现数据的前处理和后处理</a:t>
+            </a:r>
+            <a:endParaRPr lang="zh-CN" altLang="en-US"/>
+          </a:p>
+        </p:txBody>
+      </p:sp>
+    </p:spTree>
+  </p:cSld>
+  <p:clrMapOvr>
+    <a:masterClrMapping/>
+  </p:clrMapOvr>
+</p:sld>
+</file>
+
+<file path=ppt/slides/slide38.xml><?xml version="1.0" encoding="utf-8"?>
+<p:sld xmlns:a="http://schemas.openxmlformats.org/drawingml/2006/main" xmlns:r="http://schemas.openxmlformats.org/officeDocument/2006/relationships" xmlns:p="http://schemas.openxmlformats.org/presentationml/2006/main">
+  <p:cSld>
+    <p:spTree>
+      <p:nvGrpSpPr>
+        <p:cNvPr id="1" name=""/>
+        <p:cNvGrpSpPr/>
+        <p:nvPr/>
+      </p:nvGrpSpPr>
+      <p:grpSpPr>
+        <a:xfrm>
+          <a:off x="0" y="0"/>
+          <a:ext cx="0" cy="0"/>
+          <a:chOff x="0" y="0"/>
+          <a:chExt cx="0" cy="0"/>
+        </a:xfrm>
+      </p:grpSpPr>
+      <p:sp>
+        <p:nvSpPr>
+          <p:cNvPr id="2" name="标题 1"/>
+          <p:cNvSpPr>
+            <a:spLocks noGrp="1"/>
+          </p:cNvSpPr>
+          <p:nvPr>
+            <p:ph type="title"/>
+          </p:nvPr>
+        </p:nvSpPr>
+        <p:spPr/>
+        <p:txBody>
+          <a:bodyPr/>
+          <a:lstStyle/>
+          <a:p>
+            <a:r>
+              <a:rPr lang="en-US" altLang="zh-CN" dirty="0" smtClean="0"/>
+              <a:t>yolov3</a:t>
+            </a:r>
+            <a:r>
+              <a:rPr lang="zh-CN" altLang="en-US" dirty="0" smtClean="0"/>
+              <a:t>、</a:t>
+            </a:r>
+            <a:r>
+              <a:rPr lang="en-US" altLang="zh-CN" dirty="0" err="1" smtClean="0"/>
+              <a:t>yolo</a:t>
+            </a:r>
+            <a:r>
+              <a:rPr lang="en-US" altLang="zh-CN" dirty="0" smtClean="0"/>
+              <a:t>-fastest </a:t>
+            </a:r>
+            <a:r>
+              <a:rPr lang="zh-CN" altLang="en-US" dirty="0" smtClean="0"/>
+              <a:t>模型结构</a:t>
+            </a:r>
+            <a:endParaRPr lang="zh-CN" altLang="en-US" dirty="0"/>
+          </a:p>
+        </p:txBody>
+      </p:sp>
+      <p:sp>
+        <p:nvSpPr>
+          <p:cNvPr id="3" name="内容占位符 2"/>
+          <p:cNvSpPr>
+            <a:spLocks noGrp="1"/>
+          </p:cNvSpPr>
+          <p:nvPr>
+            <p:ph idx="1"/>
+          </p:nvPr>
+        </p:nvSpPr>
+        <p:spPr/>
+        <p:txBody>
+          <a:bodyPr/>
+          <a:lstStyle/>
+          <a:p>
+            <a:r>
+              <a:rPr lang="zh-CN" altLang="en-US" dirty="0" smtClean="0"/>
+              <a:t>卷积层：卷积核大小、</a:t>
+            </a:r>
+            <a:r>
+              <a:rPr lang="en-US" altLang="zh-CN" dirty="0" smtClean="0"/>
+              <a:t>stride</a:t>
+            </a:r>
+            <a:r>
+              <a:rPr lang="zh-CN" altLang="en-US" dirty="0" smtClean="0"/>
+              <a:t>、分组卷积</a:t>
+            </a:r>
+            <a:endParaRPr lang="en-US" altLang="zh-CN" dirty="0" smtClean="0"/>
+          </a:p>
+          <a:p>
+            <a:r>
+              <a:rPr lang="en-US" altLang="zh-CN" dirty="0" smtClean="0"/>
+              <a:t>shortcut</a:t>
+            </a:r>
+            <a:r>
+              <a:rPr lang="zh-CN" altLang="en-US" dirty="0" smtClean="0"/>
+              <a:t> 层：加法运算</a:t>
+            </a:r>
+            <a:endParaRPr lang="en-US" altLang="zh-CN" dirty="0" smtClean="0"/>
+          </a:p>
+          <a:p>
+            <a:r>
+              <a:rPr lang="en-US" altLang="zh-CN" dirty="0" smtClean="0"/>
+              <a:t>dropout </a:t>
+            </a:r>
+            <a:r>
+              <a:rPr lang="zh-CN" altLang="en-US" dirty="0" smtClean="0"/>
+              <a:t>层：训练时才会用到，提高泛化能力</a:t>
+            </a:r>
+            <a:endParaRPr lang="en-US" altLang="zh-CN" dirty="0" smtClean="0"/>
+          </a:p>
+          <a:p>
+            <a:r>
+              <a:rPr lang="en-US" altLang="zh-CN" dirty="0" err="1" smtClean="0"/>
+              <a:t>maxpool</a:t>
+            </a:r>
+            <a:r>
+              <a:rPr lang="en-US" altLang="zh-CN" dirty="0" smtClean="0"/>
+              <a:t> </a:t>
+            </a:r>
+            <a:r>
+              <a:rPr lang="zh-CN" altLang="en-US" dirty="0" smtClean="0"/>
+              <a:t>层：最大池化，取最大值</a:t>
+            </a:r>
+            <a:endParaRPr lang="en-US" altLang="zh-CN" dirty="0" smtClean="0"/>
+          </a:p>
+          <a:p>
+            <a:r>
+              <a:rPr lang="en-US" altLang="zh-CN" dirty="0" smtClean="0"/>
+              <a:t>route </a:t>
+            </a:r>
+            <a:r>
+              <a:rPr lang="zh-CN" altLang="en-US" dirty="0" smtClean="0"/>
+              <a:t>层：拼接操作</a:t>
+            </a:r>
+            <a:endParaRPr lang="en-US" altLang="zh-CN" dirty="0" smtClean="0"/>
+          </a:p>
+          <a:p>
+            <a:r>
+              <a:rPr lang="en-US" altLang="zh-CN" dirty="0" err="1" smtClean="0"/>
+              <a:t>upsample</a:t>
+            </a:r>
+            <a:r>
+              <a:rPr lang="zh-CN" altLang="en-US" dirty="0" smtClean="0"/>
+              <a:t>层：上采样，放大操作</a:t>
+            </a:r>
+            <a:endParaRPr lang="en-US" altLang="zh-CN" dirty="0" smtClean="0"/>
+          </a:p>
+          <a:p>
+            <a:r>
+              <a:rPr lang="en-US" altLang="zh-CN" dirty="0" err="1" smtClean="0"/>
+              <a:t>yolo</a:t>
+            </a:r>
+            <a:r>
+              <a:rPr lang="en-US" altLang="zh-CN" dirty="0" smtClean="0"/>
+              <a:t> </a:t>
+            </a:r>
+            <a:r>
+              <a:rPr lang="zh-CN" altLang="en-US" dirty="0" smtClean="0"/>
+              <a:t>层：计算 </a:t>
+            </a:r>
+            <a:r>
+              <a:rPr lang="en-US" altLang="zh-CN" dirty="0" err="1" smtClean="0"/>
+              <a:t>bbox</a:t>
+            </a:r>
+            <a:endParaRPr lang="zh-CN" altLang="en-US" dirty="0"/>
+          </a:p>
+        </p:txBody>
+      </p:sp>
+    </p:spTree>
+  </p:cSld>
+  <p:clrMapOvr>
+    <a:masterClrMapping/>
+  </p:clrMapOvr>
+  <p:timing>
+    <p:tnLst>
+      <p:par>
+        <p:cTn id="1" dur="indefinite" restart="never" nodeType="tmRoot"/>
+      </p:par>
+    </p:tnLst>
+  </p:timing>
+</p:sld>
+</file>
+
+<file path=ppt/slides/slide39.xml><?xml version="1.0" encoding="utf-8"?>
+<p:sld xmlns:a="http://schemas.openxmlformats.org/drawingml/2006/main" xmlns:r="http://schemas.openxmlformats.org/officeDocument/2006/relationships" xmlns:p="http://schemas.openxmlformats.org/presentationml/2006/main">
+  <p:cSld>
+    <p:spTree>
+      <p:nvGrpSpPr>
+        <p:cNvPr id="1" name=""/>
+        <p:cNvGrpSpPr/>
+        <p:nvPr/>
+      </p:nvGrpSpPr>
+      <p:grpSpPr>
+        <a:xfrm>
+          <a:off x="0" y="0"/>
+          <a:ext cx="0" cy="0"/>
+          <a:chOff x="0" y="0"/>
+          <a:chExt cx="0" cy="0"/>
+        </a:xfrm>
+      </p:grpSpPr>
+      <p:sp>
+        <p:nvSpPr>
+          <p:cNvPr id="2" name="标题 1"/>
+          <p:cNvSpPr>
+            <a:spLocks noGrp="1"/>
+          </p:cNvSpPr>
+          <p:nvPr>
+            <p:ph type="title"/>
+          </p:nvPr>
+        </p:nvSpPr>
+        <p:spPr/>
+        <p:txBody>
+          <a:bodyPr/>
+          <a:lstStyle/>
+          <a:p>
+            <a:r>
+              <a:rPr lang="zh-CN" altLang="en-US" dirty="0" smtClean="0"/>
+              <a:t>模型数据的前处理和后处理</a:t>
+            </a:r>
+            <a:endParaRPr lang="zh-CN" altLang="en-US" dirty="0"/>
+          </a:p>
+        </p:txBody>
+      </p:sp>
+      <p:sp>
+        <p:nvSpPr>
+          <p:cNvPr id="3" name="内容占位符 2"/>
+          <p:cNvSpPr>
+            <a:spLocks noGrp="1"/>
+          </p:cNvSpPr>
+          <p:nvPr>
+            <p:ph idx="1"/>
+          </p:nvPr>
+        </p:nvSpPr>
+        <p:spPr/>
+        <p:txBody>
+          <a:bodyPr/>
+          <a:lstStyle/>
+          <a:p>
+            <a:pPr>
+              <a:buNone/>
+            </a:pPr>
+            <a:r>
+              <a:rPr lang="zh-CN" altLang="en-US" dirty="0" smtClean="0"/>
+              <a:t>前处理是把输入图像数据格式转换为模型支持的输入格式，可能包括：</a:t>
+            </a:r>
+            <a:endParaRPr lang="en-US" altLang="zh-CN" dirty="0" smtClean="0"/>
+          </a:p>
+          <a:p>
+            <a:r>
+              <a:rPr lang="zh-CN" altLang="en-US" dirty="0" smtClean="0"/>
+              <a:t>图像大小的缩放</a:t>
+            </a:r>
+            <a:endParaRPr lang="en-US" altLang="zh-CN" dirty="0" smtClean="0"/>
+          </a:p>
+          <a:p>
+            <a:r>
+              <a:rPr lang="zh-CN" altLang="en-US" dirty="0" smtClean="0"/>
+              <a:t>颜色格式转换 </a:t>
+            </a:r>
+            <a:r>
+              <a:rPr lang="en-US" altLang="zh-CN" dirty="0" smtClean="0"/>
+              <a:t>YUV -&gt; RGB </a:t>
+            </a:r>
+            <a:r>
+              <a:rPr lang="zh-CN" altLang="en-US" dirty="0" smtClean="0"/>
+              <a:t>等</a:t>
+            </a:r>
+            <a:endParaRPr lang="en-US" altLang="zh-CN" dirty="0" smtClean="0"/>
+          </a:p>
+          <a:p>
+            <a:r>
+              <a:rPr lang="zh-CN" altLang="en-US" dirty="0" smtClean="0"/>
+              <a:t>归一化处理 </a:t>
+            </a:r>
+            <a:r>
+              <a:rPr lang="en-US" altLang="zh-CN" dirty="0" smtClean="0"/>
+              <a:t>mean norm</a:t>
+            </a:r>
+            <a:endParaRPr lang="en-US" altLang="zh-CN" dirty="0" smtClean="0"/>
+          </a:p>
+          <a:p>
+            <a:r>
+              <a:rPr lang="zh-CN" altLang="en-US" dirty="0" smtClean="0"/>
+              <a:t>量化处理浮点数转为整型数</a:t>
+            </a:r>
+            <a:endParaRPr lang="zh-CN" altLang="en-US" dirty="0"/>
+          </a:p>
+        </p:txBody>
+      </p:sp>
+    </p:spTree>
+  </p:cSld>
+  <p:clrMapOvr>
+    <a:masterClrMapping/>
+  </p:clrMapOvr>
+  <p:timing>
+    <p:tnLst>
+      <p:par>
+        <p:cTn id="1" dur="indefinite" restart="never" nodeType="tmRoot"/>
+      </p:par>
+    </p:tnLst>
+  </p:timing>
+</p:sld>
+</file>
+
 <file path=ppt/slides/slide4.xml><?xml version="1.0" encoding="utf-8"?>
 <p:sld xmlns:a="http://schemas.openxmlformats.org/drawingml/2006/main" xmlns:r="http://schemas.openxmlformats.org/officeDocument/2006/relationships" xmlns:p="http://schemas.openxmlformats.org/presentationml/2006/main">
   <p:cSld>
@@ -4008,6 +7878,577 @@
               <a:t>网络越大，能训练出来的模型精度越高，但对算力要求也更高</a:t>
             </a:r>
             <a:endParaRPr lang="zh-CN" altLang="en-US"/>
+          </a:p>
+        </p:txBody>
+      </p:sp>
+    </p:spTree>
+  </p:cSld>
+  <p:clrMapOvr>
+    <a:masterClrMapping/>
+  </p:clrMapOvr>
+</p:sld>
+</file>
+
+<file path=ppt/slides/slide40.xml><?xml version="1.0" encoding="utf-8"?>
+<p:sld xmlns:a="http://schemas.openxmlformats.org/drawingml/2006/main" xmlns:r="http://schemas.openxmlformats.org/officeDocument/2006/relationships" xmlns:p="http://schemas.openxmlformats.org/presentationml/2006/main">
+  <p:cSld>
+    <p:spTree>
+      <p:nvGrpSpPr>
+        <p:cNvPr id="1" name=""/>
+        <p:cNvGrpSpPr/>
+        <p:nvPr/>
+      </p:nvGrpSpPr>
+      <p:grpSpPr>
+        <a:xfrm>
+          <a:off x="0" y="0"/>
+          <a:ext cx="0" cy="0"/>
+          <a:chOff x="0" y="0"/>
+          <a:chExt cx="0" cy="0"/>
+        </a:xfrm>
+      </p:grpSpPr>
+      <p:sp>
+        <p:nvSpPr>
+          <p:cNvPr id="2" name="标题 1"/>
+          <p:cNvSpPr>
+            <a:spLocks noGrp="1"/>
+          </p:cNvSpPr>
+          <p:nvPr>
+            <p:ph type="title"/>
+          </p:nvPr>
+        </p:nvSpPr>
+        <p:spPr/>
+        <p:txBody>
+          <a:bodyPr/>
+          <a:lstStyle/>
+          <a:p>
+            <a:r>
+              <a:rPr lang="zh-CN" altLang="en-US" dirty="0" smtClean="0"/>
+              <a:t>模型数据的前处理和后处理</a:t>
+            </a:r>
+            <a:endParaRPr lang="zh-CN" altLang="en-US" dirty="0"/>
+          </a:p>
+        </p:txBody>
+      </p:sp>
+      <p:sp>
+        <p:nvSpPr>
+          <p:cNvPr id="3" name="内容占位符 2"/>
+          <p:cNvSpPr>
+            <a:spLocks noGrp="1"/>
+          </p:cNvSpPr>
+          <p:nvPr>
+            <p:ph idx="1"/>
+          </p:nvPr>
+        </p:nvSpPr>
+        <p:spPr/>
+        <p:txBody>
+          <a:bodyPr/>
+          <a:lstStyle/>
+          <a:p>
+            <a:r>
+              <a:rPr lang="zh-CN" altLang="en-US" sz="2400" dirty="0" smtClean="0"/>
+              <a:t>后处理是把模型输出的数据（</a:t>
+            </a:r>
+            <a:r>
+              <a:rPr lang="en-US" altLang="zh-CN" sz="2400" dirty="0" smtClean="0"/>
+              <a:t>tensor</a:t>
+            </a:r>
+            <a:r>
+              <a:rPr lang="zh-CN" altLang="en-US" sz="2400" dirty="0" smtClean="0"/>
+              <a:t>）转换为我们的识别结果，比如 </a:t>
+            </a:r>
+            <a:r>
+              <a:rPr lang="en-US" altLang="zh-CN" sz="2400" dirty="0" smtClean="0"/>
+              <a:t>bound </a:t>
+            </a:r>
+            <a:r>
+              <a:rPr lang="en-US" altLang="zh-CN" sz="2400" dirty="0" err="1" smtClean="0"/>
+              <a:t>rect</a:t>
+            </a:r>
+            <a:endParaRPr lang="en-US" altLang="zh-CN" sz="2400" dirty="0" smtClean="0"/>
+          </a:p>
+          <a:p>
+            <a:r>
+              <a:rPr lang="zh-CN" altLang="en-US" sz="2400" dirty="0" smtClean="0"/>
+              <a:t>不同模型的输出格式是不一样的，要根据具体模型来做处理</a:t>
+            </a:r>
+            <a:endParaRPr lang="en-US" altLang="zh-CN" sz="2400" dirty="0" smtClean="0"/>
+          </a:p>
+          <a:p>
+            <a:r>
+              <a:rPr lang="zh-CN" altLang="en-US" sz="2400" dirty="0" smtClean="0"/>
+              <a:t>以 </a:t>
+            </a:r>
+            <a:r>
+              <a:rPr lang="en-US" altLang="zh-CN" sz="2400" dirty="0" err="1" smtClean="0"/>
+              <a:t>yolo</a:t>
+            </a:r>
+            <a:r>
+              <a:rPr lang="en-US" altLang="zh-CN" sz="2400" dirty="0" smtClean="0"/>
+              <a:t>-fastest </a:t>
+            </a:r>
+            <a:r>
+              <a:rPr lang="zh-CN" altLang="en-US" sz="2400" dirty="0" smtClean="0"/>
+              <a:t>为例：</a:t>
+            </a:r>
+            <a:endParaRPr lang="en-US" altLang="zh-CN" sz="2400" dirty="0" smtClean="0"/>
+          </a:p>
+          <a:p>
+            <a:r>
+              <a:rPr lang="zh-CN" altLang="en-US" sz="2400" dirty="0" smtClean="0"/>
+              <a:t>总共有两个 </a:t>
+            </a:r>
+            <a:r>
+              <a:rPr lang="en-US" altLang="zh-CN" sz="2400" dirty="0" err="1" smtClean="0"/>
+              <a:t>yolo</a:t>
+            </a:r>
+            <a:r>
+              <a:rPr lang="en-US" altLang="zh-CN" sz="2400" dirty="0" smtClean="0"/>
+              <a:t> </a:t>
+            </a:r>
+            <a:r>
+              <a:rPr lang="zh-CN" altLang="en-US" sz="2400" dirty="0" smtClean="0"/>
+              <a:t>层，其输出分别是 </a:t>
+            </a:r>
+            <a:r>
+              <a:rPr lang="en-US" altLang="zh-CN" sz="2400" dirty="0" smtClean="0"/>
+              <a:t>10x10x255 </a:t>
+            </a:r>
+            <a:r>
+              <a:rPr lang="zh-CN" altLang="en-US" sz="2400" dirty="0" smtClean="0"/>
+              <a:t>和 </a:t>
+            </a:r>
+            <a:r>
+              <a:rPr lang="en-US" altLang="zh-CN" sz="2400" dirty="0" smtClean="0"/>
+              <a:t>20x20x255 </a:t>
+            </a:r>
+            <a:endParaRPr lang="en-US" altLang="zh-CN" sz="2400" dirty="0" smtClean="0"/>
+          </a:p>
+          <a:p>
+            <a:r>
+              <a:rPr lang="zh-CN" altLang="en-US" sz="2400" dirty="0" smtClean="0"/>
+              <a:t>其中 </a:t>
+            </a:r>
+            <a:r>
+              <a:rPr lang="en-US" altLang="zh-CN" sz="2400" dirty="0" smtClean="0"/>
+              <a:t>255 </a:t>
+            </a:r>
+            <a:r>
+              <a:rPr lang="zh-CN" altLang="en-US" sz="2400" dirty="0" smtClean="0"/>
+              <a:t>表示有 </a:t>
+            </a:r>
+            <a:r>
+              <a:rPr lang="en-US" altLang="zh-CN" sz="2400" dirty="0" smtClean="0"/>
+              <a:t>255 </a:t>
+            </a:r>
+            <a:r>
+              <a:rPr lang="zh-CN" altLang="en-US" sz="2400" dirty="0" smtClean="0"/>
+              <a:t>个通道，其每个数据的含义如下： </a:t>
+            </a:r>
+            <a:r>
+              <a:rPr lang="en-US" altLang="zh-CN" sz="2400" dirty="0" smtClean="0"/>
+              <a:t>255 = 3 * (4 + 1 + 80) 3 </a:t>
+            </a:r>
+            <a:r>
+              <a:rPr lang="zh-CN" altLang="en-US" sz="2400" dirty="0" smtClean="0"/>
+              <a:t>表示这个 </a:t>
+            </a:r>
+            <a:r>
+              <a:rPr lang="en-US" altLang="zh-CN" sz="2400" dirty="0" smtClean="0"/>
+              <a:t>grid </a:t>
+            </a:r>
+            <a:r>
+              <a:rPr lang="zh-CN" altLang="en-US" sz="2400" dirty="0" smtClean="0"/>
+              <a:t>里面有 </a:t>
+            </a:r>
+            <a:r>
+              <a:rPr lang="en-US" altLang="zh-CN" sz="2400" dirty="0" smtClean="0"/>
+              <a:t>3 </a:t>
+            </a:r>
+            <a:r>
+              <a:rPr lang="zh-CN" altLang="en-US" sz="2400" dirty="0" smtClean="0"/>
+              <a:t>个 </a:t>
+            </a:r>
+            <a:r>
+              <a:rPr lang="en-US" altLang="zh-CN" sz="2400" dirty="0" err="1" smtClean="0"/>
+              <a:t>bbox</a:t>
+            </a:r>
+            <a:r>
+              <a:rPr lang="en-US" altLang="zh-CN" sz="2400" dirty="0" smtClean="0"/>
+              <a:t> </a:t>
+            </a:r>
+            <a:r>
+              <a:rPr lang="zh-CN" altLang="en-US" sz="2400" dirty="0" smtClean="0"/>
+              <a:t>结果数据 每个 </a:t>
+            </a:r>
+            <a:r>
+              <a:rPr lang="en-US" altLang="zh-CN" sz="2400" dirty="0" err="1" smtClean="0"/>
+              <a:t>bbox</a:t>
+            </a:r>
+            <a:r>
+              <a:rPr lang="en-US" altLang="zh-CN" sz="2400" dirty="0" smtClean="0"/>
+              <a:t> </a:t>
+            </a:r>
+            <a:r>
+              <a:rPr lang="zh-CN" altLang="en-US" sz="2400" dirty="0" smtClean="0"/>
+              <a:t>结果数据里面，</a:t>
+            </a:r>
+            <a:r>
+              <a:rPr lang="en-US" altLang="zh-CN" sz="2400" dirty="0" smtClean="0"/>
+              <a:t>4 </a:t>
+            </a:r>
+            <a:r>
+              <a:rPr lang="zh-CN" altLang="en-US" sz="2400" dirty="0" smtClean="0"/>
+              <a:t>个 </a:t>
+            </a:r>
+            <a:r>
+              <a:rPr lang="en-US" altLang="zh-CN" sz="2400" dirty="0" smtClean="0"/>
+              <a:t>x, y, w, h </a:t>
+            </a:r>
+            <a:r>
+              <a:rPr lang="zh-CN" altLang="en-US" sz="2400" dirty="0" smtClean="0"/>
+              <a:t>坐标数据，</a:t>
+            </a:r>
+            <a:r>
+              <a:rPr lang="en-US" altLang="zh-CN" sz="2400" dirty="0" smtClean="0"/>
+              <a:t>1 </a:t>
+            </a:r>
+            <a:r>
+              <a:rPr lang="zh-CN" altLang="en-US" sz="2400" dirty="0" smtClean="0"/>
+              <a:t>个 </a:t>
+            </a:r>
+            <a:r>
+              <a:rPr lang="en-US" altLang="zh-CN" sz="2400" dirty="0" smtClean="0"/>
+              <a:t>object score </a:t>
+            </a:r>
+            <a:r>
+              <a:rPr lang="zh-CN" altLang="en-US" sz="2400" dirty="0" smtClean="0"/>
+              <a:t>评分，然后是 </a:t>
+            </a:r>
+            <a:r>
+              <a:rPr lang="en-US" altLang="zh-CN" sz="2400" dirty="0" smtClean="0"/>
+              <a:t>80 </a:t>
+            </a:r>
+            <a:r>
+              <a:rPr lang="zh-CN" altLang="en-US" sz="2400" dirty="0" smtClean="0"/>
+              <a:t>个分类的评分</a:t>
+            </a:r>
+            <a:endParaRPr lang="en-US" altLang="zh-CN" sz="2400" dirty="0" smtClean="0"/>
+          </a:p>
+        </p:txBody>
+      </p:sp>
+    </p:spTree>
+  </p:cSld>
+  <p:clrMapOvr>
+    <a:masterClrMapping/>
+  </p:clrMapOvr>
+</p:sld>
+</file>
+
+<file path=ppt/slides/slide41.xml><?xml version="1.0" encoding="utf-8"?>
+<p:sld xmlns:a="http://schemas.openxmlformats.org/drawingml/2006/main" xmlns:r="http://schemas.openxmlformats.org/officeDocument/2006/relationships" xmlns:p="http://schemas.openxmlformats.org/presentationml/2006/main">
+  <p:cSld>
+    <p:spTree>
+      <p:nvGrpSpPr>
+        <p:cNvPr id="1" name=""/>
+        <p:cNvGrpSpPr/>
+        <p:nvPr/>
+      </p:nvGrpSpPr>
+      <p:grpSpPr/>
+      <p:sp>
+        <p:nvSpPr>
+          <p:cNvPr id="2" name="标题 1"/>
+          <p:cNvSpPr>
+            <a:spLocks noGrp="1"/>
+          </p:cNvSpPr>
+          <p:nvPr>
+            <p:ph type="title"/>
+          </p:nvPr>
+        </p:nvSpPr>
+        <p:spPr/>
+        <p:txBody>
+          <a:bodyPr/>
+          <a:p>
+            <a:r>
+              <a:rPr lang="en-US" altLang="zh-CN"/>
+              <a:t>MOT </a:t>
+            </a:r>
+            <a:r>
+              <a:rPr lang="zh-CN" altLang="en-US"/>
+              <a:t>多目标跟踪</a:t>
+            </a:r>
+            <a:endParaRPr lang="zh-CN" altLang="en-US"/>
+          </a:p>
+        </p:txBody>
+      </p:sp>
+      <p:sp>
+        <p:nvSpPr>
+          <p:cNvPr id="3" name="内容占位符 2"/>
+          <p:cNvSpPr>
+            <a:spLocks noGrp="1"/>
+          </p:cNvSpPr>
+          <p:nvPr>
+            <p:ph idx="1"/>
+          </p:nvPr>
+        </p:nvSpPr>
+        <p:spPr/>
+        <p:txBody>
+          <a:bodyPr/>
+          <a:p>
+            <a:r>
+              <a:rPr lang="zh-CN" altLang="en-US"/>
+              <a:t>匈牙利算法匹配</a:t>
+            </a:r>
+            <a:endParaRPr lang="zh-CN" altLang="en-US"/>
+          </a:p>
+          <a:p>
+            <a:r>
+              <a:rPr lang="zh-CN" altLang="en-US"/>
+              <a:t>卡尔曼滤波</a:t>
+            </a:r>
+            <a:endParaRPr lang="zh-CN" altLang="en-US"/>
+          </a:p>
+        </p:txBody>
+      </p:sp>
+    </p:spTree>
+  </p:cSld>
+  <p:clrMapOvr>
+    <a:masterClrMapping/>
+  </p:clrMapOvr>
+</p:sld>
+</file>
+
+<file path=ppt/slides/slide42.xml><?xml version="1.0" encoding="utf-8"?>
+<p:sld xmlns:a="http://schemas.openxmlformats.org/drawingml/2006/main" xmlns:r="http://schemas.openxmlformats.org/officeDocument/2006/relationships" xmlns:p="http://schemas.openxmlformats.org/presentationml/2006/main">
+  <p:cSld>
+    <p:spTree>
+      <p:nvGrpSpPr>
+        <p:cNvPr id="1" name=""/>
+        <p:cNvGrpSpPr/>
+        <p:nvPr/>
+      </p:nvGrpSpPr>
+      <p:grpSpPr/>
+      <p:sp>
+        <p:nvSpPr>
+          <p:cNvPr id="2" name="标题 1"/>
+          <p:cNvSpPr>
+            <a:spLocks noGrp="1"/>
+          </p:cNvSpPr>
+          <p:nvPr>
+            <p:ph type="title"/>
+          </p:nvPr>
+        </p:nvSpPr>
+        <p:spPr/>
+        <p:txBody>
+          <a:bodyPr/>
+          <a:p>
+            <a:r>
+              <a:rPr lang="zh-CN" altLang="en-US"/>
+              <a:t>性能优化</a:t>
+            </a:r>
+            <a:endParaRPr lang="en-US" altLang="zh-CN"/>
+          </a:p>
+        </p:txBody>
+      </p:sp>
+      <p:sp>
+        <p:nvSpPr>
+          <p:cNvPr id="3" name="内容占位符 2"/>
+          <p:cNvSpPr>
+            <a:spLocks noGrp="1"/>
+          </p:cNvSpPr>
+          <p:nvPr>
+            <p:ph idx="1"/>
+          </p:nvPr>
+        </p:nvSpPr>
+        <p:spPr/>
+        <p:txBody>
+          <a:bodyPr>
+            <a:normAutofit/>
+          </a:bodyPr>
+          <a:p>
+            <a:r>
+              <a:rPr lang="en-US" altLang="zh-CN" sz="2400"/>
+              <a:t>CPU </a:t>
+            </a:r>
+            <a:r>
+              <a:rPr lang="zh-CN" altLang="en-US" sz="2400"/>
+              <a:t>计算，使用</a:t>
+            </a:r>
+            <a:r>
+              <a:rPr lang="en-US" altLang="zh-CN" sz="2400"/>
+              <a:t> SIMD </a:t>
+            </a:r>
+            <a:r>
+              <a:rPr lang="zh-CN" altLang="en-US" sz="2400"/>
+              <a:t>指令进行优化</a:t>
+            </a:r>
+            <a:endParaRPr lang="zh-CN" altLang="en-US" sz="2400"/>
+          </a:p>
+          <a:p>
+            <a:r>
+              <a:rPr lang="zh-CN" altLang="en-US" sz="2400"/>
+              <a:t>现有的编译器已经支持向量优化，在很多情况下可以直接生成</a:t>
+            </a:r>
+            <a:r>
+              <a:rPr lang="en-US" altLang="zh-CN" sz="2400"/>
+              <a:t> SIMD </a:t>
+            </a:r>
+            <a:r>
+              <a:rPr lang="zh-CN" altLang="en-US" sz="2400"/>
+              <a:t>指令优化的向量计算代码</a:t>
+            </a:r>
+            <a:endParaRPr lang="zh-CN" altLang="en-US" sz="2400"/>
+          </a:p>
+          <a:p>
+            <a:r>
+              <a:rPr lang="zh-CN" altLang="en-US" sz="2400"/>
+              <a:t>直接手撸</a:t>
+            </a:r>
+            <a:r>
+              <a:rPr lang="en-US" altLang="zh-CN" sz="2400"/>
+              <a:t> ARM </a:t>
+            </a:r>
+            <a:r>
+              <a:rPr lang="zh-CN" altLang="en-US" sz="2400"/>
+              <a:t>的</a:t>
+            </a:r>
+            <a:r>
+              <a:rPr lang="en-US" altLang="zh-CN" sz="2400"/>
+              <a:t> NEON </a:t>
+            </a:r>
+            <a:r>
+              <a:rPr lang="zh-CN" altLang="en-US" sz="2400"/>
+              <a:t>或者</a:t>
+            </a:r>
+            <a:r>
+              <a:rPr lang="en-US" altLang="zh-CN" sz="2400"/>
+              <a:t> x86 </a:t>
+            </a:r>
+            <a:r>
+              <a:rPr lang="zh-CN" altLang="en-US" sz="2400"/>
+              <a:t>的</a:t>
+            </a:r>
+            <a:r>
+              <a:rPr lang="en-US" altLang="zh-CN" sz="2400"/>
+              <a:t> SSE/AVX </a:t>
+            </a:r>
+            <a:r>
+              <a:rPr lang="zh-CN" altLang="en-US" sz="2400"/>
+              <a:t>汇编代码</a:t>
+            </a:r>
+            <a:endParaRPr lang="zh-CN" altLang="en-US" sz="2400"/>
+          </a:p>
+          <a:p>
+            <a:r>
+              <a:rPr lang="zh-CN" altLang="en-US" sz="2400"/>
+              <a:t>使用编译器提供的</a:t>
+            </a:r>
+            <a:r>
+              <a:rPr lang="en-US" altLang="zh-CN" sz="2400"/>
+              <a:t> intrinsics </a:t>
+            </a:r>
+            <a:r>
+              <a:rPr lang="zh-CN" altLang="en-US" sz="2400"/>
+              <a:t>头文件，将</a:t>
+            </a:r>
+            <a:r>
+              <a:rPr lang="en-US" altLang="zh-CN" sz="2400"/>
+              <a:t> SIMD </a:t>
+            </a:r>
+            <a:r>
+              <a:rPr lang="zh-CN" altLang="en-US" sz="2400"/>
+              <a:t>指令包装为了</a:t>
+            </a:r>
+            <a:r>
+              <a:rPr lang="en-US" altLang="zh-CN" sz="2400"/>
+              <a:t> c </a:t>
+            </a:r>
+            <a:r>
+              <a:rPr lang="zh-CN" altLang="en-US" sz="2400"/>
+              <a:t>语言函数</a:t>
+            </a:r>
+            <a:endParaRPr lang="zh-CN" altLang="en-US" sz="2400"/>
+          </a:p>
+          <a:p>
+            <a:r>
+              <a:rPr lang="zh-CN" altLang="en-US" sz="2400"/>
+              <a:t>矩阵运算的优化，</a:t>
+            </a:r>
+            <a:r>
+              <a:rPr lang="en-US" altLang="zh-CN" sz="2400"/>
+              <a:t>SIMD </a:t>
+            </a:r>
+            <a:r>
+              <a:rPr lang="zh-CN" altLang="en-US" sz="2400"/>
+              <a:t>优化，使用</a:t>
+            </a:r>
+            <a:r>
+              <a:rPr lang="en-US" altLang="zh-CN" sz="2400"/>
+              <a:t> openblas </a:t>
+            </a:r>
+            <a:r>
+              <a:rPr lang="zh-CN" altLang="en-US" sz="2400"/>
+              <a:t>库</a:t>
+            </a:r>
+            <a:endParaRPr lang="zh-CN" altLang="en-US" sz="2400"/>
+          </a:p>
+          <a:p>
+            <a:r>
+              <a:rPr lang="zh-CN" altLang="en-US" sz="2400">
+                <a:sym typeface="+mn-ea"/>
+              </a:rPr>
+              <a:t>卷积运算的优化，</a:t>
+            </a:r>
+            <a:r>
+              <a:rPr lang="en-US" altLang="zh-CN" sz="2400">
+                <a:sym typeface="+mn-ea"/>
+              </a:rPr>
+              <a:t>im2col + gemm</a:t>
+            </a:r>
+            <a:r>
+              <a:rPr lang="zh-CN" altLang="en-US" sz="2400">
+                <a:sym typeface="+mn-ea"/>
+              </a:rPr>
+              <a:t>，</a:t>
+            </a:r>
+            <a:r>
+              <a:rPr lang="en-US" altLang="zh-CN" sz="2400">
+                <a:sym typeface="+mn-ea"/>
+              </a:rPr>
+              <a:t>winogard </a:t>
+            </a:r>
+            <a:r>
+              <a:rPr lang="zh-CN" altLang="en-US" sz="2400">
+                <a:sym typeface="+mn-ea"/>
+              </a:rPr>
+              <a:t>算法</a:t>
+            </a:r>
+            <a:endParaRPr lang="zh-CN" altLang="en-US" sz="2400"/>
+          </a:p>
+          <a:p>
+            <a:r>
+              <a:rPr lang="en-US" altLang="zh-CN" sz="2400"/>
+              <a:t>GPU </a:t>
+            </a:r>
+            <a:r>
+              <a:rPr lang="zh-CN" altLang="en-US" sz="2400"/>
+              <a:t>优化，使用</a:t>
+            </a:r>
+            <a:r>
+              <a:rPr lang="en-US" altLang="zh-CN" sz="2400"/>
+              <a:t> CUDA </a:t>
+            </a:r>
+            <a:r>
+              <a:rPr lang="zh-CN" altLang="en-US" sz="2400"/>
+              <a:t>编程</a:t>
+            </a:r>
+            <a:endParaRPr lang="zh-CN" altLang="en-US" sz="2400"/>
+          </a:p>
+          <a:p>
+            <a:r>
+              <a:rPr lang="zh-CN" altLang="en-US" sz="2400"/>
+              <a:t>神经网络的量化计算</a:t>
+            </a:r>
+            <a:endParaRPr lang="en-US" altLang="zh-CN" sz="2400"/>
           </a:p>
         </p:txBody>
       </p:sp>
@@ -4045,7 +8486,15 @@
           <a:p>
             <a:r>
               <a:rPr lang="zh-CN" altLang="en-US"/>
-              <a:t>前向推理计算方法</a:t>
+              <a:t>权重初始化、数据归一化、</a:t>
+            </a:r>
+            <a:r>
+              <a:rPr lang="en-US" altLang="zh-CN"/>
+              <a:t>NAN </a:t>
+            </a:r>
+            <a:r>
+              <a:rPr lang="zh-CN" altLang="en-US"/>
+              <a:t>等</a:t>
             </a:r>
             <a:endParaRPr lang="zh-CN" altLang="en-US"/>
           </a:p>
@@ -4063,78 +8512,161 @@
         </p:nvSpPr>
         <p:spPr/>
         <p:txBody>
-          <a:bodyPr>
-            <a:normAutofit lnSpcReduction="10000"/>
-          </a:bodyPr>
-          <a:p>
-            <a:pPr marL="0" indent="0">
-              <a:buNone/>
-            </a:pPr>
-            <a:r>
-              <a:rPr lang="zh-CN" altLang="en-US"/>
-              <a:t>线性运算或者叫做放射变换</a:t>
-            </a:r>
-            <a:endParaRPr lang="zh-CN" altLang="en-US"/>
-          </a:p>
-          <a:p>
-            <a:r>
-              <a:rPr lang="zh-CN" altLang="en-US"/>
-              <a:t>输入：</a:t>
-            </a:r>
-            <a:r>
-              <a:rPr lang="en-US" altLang="zh-CN"/>
-              <a:t>x1, x2, ..., xn</a:t>
+          <a:bodyPr/>
+          <a:p>
+            <a:r>
+              <a:rPr lang="zh-CN" altLang="en-US"/>
+              <a:t>权重初始化，建议使用</a:t>
+            </a:r>
+            <a:r>
+              <a:rPr lang="en-US" altLang="zh-CN"/>
+              <a:t> xavier </a:t>
+            </a:r>
+            <a:r>
+              <a:rPr lang="zh-CN" altLang="en-US"/>
+              <a:t>方法</a:t>
+            </a:r>
+            <a:endParaRPr lang="zh-CN" altLang="en-US"/>
+          </a:p>
+          <a:p>
+            <a:r>
+              <a:rPr lang="zh-CN" altLang="en-US"/>
+              <a:t>输入数据归一化到</a:t>
+            </a:r>
+            <a:r>
+              <a:rPr lang="en-US" altLang="zh-CN"/>
+              <a:t> (-1, 1) </a:t>
+            </a:r>
+            <a:r>
+              <a:rPr lang="zh-CN" altLang="en-US"/>
+              <a:t>或</a:t>
+            </a:r>
+            <a:r>
+              <a:rPr lang="en-US" altLang="zh-CN"/>
+              <a:t> (0, 1) </a:t>
+            </a:r>
+            <a:r>
+              <a:rPr lang="zh-CN" altLang="en-US"/>
+              <a:t>范围</a:t>
+            </a:r>
+            <a:endParaRPr lang="zh-CN" altLang="en-US"/>
+          </a:p>
+          <a:p>
+            <a:r>
+              <a:rPr lang="zh-CN" altLang="en-US"/>
+              <a:t>使用</a:t>
+            </a:r>
+            <a:r>
+              <a:rPr lang="en-US" altLang="zh-CN"/>
+              <a:t> sigmoid </a:t>
+            </a:r>
+            <a:r>
+              <a:rPr lang="zh-CN" altLang="en-US"/>
+              <a:t>可以归一化到</a:t>
+            </a:r>
+            <a:r>
+              <a:rPr lang="en-US" altLang="zh-CN"/>
+              <a:t> (-1, 1)</a:t>
             </a:r>
             <a:endParaRPr lang="en-US" altLang="zh-CN"/>
           </a:p>
           <a:p>
             <a:r>
               <a:rPr lang="zh-CN" altLang="en-US"/>
-              <a:t>输出：</a:t>
-            </a:r>
-            <a:r>
-              <a:rPr lang="en-US" altLang="zh-CN"/>
-              <a:t>y1, y2, ..., yn</a:t>
+              <a:t>使用</a:t>
+            </a:r>
+            <a:r>
+              <a:rPr lang="en-US" altLang="zh-CN"/>
+              <a:t> relu </a:t>
+            </a:r>
+            <a:r>
+              <a:rPr lang="zh-CN" altLang="en-US"/>
+              <a:t>建议归一化到</a:t>
+            </a:r>
+            <a:r>
+              <a:rPr lang="en-US" altLang="zh-CN"/>
+              <a:t> (0.0001, 0.9999) </a:t>
+            </a:r>
+            <a:r>
+              <a:rPr lang="zh-CN" altLang="en-US"/>
+              <a:t>范围，否则容易</a:t>
+            </a:r>
+            <a:r>
+              <a:rPr lang="en-US" altLang="zh-CN"/>
+              <a:t> NAN</a:t>
             </a:r>
             <a:endParaRPr lang="en-US" altLang="zh-CN"/>
           </a:p>
           <a:p>
+            <a:r>
+              <a:rPr lang="zh-CN" altLang="en-US"/>
+              <a:t>使用</a:t>
+            </a:r>
+            <a:r>
+              <a:rPr lang="en-US" altLang="zh-CN"/>
+              <a:t> relu </a:t>
+            </a:r>
+            <a:r>
+              <a:rPr lang="zh-CN" altLang="en-US"/>
+              <a:t>和</a:t>
+            </a:r>
+            <a:r>
+              <a:rPr lang="en-US" altLang="zh-CN"/>
+              <a:t> leaky relu </a:t>
+            </a:r>
+            <a:r>
+              <a:rPr lang="zh-CN" altLang="en-US"/>
+              <a:t>学习率建议设置小些</a:t>
+            </a:r>
+            <a:r>
+              <a:rPr lang="en-US" altLang="zh-CN"/>
+              <a:t> &lt; 0.1 </a:t>
+            </a:r>
+            <a:r>
+              <a:rPr lang="zh-CN" altLang="en-US"/>
+              <a:t>否则容易</a:t>
+            </a:r>
+            <a:r>
+              <a:rPr lang="en-US" altLang="zh-CN"/>
+              <a:t> NAN</a:t>
+            </a:r>
             <a:endParaRPr lang="en-US" altLang="zh-CN"/>
           </a:p>
           <a:p>
             <a:r>
-              <a:rPr lang="en-US" altLang="zh-CN"/>
-              <a:t>y1 = w11 * x1 + w12 * x2 + b1</a:t>
+              <a:rPr lang="zh-CN" altLang="en-US"/>
+              <a:t>如果输出层为</a:t>
+            </a:r>
+            <a:r>
+              <a:rPr lang="en-US" altLang="zh-CN"/>
+              <a:t> softmax </a:t>
+            </a:r>
+            <a:r>
+              <a:rPr lang="zh-CN" altLang="en-US"/>
+              <a:t>建议学习率更小些，否则</a:t>
+            </a:r>
+            <a:r>
+              <a:rPr lang="zh-CN" altLang="en-US">
+                <a:sym typeface="+mn-ea"/>
+              </a:rPr>
+              <a:t>容易</a:t>
+            </a:r>
+            <a:r>
+              <a:rPr lang="en-US" altLang="zh-CN"/>
+              <a:t> NAN</a:t>
             </a:r>
             <a:endParaRPr lang="en-US" altLang="zh-CN"/>
           </a:p>
           <a:p>
             <a:r>
               <a:rPr lang="en-US" altLang="zh-CN"/>
-              <a:t>y2 = w21 * x1 + w22 * x2 + b2</a:t>
-            </a:r>
-            <a:endParaRPr lang="en-US" altLang="zh-CN"/>
-          </a:p>
-          <a:p>
-            <a:r>
-              <a:rPr lang="en-US" altLang="zh-CN"/>
-              <a:t>y3 = w31 * x1 + w32 * x2 + b3</a:t>
-            </a:r>
-            <a:endParaRPr lang="en-US" altLang="zh-CN"/>
-          </a:p>
-          <a:p>
-            <a:endParaRPr lang="en-US" altLang="zh-CN"/>
-          </a:p>
-          <a:p>
-            <a:r>
-              <a:rPr lang="zh-CN" altLang="en-US"/>
-              <a:t>矩阵表示为：</a:t>
-            </a:r>
-            <a:r>
-              <a:rPr lang="en-US" altLang="zh-CN"/>
-              <a:t>Y = W * X + B</a:t>
-            </a:r>
-            <a:endParaRPr lang="en-US" altLang="zh-CN"/>
+              <a:t>loss </a:t>
+            </a:r>
+            <a:r>
+              <a:rPr lang="zh-CN" altLang="en-US"/>
+              <a:t>如果无法下降了，尝试调小学习率，如果仍然无法下降，估计就是网络的极限了</a:t>
+            </a:r>
+            <a:endParaRPr lang="zh-CN" altLang="en-US"/>
           </a:p>
         </p:txBody>
       </p:sp>
@@ -4171,9 +8703,7 @@
           <a:bodyPr/>
           <a:p>
             <a:r>
-              <a:rPr lang="zh-CN" altLang="en-US">
-                <a:sym typeface="+mn-ea"/>
-              </a:rPr>
+              <a:rPr lang="zh-CN" altLang="en-US"/>
               <a:t>前向推理计算方法</a:t>
             </a:r>
             <a:endParaRPr lang="zh-CN" altLang="en-US"/>
@@ -4196,75 +8726,74 @@
             <a:normAutofit lnSpcReduction="10000"/>
           </a:bodyPr>
           <a:p>
-            <a:r>
-              <a:rPr lang="zh-CN" altLang="en-US"/>
-              <a:t>激活函数（非线性运算）</a:t>
-            </a:r>
-            <a:endParaRPr lang="zh-CN" altLang="en-US"/>
-          </a:p>
-          <a:p>
-            <a:r>
-              <a:rPr lang="zh-CN" altLang="en-US"/>
-              <a:t>输入</a:t>
-            </a:r>
-            <a:r>
-              <a:rPr lang="en-US" altLang="zh-CN"/>
-              <a:t> y1, y2, ..., yn</a:t>
+            <a:pPr marL="0" indent="0">
+              <a:buNone/>
+            </a:pPr>
+            <a:r>
+              <a:rPr lang="zh-CN" altLang="en-US"/>
+              <a:t>线性运算或者叫做放射变换</a:t>
+            </a:r>
+            <a:endParaRPr lang="zh-CN" altLang="en-US"/>
+          </a:p>
+          <a:p>
+            <a:r>
+              <a:rPr lang="zh-CN" altLang="en-US"/>
+              <a:t>输入：</a:t>
+            </a:r>
+            <a:r>
+              <a:rPr lang="en-US" altLang="zh-CN"/>
+              <a:t>x1, x2, ..., xn</a:t>
             </a:r>
             <a:endParaRPr lang="en-US" altLang="zh-CN"/>
           </a:p>
           <a:p>
             <a:r>
               <a:rPr lang="zh-CN" altLang="en-US"/>
-              <a:t>输出</a:t>
-            </a:r>
-            <a:r>
-              <a:rPr lang="en-US" altLang="zh-CN"/>
-              <a:t> z1, z2, ..., zn</a:t>
+              <a:t>输出：</a:t>
+            </a:r>
+            <a:r>
+              <a:rPr lang="en-US" altLang="zh-CN"/>
+              <a:t>y1, y2, ..., yn</a:t>
             </a:r>
             <a:endParaRPr lang="en-US" altLang="zh-CN"/>
           </a:p>
           <a:p>
-            <a:r>
-              <a:rPr lang="en-US" altLang="zh-CN"/>
-              <a:t>Z = activation(Y)</a:t>
-            </a:r>
             <a:endParaRPr lang="en-US" altLang="zh-CN"/>
           </a:p>
           <a:p>
+            <a:r>
+              <a:rPr lang="en-US" altLang="zh-CN"/>
+              <a:t>y1 = w11 * x1 + w12 * x2 + b1</a:t>
+            </a:r>
             <a:endParaRPr lang="en-US" altLang="zh-CN"/>
           </a:p>
           <a:p>
             <a:r>
-              <a:rPr lang="zh-CN" altLang="en-US"/>
-              <a:t>常用激活函数：</a:t>
-            </a:r>
-            <a:r>
-              <a:rPr lang="en-US" altLang="zh-CN"/>
-              <a:t>sigmoid, relu, leaky-relu, softmax</a:t>
+              <a:rPr lang="en-US" altLang="zh-CN"/>
+              <a:t>y2 = w21 * x1 + w22 * x2 + b2</a:t>
             </a:r>
             <a:endParaRPr lang="en-US" altLang="zh-CN"/>
           </a:p>
           <a:p>
+            <a:r>
+              <a:rPr lang="en-US" altLang="zh-CN"/>
+              <a:t>y3 = w31 * x1 + w32 * x2 + b3</a:t>
+            </a:r>
             <a:endParaRPr lang="en-US" altLang="zh-CN"/>
           </a:p>
           <a:p>
-            <a:r>
-              <a:rPr lang="zh-CN" altLang="en-US"/>
-              <a:t>每一层的输出：</a:t>
-            </a:r>
-            <a:r>
-              <a:rPr lang="en-US" altLang="zh-CN"/>
-              <a:t>z = activation(Y) = activation(W * X + B)</a:t>
-            </a:r>
             <a:endParaRPr lang="en-US" altLang="zh-CN"/>
           </a:p>
           <a:p>
             <a:r>
               <a:rPr lang="zh-CN" altLang="en-US"/>
-              <a:t>隐藏层的输出又是下一层的输入</a:t>
-            </a:r>
-            <a:endParaRPr lang="zh-CN" altLang="en-US"/>
+              <a:t>矩阵表示为：</a:t>
+            </a:r>
+            <a:r>
+              <a:rPr lang="en-US" altLang="zh-CN"/>
+              <a:t>Y = W * X + B</a:t>
+            </a:r>
+            <a:endParaRPr lang="en-US" altLang="zh-CN"/>
           </a:p>
         </p:txBody>
       </p:sp>
@@ -4301,120 +8830,107 @@
           <a:bodyPr/>
           <a:p>
             <a:r>
-              <a:rPr lang="zh-CN">
-                <a:sym typeface="+mn-ea"/>
-              </a:rPr>
-              <a:t>反向传播计算方法</a:t>
-            </a:r>
-            <a:endParaRPr lang="zh-CN">
-              <a:sym typeface="+mn-ea"/>
-            </a:endParaRPr>
-          </a:p>
-        </p:txBody>
-      </p:sp>
-      <p:sp>
-        <p:nvSpPr>
-          <p:cNvPr id="3" name="内容占位符 2"/>
-          <p:cNvSpPr>
-            <a:spLocks noGrp="1"/>
-          </p:cNvSpPr>
-          <p:nvPr>
-            <p:ph idx="1"/>
-          </p:nvPr>
-        </p:nvSpPr>
-        <p:spPr/>
-        <p:txBody>
-          <a:bodyPr/>
-          <a:p>
-            <a:r>
-              <a:rPr lang="zh-CN" altLang="en-US"/>
-              <a:t>反向传播的目的是什么？更新权重和偏置。</a:t>
-            </a:r>
-            <a:endParaRPr lang="zh-CN" altLang="en-US"/>
-          </a:p>
-          <a:p>
-            <a:r>
-              <a:rPr lang="zh-CN" altLang="en-US"/>
-              <a:t>梯度下降法，分别计算损失对权重和偏置的梯度</a:t>
-            </a:r>
-            <a:endParaRPr lang="zh-CN" altLang="en-US"/>
-          </a:p>
-          <a:p>
-            <a:r>
               <a:rPr lang="zh-CN" altLang="en-US">
                 <a:sym typeface="+mn-ea"/>
               </a:rPr>
-              <a:t>损失（</a:t>
-            </a:r>
-            <a:r>
-              <a:rPr lang="en-US" altLang="zh-CN">
-                <a:sym typeface="+mn-ea"/>
-              </a:rPr>
-              <a:t>loss</a:t>
-            </a:r>
-            <a:r>
-              <a:rPr lang="zh-CN" altLang="en-US">
-                <a:sym typeface="+mn-ea"/>
-              </a:rPr>
-              <a:t>）函数，真实值与推理值的误差函数</a:t>
-            </a:r>
-            <a:endParaRPr lang="zh-CN" altLang="en-US">
-              <a:sym typeface="+mn-ea"/>
-            </a:endParaRPr>
-          </a:p>
-          <a:p>
-            <a:r>
-              <a:rPr lang="zh-CN" altLang="en-US">
-                <a:sym typeface="+mn-ea"/>
-              </a:rPr>
-              <a:t>权重和偏置的梯度，就是损失函数对权重的偏导数</a:t>
-            </a:r>
-            <a:endParaRPr lang="zh-CN" altLang="en-US">
-              <a:sym typeface="+mn-ea"/>
-            </a:endParaRPr>
-          </a:p>
-          <a:p>
-            <a:r>
-              <a:rPr lang="zh-CN" altLang="en-US">
-                <a:sym typeface="+mn-ea"/>
-              </a:rPr>
-              <a:t>通过偏导数的链式求导方法，可以方便的计算出梯度值</a:t>
-            </a:r>
-            <a:endParaRPr lang="zh-CN" altLang="en-US"/>
-          </a:p>
-          <a:p>
-            <a:endParaRPr lang="zh-CN" altLang="en-US"/>
-          </a:p>
-        </p:txBody>
-      </p:sp>
-      <p:pic>
-        <p:nvPicPr>
-          <p:cNvPr id="4" name="图片 3"/>
-          <p:cNvPicPr>
-            <a:picLocks noChangeAspect="1"/>
-          </p:cNvPicPr>
-          <p:nvPr>
-            <p:custDataLst>
-              <p:tags r:id="rId1"/>
-            </p:custDataLst>
-          </p:nvPr>
-        </p:nvPicPr>
-        <p:blipFill>
-          <a:blip r:embed="rId2"/>
-          <a:stretch>
-            <a:fillRect/>
-          </a:stretch>
-        </p:blipFill>
-        <p:spPr>
-          <a:xfrm>
-            <a:off x="2746375" y="4580890"/>
-            <a:ext cx="5861050" cy="1153160"/>
-          </a:xfrm>
-          <a:prstGeom prst="rect">
-            <a:avLst/>
-          </a:prstGeom>
-        </p:spPr>
-      </p:pic>
+              <a:t>前向推理计算方法</a:t>
+            </a:r>
+            <a:endParaRPr lang="zh-CN" altLang="en-US"/>
+          </a:p>
+        </p:txBody>
+      </p:sp>
+      <p:sp>
+        <p:nvSpPr>
+          <p:cNvPr id="3" name="内容占位符 2"/>
+          <p:cNvSpPr>
+            <a:spLocks noGrp="1"/>
+          </p:cNvSpPr>
+          <p:nvPr>
+            <p:ph idx="1"/>
+          </p:nvPr>
+        </p:nvSpPr>
+        <p:spPr/>
+        <p:txBody>
+          <a:bodyPr>
+            <a:normAutofit lnSpcReduction="10000"/>
+          </a:bodyPr>
+          <a:p>
+            <a:r>
+              <a:rPr lang="zh-CN" altLang="en-US"/>
+              <a:t>激活函数（非线性运算）</a:t>
+            </a:r>
+            <a:endParaRPr lang="zh-CN" altLang="en-US"/>
+          </a:p>
+          <a:p>
+            <a:r>
+              <a:rPr lang="zh-CN" altLang="en-US"/>
+              <a:t>输入</a:t>
+            </a:r>
+            <a:r>
+              <a:rPr lang="en-US" altLang="zh-CN"/>
+              <a:t> y1, y2, ..., yn</a:t>
+            </a:r>
+            <a:endParaRPr lang="en-US" altLang="zh-CN"/>
+          </a:p>
+          <a:p>
+            <a:r>
+              <a:rPr lang="zh-CN" altLang="en-US"/>
+              <a:t>输出</a:t>
+            </a:r>
+            <a:r>
+              <a:rPr lang="en-US" altLang="zh-CN"/>
+              <a:t> z1, z2, ..., zn</a:t>
+            </a:r>
+            <a:endParaRPr lang="en-US" altLang="zh-CN"/>
+          </a:p>
+          <a:p>
+            <a:r>
+              <a:rPr lang="en-US" altLang="zh-CN"/>
+              <a:t>Z = activation(Y)</a:t>
+            </a:r>
+            <a:endParaRPr lang="en-US" altLang="zh-CN"/>
+          </a:p>
+          <a:p>
+            <a:endParaRPr lang="en-US" altLang="zh-CN"/>
+          </a:p>
+          <a:p>
+            <a:r>
+              <a:rPr lang="zh-CN" altLang="en-US"/>
+              <a:t>常用激活函数：</a:t>
+            </a:r>
+            <a:r>
+              <a:rPr lang="en-US" altLang="zh-CN"/>
+              <a:t>sigmoid, relu, leaky-relu, softmax</a:t>
+            </a:r>
+            <a:endParaRPr lang="en-US" altLang="zh-CN"/>
+          </a:p>
+          <a:p>
+            <a:endParaRPr lang="en-US" altLang="zh-CN"/>
+          </a:p>
+          <a:p>
+            <a:r>
+              <a:rPr lang="zh-CN" altLang="en-US"/>
+              <a:t>每一层的输出：</a:t>
+            </a:r>
+            <a:r>
+              <a:rPr lang="en-US" altLang="zh-CN"/>
+              <a:t>Z</a:t>
+            </a:r>
+            <a:r>
+              <a:rPr lang="en-US" altLang="zh-CN"/>
+              <a:t> = activation(Y) = activation(W * X + B)</a:t>
+            </a:r>
+            <a:endParaRPr lang="en-US" altLang="zh-CN"/>
+          </a:p>
+          <a:p>
+            <a:r>
+              <a:rPr lang="zh-CN" altLang="en-US"/>
+              <a:t>隐藏层的输出又是下一层的输入</a:t>
+            </a:r>
+            <a:endParaRPr lang="zh-CN" altLang="en-US"/>
+          </a:p>
+        </p:txBody>
+      </p:sp>
     </p:spTree>
   </p:cSld>
   <p:clrMapOvr>
@@ -4448,89 +8964,244 @@
           <a:bodyPr/>
           <a:p>
             <a:r>
-              <a:rPr lang="zh-CN" altLang="en-US"/>
-              <a:t>使用</a:t>
-            </a:r>
-            <a:r>
-              <a:rPr lang="en-US" altLang="zh-CN"/>
-              <a:t> C </a:t>
-            </a:r>
-            <a:r>
-              <a:rPr lang="zh-CN" altLang="en-US"/>
-              <a:t>实现</a:t>
-            </a:r>
-            <a:r>
-              <a:rPr lang="en-US" altLang="zh-CN"/>
-              <a:t> BP </a:t>
-            </a:r>
-            <a:r>
-              <a:rPr lang="zh-CN" altLang="en-US"/>
-              <a:t>神经网络</a:t>
-            </a:r>
-            <a:endParaRPr lang="zh-CN" altLang="en-US"/>
-          </a:p>
-        </p:txBody>
-      </p:sp>
-      <p:sp>
-        <p:nvSpPr>
-          <p:cNvPr id="3" name="内容占位符 2"/>
-          <p:cNvSpPr>
-            <a:spLocks noGrp="1"/>
-          </p:cNvSpPr>
+              <a:rPr lang="en-US" altLang="zh-CN"/>
+              <a:t>sigmoid </a:t>
+            </a:r>
+            <a:r>
+              <a:rPr lang="zh-CN" altLang="zh-CN"/>
+              <a:t>激活函数</a:t>
+            </a:r>
+            <a:endParaRPr lang="zh-CN" altLang="zh-CN"/>
+          </a:p>
+        </p:txBody>
+      </p:sp>
+      <p:graphicFrame>
+        <p:nvGraphicFramePr>
+          <p:cNvPr id="4" name="内容占位符 3">
+            <a:hlinkClick r:id="" action="ppaction://ole?verb="/>
+          </p:cNvPr>
+          <p:cNvGraphicFramePr>
+            <a:graphicFrameLocks noChangeAspect="1"/>
+          </p:cNvGraphicFramePr>
           <p:nvPr>
             <p:ph idx="1"/>
           </p:nvPr>
-        </p:nvSpPr>
-        <p:spPr/>
-        <p:txBody>
-          <a:bodyPr/>
-          <a:p>
-            <a:r>
-              <a:rPr lang="zh-CN" altLang="en-US"/>
-              <a:t>矩阵运算的实现</a:t>
-            </a:r>
-            <a:endParaRPr lang="zh-CN" altLang="en-US"/>
-          </a:p>
-          <a:p>
-            <a:r>
-              <a:rPr lang="zh-CN" altLang="en-US"/>
-              <a:t>激活函数的实现</a:t>
-            </a:r>
-            <a:endParaRPr lang="zh-CN" altLang="en-US"/>
-          </a:p>
-          <a:p>
-            <a:r>
-              <a:rPr lang="zh-CN" altLang="en-US"/>
-              <a:t>前向推理的实现</a:t>
-            </a:r>
-            <a:endParaRPr lang="zh-CN" altLang="en-US"/>
-          </a:p>
-          <a:p>
-            <a:r>
-              <a:rPr lang="zh-CN" altLang="en-US"/>
-              <a:t>反向传播的实现</a:t>
-            </a:r>
-            <a:endParaRPr lang="zh-CN" altLang="en-US"/>
-          </a:p>
-          <a:p>
-            <a:r>
-              <a:rPr lang="zh-CN" altLang="en-US"/>
-              <a:t>损失</a:t>
-            </a:r>
-            <a:r>
-              <a:rPr lang="en-US" altLang="zh-CN"/>
-              <a:t> loss </a:t>
-            </a:r>
-            <a:r>
-              <a:rPr lang="zh-CN" altLang="en-US"/>
-              <a:t>的计算</a:t>
-            </a:r>
-            <a:endParaRPr lang="zh-CN" altLang="en-US"/>
-          </a:p>
-          <a:p>
-            <a:r>
-              <a:rPr lang="zh-CN" altLang="en-US"/>
-              <a:t>数据集的实现</a:t>
+        </p:nvGraphicFramePr>
+        <p:xfrm>
+          <a:off x="2240915" y="1691005"/>
+          <a:ext cx="2213610" cy="980440"/>
+        </p:xfrm>
+        <a:graphic>
+          <a:graphicData uri="http://schemas.openxmlformats.org/presentationml/2006/ole">
+            <mc:AlternateContent xmlns:mc="http://schemas.openxmlformats.org/markup-compatibility/2006">
+              <mc:Choice xmlns:v="urn:schemas-microsoft-com:vml" Requires="v">
+                <p:oleObj spid="_x0000_s3073" name="" r:id="rId1" imgW="889000" imgH="393700" progId="Equation.KSEE3">
+                  <p:embed/>
+                </p:oleObj>
+              </mc:Choice>
+              <mc:Fallback>
+                <p:oleObj name="" r:id="rId1" imgW="889000" imgH="393700" progId="Equation.KSEE3">
+                  <p:embed/>
+                  <p:pic>
+                    <p:nvPicPr>
+                      <p:cNvPr id="0" name="图片 3072"/>
+                      <p:cNvPicPr/>
+                      <p:nvPr/>
+                    </p:nvPicPr>
+                    <p:blipFill>
+                      <a:blip r:embed="rId2"/>
+                      <a:stretch>
+                        <a:fillRect/>
+                      </a:stretch>
+                    </p:blipFill>
+                    <p:spPr>
+                      <a:xfrm>
+                        <a:off x="2240915" y="1691005"/>
+                        <a:ext cx="2213610" cy="980440"/>
+                      </a:xfrm>
+                      <a:prstGeom prst="rect">
+                        <a:avLst/>
+                      </a:prstGeom>
+                    </p:spPr>
+                  </p:pic>
+                </p:oleObj>
+              </mc:Fallback>
+            </mc:AlternateContent>
+          </a:graphicData>
+        </a:graphic>
+      </p:graphicFrame>
+      <p:sp>
+        <p:nvSpPr>
+          <p:cNvPr id="6" name="文本框 5"/>
+          <p:cNvSpPr txBox="1"/>
+          <p:nvPr/>
+        </p:nvSpPr>
+        <p:spPr>
+          <a:xfrm>
+            <a:off x="1000760" y="2977515"/>
+            <a:ext cx="10754360" cy="3138170"/>
+          </a:xfrm>
+          <a:prstGeom prst="rect">
+            <a:avLst/>
+          </a:prstGeom>
+          <a:noFill/>
+        </p:spPr>
+        <p:txBody>
+          <a:bodyPr wrap="square" rtlCol="0">
+            <a:spAutoFit/>
+          </a:bodyPr>
+          <a:p>
+            <a:r>
+              <a:rPr lang="en-US" altLang="zh-CN"/>
+              <a:t>优点：</a:t>
+            </a:r>
+            <a:endParaRPr lang="en-US" altLang="zh-CN"/>
+          </a:p>
+          <a:p>
+            <a:r>
+              <a:rPr lang="en-US" altLang="zh-CN"/>
+              <a:t>1. sigmoid 函数的输出在 (0,1) 之间，输出范围有限，优化稳定，可以用作输出层。</a:t>
+            </a:r>
+            <a:endParaRPr lang="en-US" altLang="zh-CN"/>
+          </a:p>
+          <a:p>
+            <a:r>
+              <a:rPr lang="en-US" altLang="zh-CN"/>
+              <a:t>2. 连续函数，便于求导。</a:t>
+            </a:r>
+            <a:endParaRPr lang="en-US" altLang="zh-CN"/>
+          </a:p>
+          <a:p>
+            <a:endParaRPr lang="en-US" altLang="zh-CN"/>
+          </a:p>
+          <a:p>
+            <a:r>
+              <a:rPr lang="en-US" altLang="zh-CN"/>
+              <a:t>缺点：</a:t>
+            </a:r>
+            <a:endParaRPr lang="en-US" altLang="zh-CN"/>
+          </a:p>
+          <a:p>
+            <a:r>
+              <a:rPr lang="en-US" altLang="zh-CN"/>
+              <a:t>1. sigmoid 函数在变量取绝对值非常大的正值或负值时会出现饱和现象，意味着函数会变得很平，</a:t>
+            </a:r>
+            <a:endParaRPr lang="en-US" altLang="zh-CN"/>
+          </a:p>
+          <a:p>
+            <a:r>
+              <a:rPr lang="en-US" altLang="zh-CN"/>
+              <a:t>并且对输入的微小改变会变得不敏感。在反向传播时，当梯度接近于 0，权重基本不会更新，很</a:t>
+            </a:r>
+            <a:endParaRPr lang="en-US" altLang="zh-CN"/>
+          </a:p>
+          <a:p>
+            <a:r>
+              <a:rPr lang="en-US" altLang="zh-CN"/>
+              <a:t>容易就会出现梯度消失的情况，从而无法完成深层网络的训练。</a:t>
+            </a:r>
+            <a:endParaRPr lang="en-US" altLang="zh-CN"/>
+          </a:p>
+          <a:p>
+            <a:r>
+              <a:rPr lang="en-US" altLang="zh-CN"/>
+              <a:t>2. sigmoid 函数的输出不是 0 均值的，会导致后层的神经元的输入是非 0 均值的信号，这会对梯度</a:t>
+            </a:r>
+            <a:endParaRPr lang="en-US" altLang="zh-CN"/>
+          </a:p>
+          <a:p>
+            <a:r>
+              <a:rPr lang="en-US" altLang="zh-CN"/>
+              <a:t>产生影响。</a:t>
+            </a:r>
+            <a:endParaRPr lang="en-US" altLang="zh-CN"/>
+          </a:p>
+          <a:p>
+            <a:r>
+              <a:rPr lang="en-US" altLang="zh-CN"/>
+              <a:t>3. 计算复杂度高，因为 sigmoid 函数是指数形式。</a:t>
+            </a:r>
+            <a:endParaRPr lang="en-US" altLang="zh-CN"/>
+          </a:p>
+        </p:txBody>
+      </p:sp>
+      <p:graphicFrame>
+        <p:nvGraphicFramePr>
+          <p:cNvPr id="7" name="对象 6">
+            <a:hlinkClick r:id="" action="ppaction://ole?verb="/>
+          </p:cNvPr>
+          <p:cNvGraphicFramePr>
+            <a:graphicFrameLocks noChangeAspect="1"/>
+          </p:cNvGraphicFramePr>
+          <p:nvPr/>
+        </p:nvGraphicFramePr>
+        <p:xfrm>
+          <a:off x="6429375" y="1768475"/>
+          <a:ext cx="2720340" cy="902970"/>
+        </p:xfrm>
+        <a:graphic>
+          <a:graphicData uri="http://schemas.openxmlformats.org/presentationml/2006/ole">
+            <mc:AlternateContent xmlns:mc="http://schemas.openxmlformats.org/markup-compatibility/2006">
+              <mc:Choice xmlns:v="urn:schemas-microsoft-com:vml" Requires="v">
+                <p:oleObj spid="_x0000_s3074" name="" r:id="rId3" imgW="1371600" imgH="393700" progId="Equation.KSEE3">
+                  <p:embed/>
+                </p:oleObj>
+              </mc:Choice>
+              <mc:Fallback>
+                <p:oleObj name="" r:id="rId3" imgW="1371600" imgH="393700" progId="Equation.KSEE3">
+                  <p:embed/>
+                  <p:pic>
+                    <p:nvPicPr>
+                      <p:cNvPr id="0" name="图片 3073"/>
+                      <p:cNvPicPr/>
+                      <p:nvPr/>
+                    </p:nvPicPr>
+                    <p:blipFill>
+                      <a:blip r:embed="rId4"/>
+                      <a:stretch>
+                        <a:fillRect/>
+                      </a:stretch>
+                    </p:blipFill>
+                    <p:spPr>
+                      <a:xfrm>
+                        <a:off x="6429375" y="1768475"/>
+                        <a:ext cx="2720340" cy="902970"/>
+                      </a:xfrm>
+                      <a:prstGeom prst="rect">
+                        <a:avLst/>
+                      </a:prstGeom>
+                    </p:spPr>
+                  </p:pic>
+                </p:oleObj>
+              </mc:Fallback>
+            </mc:AlternateContent>
+          </a:graphicData>
+        </a:graphic>
+      </p:graphicFrame>
+      <p:sp>
+        <p:nvSpPr>
+          <p:cNvPr id="8" name="文本框 7"/>
+          <p:cNvSpPr txBox="1"/>
+          <p:nvPr/>
+        </p:nvSpPr>
+        <p:spPr>
+          <a:xfrm>
+            <a:off x="5084445" y="2035810"/>
+            <a:ext cx="1025525" cy="368300"/>
+          </a:xfrm>
+          <a:prstGeom prst="rect">
+            <a:avLst/>
+          </a:prstGeom>
+          <a:noFill/>
+        </p:spPr>
+        <p:txBody>
+          <a:bodyPr wrap="square" rtlCol="0">
+            <a:spAutoFit/>
+          </a:bodyPr>
+          <a:p>
+            <a:r>
+              <a:rPr lang="zh-CN" altLang="en-US"/>
+              <a:t>求导：</a:t>
             </a:r>
             <a:endParaRPr lang="zh-CN" altLang="en-US"/>
           </a:p>
@@ -4569,51 +9240,243 @@
           <a:bodyPr/>
           <a:p>
             <a:r>
-              <a:rPr lang="zh-CN" altLang="en-US"/>
-              <a:t>使用神经网络解决异或问题</a:t>
-            </a:r>
-            <a:endParaRPr lang="zh-CN" altLang="en-US"/>
-          </a:p>
-        </p:txBody>
-      </p:sp>
-      <p:sp>
-        <p:nvSpPr>
-          <p:cNvPr id="3" name="内容占位符 2"/>
-          <p:cNvSpPr>
-            <a:spLocks noGrp="1"/>
-          </p:cNvSpPr>
-          <p:nvPr>
-            <p:ph idx="1"/>
-          </p:nvPr>
-        </p:nvSpPr>
-        <p:spPr/>
-        <p:txBody>
-          <a:bodyPr/>
-          <a:p>
-            <a:r>
-              <a:rPr lang="zh-CN" altLang="en-US">
-                <a:sym typeface="+mn-ea"/>
-              </a:rPr>
-              <a:t>讲解</a:t>
+              <a:rPr lang="en-US" altLang="zh-CN"/>
+              <a:t>relu </a:t>
+            </a:r>
+            <a:r>
+              <a:rPr lang="zh-CN" altLang="zh-CN"/>
+              <a:t>激活函数</a:t>
+            </a:r>
+            <a:endParaRPr lang="zh-CN" altLang="zh-CN"/>
+          </a:p>
+        </p:txBody>
+      </p:sp>
+      <p:sp>
+        <p:nvSpPr>
+          <p:cNvPr id="6" name="文本框 5"/>
+          <p:cNvSpPr txBox="1"/>
+          <p:nvPr/>
+        </p:nvSpPr>
+        <p:spPr>
+          <a:xfrm>
+            <a:off x="1000760" y="3035300"/>
+            <a:ext cx="10754360" cy="2584450"/>
+          </a:xfrm>
+          <a:prstGeom prst="rect">
+            <a:avLst/>
+          </a:prstGeom>
+          <a:noFill/>
+        </p:spPr>
+        <p:txBody>
+          <a:bodyPr wrap="square" rtlCol="0">
+            <a:spAutoFit/>
+          </a:bodyPr>
+          <a:p>
+            <a:r>
+              <a:rPr lang="en-US" altLang="zh-CN"/>
+              <a:t>优点：</a:t>
+            </a:r>
+            <a:endParaRPr lang="en-US" altLang="zh-CN"/>
+          </a:p>
+          <a:p>
+            <a:r>
+              <a:rPr lang="en-US" altLang="zh-CN"/>
+              <a:t>1. 使用 ReLU 的 SGD 算法的收敛速度比 sigmoid 和 tanh 快。</a:t>
+            </a:r>
+            <a:endParaRPr lang="en-US" altLang="zh-CN"/>
+          </a:p>
+          <a:p>
+            <a:r>
+              <a:rPr lang="en-US" altLang="zh-CN"/>
+              <a:t>2. 在 x &gt; 0 区域上，不会出现梯度饱和、梯度消失的问题。</a:t>
+            </a:r>
+            <a:endParaRPr lang="en-US" altLang="zh-CN"/>
+          </a:p>
+          <a:p>
+            <a:r>
+              <a:rPr lang="en-US" altLang="zh-CN"/>
+              <a:t>3. 计算复杂度低，不需要进行指数运算，只要一个阈值就可以得到激活值。</a:t>
+            </a:r>
+            <a:endParaRPr lang="en-US" altLang="zh-CN"/>
+          </a:p>
+          <a:p>
+            <a:endParaRPr lang="en-US" altLang="zh-CN"/>
+          </a:p>
+          <a:p>
+            <a:r>
+              <a:rPr lang="en-US" altLang="zh-CN"/>
+              <a:t>缺点：</a:t>
+            </a:r>
+            <a:endParaRPr lang="en-US" altLang="zh-CN"/>
+          </a:p>
+          <a:p>
+            <a:r>
+              <a:rPr lang="en-US" altLang="zh-CN"/>
+              <a:t>1. ReLU 的输出不是 0 均值的。</a:t>
+            </a:r>
+            <a:endParaRPr lang="en-US" altLang="zh-CN"/>
+          </a:p>
+          <a:p>
+            <a:r>
+              <a:rPr lang="en-US" altLang="zh-CN"/>
+              <a:t>2. Dead ReLU Problem (神经元坏死现象)：ReLU 在负数区域被 kill 的现象叫做 dead </a:t>
             </a:r>
             <a:r>
               <a:rPr lang="en-US" altLang="zh-CN">
                 <a:sym typeface="+mn-ea"/>
               </a:rPr>
-              <a:t> </a:t>
-            </a:r>
-            <a:r>
-              <a:rPr lang="en-US" altLang="zh-CN"/>
-              <a:t>example1 </a:t>
-            </a:r>
-            <a:r>
-              <a:rPr lang="zh-CN" altLang="en-US"/>
-              <a:t>程序</a:t>
-            </a:r>
-            <a:endParaRPr lang="zh-CN" altLang="en-US"/>
-          </a:p>
-        </p:txBody>
-      </p:sp>
+              <a:t>ReLU</a:t>
+            </a:r>
+            <a:r>
+              <a:rPr lang="en-US" altLang="zh-CN"/>
+              <a:t>。</a:t>
+            </a:r>
+            <a:endParaRPr lang="en-US" altLang="zh-CN"/>
+          </a:p>
+          <a:p>
+            <a:r>
+              <a:rPr lang="en-US" altLang="zh-CN"/>
+              <a:t>3. ReLU 在训练的时很“脆弱”。</a:t>
+            </a:r>
+            <a:endParaRPr lang="en-US" altLang="zh-CN"/>
+          </a:p>
+        </p:txBody>
+      </p:sp>
+      <p:graphicFrame>
+        <p:nvGraphicFramePr>
+          <p:cNvPr id="7" name="对象 6">
+            <a:hlinkClick r:id="" action="ppaction://ole?verb="/>
+          </p:cNvPr>
+          <p:cNvGraphicFramePr>
+            <a:graphicFrameLocks noChangeAspect="1"/>
+          </p:cNvGraphicFramePr>
+          <p:nvPr/>
+        </p:nvGraphicFramePr>
+        <p:xfrm>
+          <a:off x="6280150" y="1691005"/>
+          <a:ext cx="2851785" cy="1107440"/>
+        </p:xfrm>
+        <a:graphic>
+          <a:graphicData uri="http://schemas.openxmlformats.org/presentationml/2006/ole">
+            <mc:AlternateContent xmlns:mc="http://schemas.openxmlformats.org/markup-compatibility/2006">
+              <mc:Choice xmlns:v="urn:schemas-microsoft-com:vml" Requires="v">
+                <p:oleObj spid="_x0000_s3074" name="" r:id="rId1" imgW="1193800" imgH="482600" progId="Equation.KSEE3">
+                  <p:embed/>
+                </p:oleObj>
+              </mc:Choice>
+              <mc:Fallback>
+                <p:oleObj name="" r:id="rId1" imgW="1193800" imgH="482600" progId="Equation.KSEE3">
+                  <p:embed/>
+                  <p:pic>
+                    <p:nvPicPr>
+                      <p:cNvPr id="0" name="图片 3073"/>
+                      <p:cNvPicPr/>
+                      <p:nvPr/>
+                    </p:nvPicPr>
+                    <p:blipFill>
+                      <a:blip r:embed="rId2"/>
+                      <a:stretch>
+                        <a:fillRect/>
+                      </a:stretch>
+                    </p:blipFill>
+                    <p:spPr>
+                      <a:xfrm>
+                        <a:off x="6280150" y="1691005"/>
+                        <a:ext cx="2851785" cy="1107440"/>
+                      </a:xfrm>
+                      <a:prstGeom prst="rect">
+                        <a:avLst/>
+                      </a:prstGeom>
+                    </p:spPr>
+                  </p:pic>
+                </p:oleObj>
+              </mc:Fallback>
+            </mc:AlternateContent>
+          </a:graphicData>
+        </a:graphic>
+      </p:graphicFrame>
+      <p:sp>
+        <p:nvSpPr>
+          <p:cNvPr id="8" name="文本框 7"/>
+          <p:cNvSpPr txBox="1"/>
+          <p:nvPr/>
+        </p:nvSpPr>
+        <p:spPr>
+          <a:xfrm>
+            <a:off x="5316220" y="2035810"/>
+            <a:ext cx="1025525" cy="368300"/>
+          </a:xfrm>
+          <a:prstGeom prst="rect">
+            <a:avLst/>
+          </a:prstGeom>
+          <a:noFill/>
+        </p:spPr>
+        <p:txBody>
+          <a:bodyPr wrap="square" rtlCol="0">
+            <a:spAutoFit/>
+          </a:bodyPr>
+          <a:p>
+            <a:r>
+              <a:rPr lang="zh-CN" altLang="en-US"/>
+              <a:t>求导：</a:t>
+            </a:r>
+            <a:endParaRPr lang="zh-CN" altLang="en-US"/>
+          </a:p>
+        </p:txBody>
+      </p:sp>
+      <p:graphicFrame>
+        <p:nvGraphicFramePr>
+          <p:cNvPr id="5" name="对象 4">
+            <a:hlinkClick r:id="" action="ppaction://ole?verb="/>
+          </p:cNvPr>
+          <p:cNvGraphicFramePr>
+            <a:graphicFrameLocks noChangeAspect="1"/>
+          </p:cNvGraphicFramePr>
+          <p:nvPr/>
+        </p:nvGraphicFramePr>
+        <p:xfrm>
+          <a:off x="1492250" y="1924050"/>
+          <a:ext cx="3272790" cy="623570"/>
+        </p:xfrm>
+        <a:graphic>
+          <a:graphicData uri="http://schemas.openxmlformats.org/presentationml/2006/ole">
+            <mc:AlternateContent xmlns:mc="http://schemas.openxmlformats.org/markup-compatibility/2006">
+              <mc:Choice xmlns:v="urn:schemas-microsoft-com:vml" Requires="v">
+                <p:oleObj spid="_x0000_s4097" name="" r:id="rId3" imgW="1066800" imgH="203200" progId="Equation.KSEE3">
+                  <p:embed/>
+                </p:oleObj>
+              </mc:Choice>
+              <mc:Fallback>
+                <p:oleObj name="" r:id="rId3" imgW="1066800" imgH="203200" progId="Equation.KSEE3">
+                  <p:embed/>
+                  <p:pic>
+                    <p:nvPicPr>
+                      <p:cNvPr id="0" name="图片 4096"/>
+                      <p:cNvPicPr/>
+                      <p:nvPr/>
+                    </p:nvPicPr>
+                    <p:blipFill>
+                      <a:blip r:embed="rId4"/>
+                      <a:stretch>
+                        <a:fillRect/>
+                      </a:stretch>
+                    </p:blipFill>
+                    <p:spPr>
+                      <a:xfrm>
+                        <a:off x="1492250" y="1924050"/>
+                        <a:ext cx="3272790" cy="623570"/>
+                      </a:xfrm>
+                      <a:prstGeom prst="rect">
+                        <a:avLst/>
+                      </a:prstGeom>
+                    </p:spPr>
+                  </p:pic>
+                </p:oleObj>
+              </mc:Fallback>
+            </mc:AlternateContent>
+          </a:graphicData>
+        </a:graphic>
+      </p:graphicFrame>
     </p:spTree>
   </p:cSld>
   <p:clrMapOvr>
@@ -4889,4 +9752,263 @@
     </a:ext>
   </a:extLst>
 </a:theme>
+</file>
+
+<file path=ppt/theme/theme2.xml><?xml version="1.0" encoding="utf-8"?>
+<a:theme xmlns:a="http://schemas.openxmlformats.org/drawingml/2006/main" name="Office 主题">
+  <a:themeElements>
+    <a:clrScheme name="Office">
+      <a:dk1>
+        <a:sysClr val="windowText" lastClr="000000"/>
+      </a:dk1>
+      <a:lt1>
+        <a:sysClr val="window" lastClr="FFFFFF"/>
+      </a:lt1>
+      <a:dk2>
+        <a:srgbClr val="44546A"/>
+      </a:dk2>
+      <a:lt2>
+        <a:srgbClr val="E7E6E6"/>
+      </a:lt2>
+      <a:accent1>
+        <a:srgbClr val="5B9BD5"/>
+      </a:accent1>
+      <a:accent2>
+        <a:srgbClr val="ED7D31"/>
+      </a:accent2>
+      <a:accent3>
+        <a:srgbClr val="A5A5A5"/>
+      </a:accent3>
+      <a:accent4>
+        <a:srgbClr val="FFC000"/>
+      </a:accent4>
+      <a:accent5>
+        <a:srgbClr val="4472C4"/>
+      </a:accent5>
+      <a:accent6>
+        <a:srgbClr val="70AD47"/>
+      </a:accent6>
+      <a:hlink>
+        <a:srgbClr val="0563C1"/>
+      </a:hlink>
+      <a:folHlink>
+        <a:srgbClr val="954F72"/>
+      </a:folHlink>
+    </a:clrScheme>
+    <a:fontScheme name="Office">
+      <a:majorFont>
+        <a:latin typeface="Calibri Light"/>
+        <a:ea typeface=""/>
+        <a:cs typeface=""/>
+        <a:font script="Jpan" typeface="ＭＳ Ｐゴシック"/>
+        <a:font script="Hang" typeface="맑은 고딕"/>
+        <a:font script="Hans" typeface="宋体"/>
+        <a:font script="Hant" typeface="新細明體"/>
+        <a:font script="Arab" typeface="Times New Roman"/>
+        <a:font script="Hebr" typeface="Times New Roman"/>
+        <a:font script="Thai" typeface="Angsana New"/>
+        <a:font script="Ethi" typeface="Nyala"/>
+        <a:font script="Beng" typeface="Vrinda"/>
+        <a:font script="Gujr" typeface="Shruti"/>
+        <a:font script="Khmr" typeface="MoolBoran"/>
+        <a:font script="Knda" typeface="Tunga"/>
+        <a:font script="Guru" typeface="Raavi"/>
+        <a:font script="Cans" typeface="Euphemia"/>
+        <a:font script="Cher" typeface="Plantagenet Cherokee"/>
+        <a:font script="Yiii" typeface="Microsoft Yi Baiti"/>
+        <a:font script="Tibt" typeface="Microsoft Himalaya"/>
+        <a:font script="Thaa" typeface="MV Boli"/>
+        <a:font script="Deva" typeface="Mangal"/>
+        <a:font script="Telu" typeface="Gautami"/>
+        <a:font script="Taml" typeface="Latha"/>
+        <a:font script="Syrc" typeface="Estrangelo Edessa"/>
+        <a:font script="Orya" typeface="Kalinga"/>
+        <a:font script="Mlym" typeface="Kartika"/>
+        <a:font script="Laoo" typeface="DokChampa"/>
+        <a:font script="Sinh" typeface="Iskoola Pota"/>
+        <a:font script="Mong" typeface="Mongolian Baiti"/>
+        <a:font script="Viet" typeface="Times New Roman"/>
+        <a:font script="Uigh" typeface="Microsoft Uighur"/>
+        <a:font script="Geor" typeface="Sylfaen"/>
+      </a:majorFont>
+      <a:minorFont>
+        <a:latin typeface="Calibri"/>
+        <a:ea typeface=""/>
+        <a:cs typeface=""/>
+        <a:font script="Jpan" typeface="ＭＳ Ｐゴシック"/>
+        <a:font script="Hang" typeface="맑은 고딕"/>
+        <a:font script="Hans" typeface="宋体"/>
+        <a:font script="Hant" typeface="新細明體"/>
+        <a:font script="Arab" typeface="Arial"/>
+        <a:font script="Hebr" typeface="Arial"/>
+        <a:font script="Thai" typeface="Cordia New"/>
+        <a:font script="Ethi" typeface="Nyala"/>
+        <a:font script="Beng" typeface="Vrinda"/>
+        <a:font script="Gujr" typeface="Shruti"/>
+        <a:font script="Khmr" typeface="DaunPenh"/>
+        <a:font script="Knda" typeface="Tunga"/>
+        <a:font script="Guru" typeface="Raavi"/>
+        <a:font script="Cans" typeface="Euphemia"/>
+        <a:font script="Cher" typeface="Plantagenet Cherokee"/>
+        <a:font script="Yiii" typeface="Microsoft Yi Baiti"/>
+        <a:font script="Tibt" typeface="Microsoft Himalaya"/>
+        <a:font script="Thaa" typeface="MV Boli"/>
+        <a:font script="Deva" typeface="Mangal"/>
+        <a:font script="Telu" typeface="Gautami"/>
+        <a:font script="Taml" typeface="Latha"/>
+        <a:font script="Syrc" typeface="Estrangelo Edessa"/>
+        <a:font script="Orya" typeface="Kalinga"/>
+        <a:font script="Mlym" typeface="Kartika"/>
+        <a:font script="Laoo" typeface="DokChampa"/>
+        <a:font script="Sinh" typeface="Iskoola Pota"/>
+        <a:font script="Mong" typeface="Mongolian Baiti"/>
+        <a:font script="Viet" typeface="Arial"/>
+        <a:font script="Uigh" typeface="Microsoft Uighur"/>
+        <a:font script="Geor" typeface="Sylfaen"/>
+      </a:minorFont>
+    </a:fontScheme>
+    <a:fmtScheme name="Office">
+      <a:fillStyleLst>
+        <a:solidFill>
+          <a:schemeClr val="phClr"/>
+        </a:solidFill>
+        <a:gradFill rotWithShape="1">
+          <a:gsLst>
+            <a:gs pos="0">
+              <a:schemeClr val="phClr">
+                <a:lumMod val="110000"/>
+                <a:satMod val="105000"/>
+                <a:tint val="67000"/>
+              </a:schemeClr>
+            </a:gs>
+            <a:gs pos="50000">
+              <a:schemeClr val="phClr">
+                <a:lumMod val="105000"/>
+                <a:satMod val="103000"/>
+                <a:tint val="73000"/>
+              </a:schemeClr>
+            </a:gs>
+            <a:gs pos="100000">
+              <a:schemeClr val="phClr">
+                <a:lumMod val="105000"/>
+                <a:satMod val="109000"/>
+                <a:tint val="81000"/>
+              </a:schemeClr>
+            </a:gs>
+          </a:gsLst>
+          <a:lin ang="5400000" scaled="0"/>
+        </a:gradFill>
+        <a:gradFill rotWithShape="1">
+          <a:gsLst>
+            <a:gs pos="0">
+              <a:schemeClr val="phClr">
+                <a:satMod val="103000"/>
+                <a:lumMod val="102000"/>
+                <a:tint val="94000"/>
+              </a:schemeClr>
+            </a:gs>
+            <a:gs pos="50000">
+              <a:schemeClr val="phClr">
+                <a:satMod val="110000"/>
+                <a:lumMod val="100000"/>
+                <a:shade val="100000"/>
+              </a:schemeClr>
+            </a:gs>
+            <a:gs pos="100000">
+              <a:schemeClr val="phClr">
+                <a:lumMod val="99000"/>
+                <a:satMod val="120000"/>
+                <a:shade val="78000"/>
+              </a:schemeClr>
+            </a:gs>
+          </a:gsLst>
+          <a:lin ang="5400000" scaled="0"/>
+        </a:gradFill>
+      </a:fillStyleLst>
+      <a:lnStyleLst>
+        <a:ln w="6350" cap="flat" cmpd="sng" algn="ctr">
+          <a:solidFill>
+            <a:schemeClr val="phClr"/>
+          </a:solidFill>
+          <a:prstDash val="solid"/>
+          <a:miter lim="800000"/>
+        </a:ln>
+        <a:ln w="12700" cap="flat" cmpd="sng" algn="ctr">
+          <a:solidFill>
+            <a:schemeClr val="phClr"/>
+          </a:solidFill>
+          <a:prstDash val="solid"/>
+          <a:miter lim="800000"/>
+        </a:ln>
+        <a:ln w="19050" cap="flat" cmpd="sng" algn="ctr">
+          <a:solidFill>
+            <a:schemeClr val="phClr"/>
+          </a:solidFill>
+          <a:prstDash val="solid"/>
+          <a:miter lim="800000"/>
+        </a:ln>
+      </a:lnStyleLst>
+      <a:effectStyleLst>
+        <a:effectStyle>
+          <a:effectLst/>
+        </a:effectStyle>
+        <a:effectStyle>
+          <a:effectLst/>
+        </a:effectStyle>
+        <a:effectStyle>
+          <a:effectLst>
+            <a:outerShdw blurRad="57150" dist="19050" dir="5400000" algn="ctr" rotWithShape="0">
+              <a:srgbClr val="000000">
+                <a:alpha val="63000"/>
+              </a:srgbClr>
+            </a:outerShdw>
+          </a:effectLst>
+        </a:effectStyle>
+      </a:effectStyleLst>
+      <a:bgFillStyleLst>
+        <a:solidFill>
+          <a:schemeClr val="phClr"/>
+        </a:solidFill>
+        <a:solidFill>
+          <a:schemeClr val="phClr">
+            <a:tint val="95000"/>
+            <a:satMod val="170000"/>
+          </a:schemeClr>
+        </a:solidFill>
+        <a:gradFill rotWithShape="1">
+          <a:gsLst>
+            <a:gs pos="0">
+              <a:schemeClr val="phClr">
+                <a:tint val="93000"/>
+                <a:satMod val="150000"/>
+                <a:shade val="98000"/>
+                <a:lumMod val="102000"/>
+              </a:schemeClr>
+            </a:gs>
+            <a:gs pos="50000">
+              <a:schemeClr val="phClr">
+                <a:tint val="98000"/>
+                <a:satMod val="130000"/>
+                <a:shade val="90000"/>
+                <a:lumMod val="103000"/>
+              </a:schemeClr>
+            </a:gs>
+            <a:gs pos="100000">
+              <a:schemeClr val="phClr">
+                <a:shade val="63000"/>
+                <a:satMod val="120000"/>
+              </a:schemeClr>
+            </a:gs>
+          </a:gsLst>
+          <a:lin ang="5400000" scaled="0"/>
+        </a:gradFill>
+      </a:bgFillStyleLst>
+    </a:fmtScheme>
+  </a:themeElements>
+  <a:extLst>
+    <a:ext uri="{05A4C25C-085E-4340-85A3-A5531E510DB2}">
+      <thm15:themeFamily xmlns:thm15="http://schemas.microsoft.com/office/thememl/2012/main" name="Office Theme" id="{62F939B6-93AF-4DB8-9C6B-D6C7DFDC589F}" vid="{4A3C46E8-61CC-4603-A589-7422A47A8E4A}"/>
+    </a:ext>
+  </a:extLst>
+</a:theme>
 </file>